--- a/ProjetS2/Dossier-Manuel-Presentation/PresentationProjetS2.pptx
+++ b/ProjetS2/Dossier-Manuel-Presentation/PresentationProjetS2.pptx
@@ -1,6 +1,6 @@
 
 <file path=ppt/presentation.xml><?xml version="1.0" encoding="utf-8"?>
-<p:presentation xmlns:a="http://schemas.openxmlformats.org/drawingml/2006/main" xmlns:r="http://schemas.openxmlformats.org/officeDocument/2006/relationships" xmlns:p="http://schemas.openxmlformats.org/presentationml/2006/main" serverZoom="49592" saveSubsetFonts="1">
+<p:presentation xmlns:a="http://schemas.openxmlformats.org/drawingml/2006/main" xmlns:r="http://schemas.openxmlformats.org/officeDocument/2006/relationships" xmlns:p="http://schemas.openxmlformats.org/presentationml/2006/main" serverZoom="40305" saveSubsetFonts="1">
   <p:sldMasterIdLst>
     <p:sldMasterId id="2147483678" r:id="rId1"/>
   </p:sldMasterIdLst>
@@ -134,7 +134,7 @@
   </p:defaultTextStyle>
   <p:extLst>
     <p:ext uri="{EFAFB233-063F-42B5-8137-9DF3F51BA10A}">
-      <p15:sldGuideLst xmlns:p15="http://schemas.microsoft.com/office/powerpoint/2012/main" xmlns="">
+      <p15:sldGuideLst xmlns="" xmlns:p15="http://schemas.microsoft.com/office/powerpoint/2012/main">
         <p15:guide id="1" orient="horz" pos="2160" userDrawn="1">
           <p15:clr>
             <a:srgbClr val="A4A3A4"/>
@@ -377,7 +377,7 @@
           <a:p>
             <a:fld id="{02AD1CBD-E0FB-4F97-9B07-04EEBC115ADC}" type="datetimeFigureOut">
               <a:rPr lang="fr-FR" smtClean="0"/>
-              <a:t>30/05/2015</a:t>
+              <a:t>31/05/2015</a:t>
             </a:fld>
             <a:endParaRPr lang="fr-FR"/>
           </a:p>
@@ -419,7 +419,7 @@
           <a:p>
             <a:fld id="{B4E1FA03-DE6C-41FB-B508-C0E99749F86B}" type="slidenum">
               <a:rPr lang="fr-FR" smtClean="0"/>
-              <a:t>‹#›</a:t>
+              <a:t>‹N°›</a:t>
             </a:fld>
             <a:endParaRPr lang="fr-FR"/>
           </a:p>
@@ -473,13 +473,13 @@
   <p:clrMapOvr>
     <a:masterClrMapping/>
   </p:clrMapOvr>
-  <mc:AlternateContent xmlns:mc="http://schemas.openxmlformats.org/markup-compatibility/2006">
-    <mc:Choice xmlns:p14="http://schemas.microsoft.com/office/powerpoint/2010/main" Requires="p14">
+  <mc:AlternateContent xmlns:mc="http://schemas.openxmlformats.org/markup-compatibility/2006" xmlns:p14="http://schemas.microsoft.com/office/powerpoint/2010/main">
+    <mc:Choice Requires="p14">
       <p:transition spd="slow" p14:dur="1500">
         <p14:reveal/>
       </p:transition>
     </mc:Choice>
-    <mc:Fallback>
+    <mc:Fallback xmlns="">
       <p:transition spd="slow">
         <p:fade/>
       </p:transition>
@@ -597,7 +597,7 @@
           <a:p>
             <a:fld id="{02AD1CBD-E0FB-4F97-9B07-04EEBC115ADC}" type="datetimeFigureOut">
               <a:rPr lang="fr-FR" smtClean="0"/>
-              <a:t>30/05/2015</a:t>
+              <a:t>31/05/2015</a:t>
             </a:fld>
             <a:endParaRPr lang="fr-FR"/>
           </a:p>
@@ -639,7 +639,7 @@
           <a:p>
             <a:fld id="{B4E1FA03-DE6C-41FB-B508-C0E99749F86B}" type="slidenum">
               <a:rPr lang="fr-FR" smtClean="0"/>
-              <a:t>‹#›</a:t>
+              <a:t>‹N°›</a:t>
             </a:fld>
             <a:endParaRPr lang="fr-FR"/>
           </a:p>
@@ -655,13 +655,13 @@
   <p:clrMapOvr>
     <a:masterClrMapping/>
   </p:clrMapOvr>
-  <mc:AlternateContent xmlns:mc="http://schemas.openxmlformats.org/markup-compatibility/2006">
-    <mc:Choice xmlns:p14="http://schemas.microsoft.com/office/powerpoint/2010/main" Requires="p14">
+  <mc:AlternateContent xmlns:mc="http://schemas.openxmlformats.org/markup-compatibility/2006" xmlns:p14="http://schemas.microsoft.com/office/powerpoint/2010/main">
+    <mc:Choice Requires="p14">
       <p:transition spd="slow" p14:dur="1500">
         <p14:reveal/>
       </p:transition>
     </mc:Choice>
-    <mc:Fallback>
+    <mc:Fallback xmlns="">
       <p:transition spd="slow">
         <p:fade/>
       </p:transition>
@@ -865,7 +865,7 @@
           <a:p>
             <a:fld id="{02AD1CBD-E0FB-4F97-9B07-04EEBC115ADC}" type="datetimeFigureOut">
               <a:rPr lang="fr-FR" smtClean="0"/>
-              <a:t>30/05/2015</a:t>
+              <a:t>31/05/2015</a:t>
             </a:fld>
             <a:endParaRPr lang="fr-FR"/>
           </a:p>
@@ -907,7 +907,7 @@
           <a:p>
             <a:fld id="{B4E1FA03-DE6C-41FB-B508-C0E99749F86B}" type="slidenum">
               <a:rPr lang="fr-FR" smtClean="0"/>
-              <a:t>‹#›</a:t>
+              <a:t>‹N°›</a:t>
             </a:fld>
             <a:endParaRPr lang="fr-FR"/>
           </a:p>
@@ -923,13 +923,13 @@
   <p:clrMapOvr>
     <a:masterClrMapping/>
   </p:clrMapOvr>
-  <mc:AlternateContent xmlns:mc="http://schemas.openxmlformats.org/markup-compatibility/2006">
-    <mc:Choice xmlns:p14="http://schemas.microsoft.com/office/powerpoint/2010/main" Requires="p14">
+  <mc:AlternateContent xmlns:mc="http://schemas.openxmlformats.org/markup-compatibility/2006" xmlns:p14="http://schemas.microsoft.com/office/powerpoint/2010/main">
+    <mc:Choice Requires="p14">
       <p:transition spd="slow" p14:dur="1500">
         <p14:reveal/>
       </p:transition>
     </mc:Choice>
-    <mc:Fallback>
+    <mc:Fallback xmlns="">
       <p:transition spd="slow">
         <p:fade/>
       </p:transition>
@@ -1051,7 +1051,7 @@
           <a:p>
             <a:fld id="{02AD1CBD-E0FB-4F97-9B07-04EEBC115ADC}" type="datetimeFigureOut">
               <a:rPr lang="fr-FR" smtClean="0"/>
-              <a:t>30/05/2015</a:t>
+              <a:t>31/05/2015</a:t>
             </a:fld>
             <a:endParaRPr lang="fr-FR"/>
           </a:p>
@@ -1093,7 +1093,7 @@
           <a:p>
             <a:fld id="{B4E1FA03-DE6C-41FB-B508-C0E99749F86B}" type="slidenum">
               <a:rPr lang="fr-FR" smtClean="0"/>
-              <a:t>‹#›</a:t>
+              <a:t>‹N°›</a:t>
             </a:fld>
             <a:endParaRPr lang="fr-FR"/>
           </a:p>
@@ -1109,13 +1109,13 @@
   <p:clrMapOvr>
     <a:masterClrMapping/>
   </p:clrMapOvr>
-  <mc:AlternateContent xmlns:mc="http://schemas.openxmlformats.org/markup-compatibility/2006">
-    <mc:Choice xmlns:p14="http://schemas.microsoft.com/office/powerpoint/2010/main" Requires="p14">
+  <mc:AlternateContent xmlns:mc="http://schemas.openxmlformats.org/markup-compatibility/2006" xmlns:p14="http://schemas.microsoft.com/office/powerpoint/2010/main">
+    <mc:Choice Requires="p14">
       <p:transition spd="slow" p14:dur="1500">
         <p14:reveal/>
       </p:transition>
     </mc:Choice>
-    <mc:Fallback>
+    <mc:Fallback xmlns="">
       <p:transition spd="slow">
         <p:fade/>
       </p:transition>
@@ -1406,7 +1406,7 @@
           <a:p>
             <a:fld id="{02AD1CBD-E0FB-4F97-9B07-04EEBC115ADC}" type="datetimeFigureOut">
               <a:rPr lang="fr-FR" smtClean="0"/>
-              <a:t>30/05/2015</a:t>
+              <a:t>31/05/2015</a:t>
             </a:fld>
             <a:endParaRPr lang="fr-FR"/>
           </a:p>
@@ -1448,7 +1448,7 @@
           <a:p>
             <a:fld id="{B4E1FA03-DE6C-41FB-B508-C0E99749F86B}" type="slidenum">
               <a:rPr lang="fr-FR" smtClean="0"/>
-              <a:t>‹#›</a:t>
+              <a:t>‹N°›</a:t>
             </a:fld>
             <a:endParaRPr lang="fr-FR"/>
           </a:p>
@@ -1502,13 +1502,13 @@
   <p:clrMapOvr>
     <a:masterClrMapping/>
   </p:clrMapOvr>
-  <mc:AlternateContent xmlns:mc="http://schemas.openxmlformats.org/markup-compatibility/2006">
-    <mc:Choice xmlns:p14="http://schemas.microsoft.com/office/powerpoint/2010/main" Requires="p14">
+  <mc:AlternateContent xmlns:mc="http://schemas.openxmlformats.org/markup-compatibility/2006" xmlns:p14="http://schemas.microsoft.com/office/powerpoint/2010/main">
+    <mc:Choice Requires="p14">
       <p:transition spd="slow" p14:dur="1500">
         <p14:reveal/>
       </p:transition>
     </mc:Choice>
-    <mc:Fallback>
+    <mc:Fallback xmlns="">
       <p:transition spd="slow">
         <p:fade/>
       </p:transition>
@@ -1693,7 +1693,7 @@
           <a:p>
             <a:fld id="{02AD1CBD-E0FB-4F97-9B07-04EEBC115ADC}" type="datetimeFigureOut">
               <a:rPr lang="fr-FR" smtClean="0"/>
-              <a:t>30/05/2015</a:t>
+              <a:t>31/05/2015</a:t>
             </a:fld>
             <a:endParaRPr lang="fr-FR"/>
           </a:p>
@@ -1735,7 +1735,7 @@
           <a:p>
             <a:fld id="{B4E1FA03-DE6C-41FB-B508-C0E99749F86B}" type="slidenum">
               <a:rPr lang="fr-FR" smtClean="0"/>
-              <a:t>‹#›</a:t>
+              <a:t>‹N°›</a:t>
             </a:fld>
             <a:endParaRPr lang="fr-FR"/>
           </a:p>
@@ -1751,13 +1751,13 @@
   <p:clrMapOvr>
     <a:masterClrMapping/>
   </p:clrMapOvr>
-  <mc:AlternateContent xmlns:mc="http://schemas.openxmlformats.org/markup-compatibility/2006">
-    <mc:Choice xmlns:p14="http://schemas.microsoft.com/office/powerpoint/2010/main" Requires="p14">
+  <mc:AlternateContent xmlns:mc="http://schemas.openxmlformats.org/markup-compatibility/2006" xmlns:p14="http://schemas.microsoft.com/office/powerpoint/2010/main">
+    <mc:Choice Requires="p14">
       <p:transition spd="slow" p14:dur="1500">
         <p14:reveal/>
       </p:transition>
     </mc:Choice>
-    <mc:Fallback>
+    <mc:Fallback xmlns="">
       <p:transition spd="slow">
         <p:fade/>
       </p:transition>
@@ -2084,7 +2084,7 @@
           <a:p>
             <a:fld id="{02AD1CBD-E0FB-4F97-9B07-04EEBC115ADC}" type="datetimeFigureOut">
               <a:rPr lang="fr-FR" smtClean="0"/>
-              <a:t>30/05/2015</a:t>
+              <a:t>31/05/2015</a:t>
             </a:fld>
             <a:endParaRPr lang="fr-FR"/>
           </a:p>
@@ -2126,7 +2126,7 @@
           <a:p>
             <a:fld id="{B4E1FA03-DE6C-41FB-B508-C0E99749F86B}" type="slidenum">
               <a:rPr lang="fr-FR" smtClean="0"/>
-              <a:t>‹#›</a:t>
+              <a:t>‹N°›</a:t>
             </a:fld>
             <a:endParaRPr lang="fr-FR"/>
           </a:p>
@@ -2142,13 +2142,13 @@
   <p:clrMapOvr>
     <a:masterClrMapping/>
   </p:clrMapOvr>
-  <mc:AlternateContent xmlns:mc="http://schemas.openxmlformats.org/markup-compatibility/2006">
-    <mc:Choice xmlns:p14="http://schemas.microsoft.com/office/powerpoint/2010/main" Requires="p14">
+  <mc:AlternateContent xmlns:mc="http://schemas.openxmlformats.org/markup-compatibility/2006" xmlns:p14="http://schemas.microsoft.com/office/powerpoint/2010/main">
+    <mc:Choice Requires="p14">
       <p:transition spd="slow" p14:dur="1500">
         <p14:reveal/>
       </p:transition>
     </mc:Choice>
-    <mc:Fallback>
+    <mc:Fallback xmlns="">
       <p:transition spd="slow">
         <p:fade/>
       </p:transition>
@@ -2214,7 +2214,7 @@
           <a:p>
             <a:fld id="{02AD1CBD-E0FB-4F97-9B07-04EEBC115ADC}" type="datetimeFigureOut">
               <a:rPr lang="fr-FR" smtClean="0"/>
-              <a:t>30/05/2015</a:t>
+              <a:t>31/05/2015</a:t>
             </a:fld>
             <a:endParaRPr lang="fr-FR"/>
           </a:p>
@@ -2256,7 +2256,7 @@
           <a:p>
             <a:fld id="{B4E1FA03-DE6C-41FB-B508-C0E99749F86B}" type="slidenum">
               <a:rPr lang="fr-FR" smtClean="0"/>
-              <a:t>‹#›</a:t>
+              <a:t>‹N°›</a:t>
             </a:fld>
             <a:endParaRPr lang="fr-FR"/>
           </a:p>
@@ -2272,13 +2272,13 @@
   <p:clrMapOvr>
     <a:masterClrMapping/>
   </p:clrMapOvr>
-  <mc:AlternateContent xmlns:mc="http://schemas.openxmlformats.org/markup-compatibility/2006">
-    <mc:Choice xmlns:p14="http://schemas.microsoft.com/office/powerpoint/2010/main" Requires="p14">
+  <mc:AlternateContent xmlns:mc="http://schemas.openxmlformats.org/markup-compatibility/2006" xmlns:p14="http://schemas.microsoft.com/office/powerpoint/2010/main">
+    <mc:Choice Requires="p14">
       <p:transition spd="slow" p14:dur="1500">
         <p14:reveal/>
       </p:transition>
     </mc:Choice>
-    <mc:Fallback>
+    <mc:Fallback xmlns="">
       <p:transition spd="slow">
         <p:fade/>
       </p:transition>
@@ -2397,7 +2397,7 @@
           <a:p>
             <a:fld id="{02AD1CBD-E0FB-4F97-9B07-04EEBC115ADC}" type="datetimeFigureOut">
               <a:rPr lang="fr-FR" smtClean="0"/>
-              <a:t>30/05/2015</a:t>
+              <a:t>31/05/2015</a:t>
             </a:fld>
             <a:endParaRPr lang="fr-FR"/>
           </a:p>
@@ -2447,7 +2447,7 @@
           <a:p>
             <a:fld id="{B4E1FA03-DE6C-41FB-B508-C0E99749F86B}" type="slidenum">
               <a:rPr lang="fr-FR" smtClean="0"/>
-              <a:t>‹#›</a:t>
+              <a:t>‹N°›</a:t>
             </a:fld>
             <a:endParaRPr lang="fr-FR"/>
           </a:p>
@@ -2463,13 +2463,13 @@
   <p:clrMapOvr>
     <a:masterClrMapping/>
   </p:clrMapOvr>
-  <mc:AlternateContent xmlns:mc="http://schemas.openxmlformats.org/markup-compatibility/2006">
-    <mc:Choice xmlns:p14="http://schemas.microsoft.com/office/powerpoint/2010/main" Requires="p14">
+  <mc:AlternateContent xmlns:mc="http://schemas.openxmlformats.org/markup-compatibility/2006" xmlns:p14="http://schemas.microsoft.com/office/powerpoint/2010/main">
+    <mc:Choice Requires="p14">
       <p:transition spd="slow" p14:dur="1500">
         <p14:reveal/>
       </p:transition>
     </mc:Choice>
-    <mc:Fallback>
+    <mc:Fallback xmlns="">
       <p:transition spd="slow">
         <p:fade/>
       </p:transition>
@@ -2763,7 +2763,7 @@
           <a:p>
             <a:fld id="{02AD1CBD-E0FB-4F97-9B07-04EEBC115ADC}" type="datetimeFigureOut">
               <a:rPr lang="fr-FR" smtClean="0"/>
-              <a:t>30/05/2015</a:t>
+              <a:t>31/05/2015</a:t>
             </a:fld>
             <a:endParaRPr lang="fr-FR"/>
           </a:p>
@@ -2826,7 +2826,7 @@
           <a:p>
             <a:fld id="{B4E1FA03-DE6C-41FB-B508-C0E99749F86B}" type="slidenum">
               <a:rPr lang="fr-FR" smtClean="0"/>
-              <a:t>‹#›</a:t>
+              <a:t>‹N°›</a:t>
             </a:fld>
             <a:endParaRPr lang="fr-FR"/>
           </a:p>
@@ -2842,13 +2842,13 @@
   <p:clrMapOvr>
     <a:masterClrMapping/>
   </p:clrMapOvr>
-  <mc:AlternateContent xmlns:mc="http://schemas.openxmlformats.org/markup-compatibility/2006">
-    <mc:Choice xmlns:p14="http://schemas.microsoft.com/office/powerpoint/2010/main" Requires="p14">
+  <mc:AlternateContent xmlns:mc="http://schemas.openxmlformats.org/markup-compatibility/2006" xmlns:p14="http://schemas.microsoft.com/office/powerpoint/2010/main">
+    <mc:Choice Requires="p14">
       <p:transition spd="slow" p14:dur="1500">
         <p14:reveal/>
       </p:transition>
     </mc:Choice>
-    <mc:Fallback>
+    <mc:Fallback xmlns="">
       <p:transition spd="slow">
         <p:fade/>
       </p:transition>
@@ -3157,7 +3157,7 @@
           <a:p>
             <a:fld id="{02AD1CBD-E0FB-4F97-9B07-04EEBC115ADC}" type="datetimeFigureOut">
               <a:rPr lang="fr-FR" smtClean="0"/>
-              <a:t>30/05/2015</a:t>
+              <a:t>31/05/2015</a:t>
             </a:fld>
             <a:endParaRPr lang="fr-FR"/>
           </a:p>
@@ -3199,7 +3199,7 @@
           <a:p>
             <a:fld id="{B4E1FA03-DE6C-41FB-B508-C0E99749F86B}" type="slidenum">
               <a:rPr lang="fr-FR" smtClean="0"/>
-              <a:t>‹#›</a:t>
+              <a:t>‹N°›</a:t>
             </a:fld>
             <a:endParaRPr lang="fr-FR"/>
           </a:p>
@@ -3215,13 +3215,13 @@
   <p:clrMapOvr>
     <a:masterClrMapping/>
   </p:clrMapOvr>
-  <mc:AlternateContent xmlns:mc="http://schemas.openxmlformats.org/markup-compatibility/2006">
-    <mc:Choice xmlns:p14="http://schemas.microsoft.com/office/powerpoint/2010/main" Requires="p14">
+  <mc:AlternateContent xmlns:mc="http://schemas.openxmlformats.org/markup-compatibility/2006" xmlns:p14="http://schemas.microsoft.com/office/powerpoint/2010/main">
+    <mc:Choice Requires="p14">
       <p:transition spd="slow" p14:dur="1500">
         <p14:reveal/>
       </p:transition>
     </mc:Choice>
-    <mc:Fallback>
+    <mc:Fallback xmlns="">
       <p:transition spd="slow">
         <p:fade/>
       </p:transition>
@@ -3456,7 +3456,7 @@
           <a:p>
             <a:fld id="{02AD1CBD-E0FB-4F97-9B07-04EEBC115ADC}" type="datetimeFigureOut">
               <a:rPr lang="fr-FR" smtClean="0"/>
-              <a:t>30/05/2015</a:t>
+              <a:t>31/05/2015</a:t>
             </a:fld>
             <a:endParaRPr lang="fr-FR"/>
           </a:p>
@@ -3530,7 +3530,7 @@
           <a:p>
             <a:fld id="{B4E1FA03-DE6C-41FB-B508-C0E99749F86B}" type="slidenum">
               <a:rPr lang="fr-FR" smtClean="0"/>
-              <a:t>‹#›</a:t>
+              <a:t>‹N°›</a:t>
             </a:fld>
             <a:endParaRPr lang="fr-FR"/>
           </a:p>
@@ -3595,13 +3595,13 @@
     <p:sldLayoutId id="2147483688" r:id="rId10"/>
     <p:sldLayoutId id="2147483689" r:id="rId11"/>
   </p:sldLayoutIdLst>
-  <mc:AlternateContent xmlns:mc="http://schemas.openxmlformats.org/markup-compatibility/2006">
-    <mc:Choice xmlns:p14="http://schemas.microsoft.com/office/powerpoint/2010/main" Requires="p14">
+  <mc:AlternateContent xmlns:mc="http://schemas.openxmlformats.org/markup-compatibility/2006" xmlns:p14="http://schemas.microsoft.com/office/powerpoint/2010/main">
+    <mc:Choice Requires="p14">
       <p:transition spd="slow" p14:dur="1500">
         <p14:reveal/>
       </p:transition>
     </mc:Choice>
-    <mc:Fallback>
+    <mc:Fallback xmlns="">
       <p:transition spd="slow">
         <p:fade/>
       </p:transition>
@@ -4168,13 +4168,13 @@
   <p:clrMapOvr>
     <a:masterClrMapping/>
   </p:clrMapOvr>
-  <mc:AlternateContent xmlns:mc="http://schemas.openxmlformats.org/markup-compatibility/2006">
-    <mc:Choice xmlns:p14="http://schemas.microsoft.com/office/powerpoint/2010/main" Requires="p14">
+  <mc:AlternateContent xmlns:mc="http://schemas.openxmlformats.org/markup-compatibility/2006" xmlns:p14="http://schemas.microsoft.com/office/powerpoint/2010/main">
+    <mc:Choice Requires="p14">
       <p:transition spd="slow" p14:dur="1500">
         <p14:reveal/>
       </p:transition>
     </mc:Choice>
-    <mc:Fallback>
+    <mc:Fallback xmlns="">
       <p:transition spd="slow">
         <p:fade/>
       </p:transition>
@@ -4542,13 +4542,13 @@
   <p:clrMapOvr>
     <a:masterClrMapping/>
   </p:clrMapOvr>
-  <mc:AlternateContent xmlns:mc="http://schemas.openxmlformats.org/markup-compatibility/2006">
-    <mc:Choice xmlns:p14="http://schemas.microsoft.com/office/powerpoint/2010/main" Requires="p14">
+  <mc:AlternateContent xmlns:mc="http://schemas.openxmlformats.org/markup-compatibility/2006" xmlns:p14="http://schemas.microsoft.com/office/powerpoint/2010/main">
+    <mc:Choice Requires="p14">
       <p:transition spd="slow" p14:dur="1500">
         <p14:reveal/>
       </p:transition>
     </mc:Choice>
-    <mc:Fallback>
+    <mc:Fallback xmlns="">
       <p:transition spd="slow">
         <p:fade/>
       </p:transition>
@@ -4910,13 +4910,13 @@
   <p:clrMapOvr>
     <a:masterClrMapping/>
   </p:clrMapOvr>
-  <mc:AlternateContent xmlns:mc="http://schemas.openxmlformats.org/markup-compatibility/2006">
-    <mc:Choice xmlns:p14="http://schemas.microsoft.com/office/powerpoint/2010/main" Requires="p14">
+  <mc:AlternateContent xmlns:mc="http://schemas.openxmlformats.org/markup-compatibility/2006" xmlns:p14="http://schemas.microsoft.com/office/powerpoint/2010/main">
+    <mc:Choice Requires="p14">
       <p:transition spd="slow" p14:dur="1500">
         <p14:reveal/>
       </p:transition>
     </mc:Choice>
-    <mc:Fallback>
+    <mc:Fallback xmlns="">
       <p:transition spd="slow">
         <p:fade/>
       </p:transition>
@@ -5172,13 +5172,13 @@
   <p:clrMapOvr>
     <a:masterClrMapping/>
   </p:clrMapOvr>
-  <mc:AlternateContent xmlns:mc="http://schemas.openxmlformats.org/markup-compatibility/2006">
-    <mc:Choice xmlns:p14="http://schemas.microsoft.com/office/powerpoint/2010/main" Requires="p14">
+  <mc:AlternateContent xmlns:mc="http://schemas.openxmlformats.org/markup-compatibility/2006" xmlns:p14="http://schemas.microsoft.com/office/powerpoint/2010/main">
+    <mc:Choice Requires="p14">
       <p:transition spd="slow" p14:dur="1500">
         <p14:reveal/>
       </p:transition>
     </mc:Choice>
-    <mc:Fallback>
+    <mc:Fallback xmlns="">
       <p:transition spd="slow">
         <p:fade/>
       </p:transition>
@@ -5358,13 +5358,13 @@
   <p:clrMapOvr>
     <a:masterClrMapping/>
   </p:clrMapOvr>
-  <mc:AlternateContent xmlns:mc="http://schemas.openxmlformats.org/markup-compatibility/2006">
-    <mc:Choice xmlns:p14="http://schemas.microsoft.com/office/powerpoint/2010/main" Requires="p14">
+  <mc:AlternateContent xmlns:mc="http://schemas.openxmlformats.org/markup-compatibility/2006" xmlns:p14="http://schemas.microsoft.com/office/powerpoint/2010/main">
+    <mc:Choice Requires="p14">
       <p:transition spd="slow" p14:dur="1500">
         <p14:reveal/>
       </p:transition>
     </mc:Choice>
-    <mc:Fallback>
+    <mc:Fallback xmlns="">
       <p:transition spd="slow">
         <p:fade/>
       </p:transition>
@@ -5514,6 +5514,19 @@
               </a:rPr>
               <a:t>Cas numéro 1 : </a:t>
             </a:r>
+            <a:r>
+              <a:rPr lang="fr-FR" sz="8000" dirty="0" smtClean="0">
+                <a:solidFill>
+                  <a:schemeClr val="tx1"/>
+                </a:solidFill>
+              </a:rPr>
+              <a:t> Effectuer des calculs</a:t>
+            </a:r>
+            <a:endParaRPr lang="fr-FR" sz="8000" dirty="0" smtClean="0">
+              <a:solidFill>
+                <a:schemeClr val="tx1"/>
+              </a:solidFill>
+            </a:endParaRPr>
           </a:p>
           <a:p>
             <a:pPr marL="91440" lvl="3" indent="-91440">
@@ -5569,6 +5582,19 @@
               </a:rPr>
               <a:t>: </a:t>
             </a:r>
+            <a:r>
+              <a:rPr lang="fr-FR" sz="8000" dirty="0" smtClean="0">
+                <a:solidFill>
+                  <a:schemeClr val="tx1"/>
+                </a:solidFill>
+              </a:rPr>
+              <a:t> Effectuer des calculs simples</a:t>
+            </a:r>
+            <a:endParaRPr lang="fr-FR" sz="8000" dirty="0">
+              <a:solidFill>
+                <a:schemeClr val="tx1"/>
+              </a:solidFill>
+            </a:endParaRPr>
           </a:p>
           <a:p>
             <a:pPr marL="91440" lvl="3" indent="-91440">
@@ -5624,6 +5650,19 @@
               </a:rPr>
               <a:t>: </a:t>
             </a:r>
+            <a:r>
+              <a:rPr lang="fr-FR" sz="8000" dirty="0" smtClean="0">
+                <a:solidFill>
+                  <a:schemeClr val="tx1"/>
+                </a:solidFill>
+              </a:rPr>
+              <a:t> Effectuer des calculs avec parenthèses</a:t>
+            </a:r>
+            <a:endParaRPr lang="fr-FR" sz="8000" dirty="0">
+              <a:solidFill>
+                <a:schemeClr val="tx1"/>
+              </a:solidFill>
+            </a:endParaRPr>
           </a:p>
           <a:p>
             <a:pPr marL="91440" lvl="3" indent="-91440">
@@ -5679,6 +5718,19 @@
               </a:rPr>
               <a:t>: </a:t>
             </a:r>
+            <a:r>
+              <a:rPr lang="fr-FR" sz="8000" dirty="0" smtClean="0">
+                <a:solidFill>
+                  <a:schemeClr val="tx1"/>
+                </a:solidFill>
+              </a:rPr>
+              <a:t> Utiliser une variable</a:t>
+            </a:r>
+            <a:endParaRPr lang="fr-FR" sz="8000" dirty="0">
+              <a:solidFill>
+                <a:schemeClr val="tx1"/>
+              </a:solidFill>
+            </a:endParaRPr>
           </a:p>
           <a:p>
             <a:pPr marL="91440" lvl="3" indent="-91440">
@@ -5726,6 +5778,14 @@
               </a:rPr>
               <a:t>5 : </a:t>
             </a:r>
+            <a:r>
+              <a:rPr lang="fr-FR" sz="8000" dirty="0" smtClean="0">
+                <a:solidFill>
+                  <a:schemeClr val="tx1"/>
+                </a:solidFill>
+              </a:rPr>
+              <a:t> Gérer la mémoire</a:t>
+            </a:r>
             <a:endParaRPr lang="fr-FR" sz="8000" dirty="0">
               <a:solidFill>
                 <a:schemeClr val="tx1"/>
@@ -5765,13 +5825,13 @@
   <p:clrMapOvr>
     <a:masterClrMapping/>
   </p:clrMapOvr>
-  <mc:AlternateContent xmlns:mc="http://schemas.openxmlformats.org/markup-compatibility/2006">
-    <mc:Choice xmlns:p14="http://schemas.microsoft.com/office/powerpoint/2010/main" Requires="p14">
+  <mc:AlternateContent xmlns:mc="http://schemas.openxmlformats.org/markup-compatibility/2006" xmlns:p14="http://schemas.microsoft.com/office/powerpoint/2010/main">
+    <mc:Choice Requires="p14">
       <p:transition spd="slow" p14:dur="1500">
         <p14:reveal/>
       </p:transition>
     </mc:Choice>
-    <mc:Fallback>
+    <mc:Fallback xmlns="">
       <p:transition spd="slow">
         <p:fade/>
       </p:transition>
@@ -5845,7 +5905,7 @@
         </p:nvSpPr>
         <p:spPr>
           <a:xfrm>
-            <a:off x="759854" y="1931831"/>
+            <a:off x="849501" y="2021478"/>
             <a:ext cx="10395826" cy="4250028"/>
           </a:xfrm>
         </p:spPr>
@@ -5883,13 +5943,18 @@
               <a:t>6 </a:t>
             </a:r>
             <a:r>
-              <a:rPr lang="fr-FR" sz="3200" dirty="0">
+              <a:rPr lang="fr-FR" sz="3200" dirty="0" smtClean="0">
                 <a:solidFill>
                   <a:schemeClr val="tx1"/>
                 </a:solidFill>
               </a:rPr>
-              <a:t>: </a:t>
-            </a:r>
+              <a:t>:  Copier/Couper/Coller</a:t>
+            </a:r>
+            <a:endParaRPr lang="fr-FR" sz="3200" dirty="0">
+              <a:solidFill>
+                <a:schemeClr val="tx1"/>
+              </a:solidFill>
+            </a:endParaRPr>
           </a:p>
           <a:p>
             <a:pPr marL="91440" lvl="3" indent="-91440">
@@ -5945,6 +6010,19 @@
               </a:rPr>
               <a:t>: </a:t>
             </a:r>
+            <a:r>
+              <a:rPr lang="fr-FR" sz="3200" dirty="0" smtClean="0">
+                <a:solidFill>
+                  <a:schemeClr val="tx1"/>
+                </a:solidFill>
+              </a:rPr>
+              <a:t> Entrer des formules</a:t>
+            </a:r>
+            <a:endParaRPr lang="fr-FR" sz="3200" dirty="0">
+              <a:solidFill>
+                <a:schemeClr val="tx1"/>
+              </a:solidFill>
+            </a:endParaRPr>
           </a:p>
           <a:p>
             <a:pPr marL="91440" lvl="3" indent="-91440">
@@ -6000,6 +6078,19 @@
               </a:rPr>
               <a:t>: </a:t>
             </a:r>
+            <a:r>
+              <a:rPr lang="fr-FR" sz="3200" dirty="0" smtClean="0">
+                <a:solidFill>
+                  <a:schemeClr val="tx1"/>
+                </a:solidFill>
+              </a:rPr>
+              <a:t> Sauvegarder, charger ou créer un nouveau fichier du tableur</a:t>
+            </a:r>
+            <a:endParaRPr lang="fr-FR" sz="3200" dirty="0">
+              <a:solidFill>
+                <a:schemeClr val="tx1"/>
+              </a:solidFill>
+            </a:endParaRPr>
           </a:p>
           <a:p>
             <a:pPr marL="91440" lvl="3" indent="-91440">
@@ -6055,6 +6146,19 @@
               </a:rPr>
               <a:t>: </a:t>
             </a:r>
+            <a:r>
+              <a:rPr lang="fr-FR" sz="3200" dirty="0" smtClean="0">
+                <a:solidFill>
+                  <a:schemeClr val="tx1"/>
+                </a:solidFill>
+              </a:rPr>
+              <a:t> Accéder à une aide</a:t>
+            </a:r>
+            <a:endParaRPr lang="fr-FR" sz="3200" dirty="0">
+              <a:solidFill>
+                <a:schemeClr val="tx1"/>
+              </a:solidFill>
+            </a:endParaRPr>
           </a:p>
           <a:p>
             <a:pPr marL="91440" lvl="3" indent="-91440">
@@ -6102,6 +6206,19 @@
               </a:rPr>
               <a:t>10 : </a:t>
             </a:r>
+            <a:r>
+              <a:rPr lang="fr-FR" sz="3200" dirty="0" smtClean="0">
+                <a:solidFill>
+                  <a:schemeClr val="tx1"/>
+                </a:solidFill>
+              </a:rPr>
+              <a:t> Naviguer entre Mini-Calculatrice et Mini-Tableur</a:t>
+            </a:r>
+            <a:endParaRPr lang="fr-FR" sz="3200" dirty="0" smtClean="0">
+              <a:solidFill>
+                <a:schemeClr val="tx1"/>
+              </a:solidFill>
+            </a:endParaRPr>
           </a:p>
           <a:p>
             <a:pPr marL="91440" lvl="3" indent="-91440">
@@ -6139,8 +6256,21 @@
                   <a:schemeClr val="tx1"/>
                 </a:solidFill>
               </a:rPr>
-              <a:t>Cas numéro 11 :</a:t>
-            </a:r>
+              <a:t>Cas numéro 11 </a:t>
+            </a:r>
+            <a:r>
+              <a:rPr lang="fr-FR" sz="3200" dirty="0" smtClean="0">
+                <a:solidFill>
+                  <a:schemeClr val="tx1"/>
+                </a:solidFill>
+              </a:rPr>
+              <a:t>:  Quitter</a:t>
+            </a:r>
+            <a:endParaRPr lang="fr-FR" sz="3200" dirty="0" smtClean="0">
+              <a:solidFill>
+                <a:schemeClr val="tx1"/>
+              </a:solidFill>
+            </a:endParaRPr>
           </a:p>
           <a:p>
             <a:pPr marL="91440" lvl="3" indent="-91440">
@@ -6193,13 +6323,13 @@
   <p:clrMapOvr>
     <a:masterClrMapping/>
   </p:clrMapOvr>
-  <mc:AlternateContent xmlns:mc="http://schemas.openxmlformats.org/markup-compatibility/2006">
-    <mc:Choice xmlns:p14="http://schemas.microsoft.com/office/powerpoint/2010/main" Requires="p14">
+  <mc:AlternateContent xmlns:mc="http://schemas.openxmlformats.org/markup-compatibility/2006" xmlns:p14="http://schemas.microsoft.com/office/powerpoint/2010/main">
+    <mc:Choice Requires="p14">
       <p:transition spd="slow" p14:dur="1500">
         <p14:reveal/>
       </p:transition>
     </mc:Choice>
-    <mc:Fallback>
+    <mc:Fallback xmlns="">
       <p:transition spd="slow">
         <p:fade/>
       </p:transition>
@@ -6273,10 +6403,113 @@
         </p:nvSpPr>
         <p:spPr/>
         <p:txBody>
-          <a:bodyPr/>
+          <a:bodyPr>
+            <a:normAutofit/>
+          </a:bodyPr>
           <a:lstStyle/>
           <a:p>
-            <a:endParaRPr lang="fr-FR"/>
+            <a:r>
+              <a:rPr lang="fr-FR" sz="2800" dirty="0" smtClean="0">
+                <a:solidFill>
+                  <a:srgbClr val="F3A129"/>
+                </a:solidFill>
+              </a:rPr>
+              <a:t>Diagramme de classes : </a:t>
+            </a:r>
+          </a:p>
+          <a:p>
+            <a:pPr lvl="5">
+              <a:buFont typeface="Arial" panose="020B0604020202020204" pitchFamily="34" charset="0"/>
+              <a:buChar char="•"/>
+            </a:pPr>
+            <a:r>
+              <a:rPr lang="fr-FR" sz="2200" dirty="0" smtClean="0">
+                <a:solidFill>
+                  <a:schemeClr val="tx1"/>
+                </a:solidFill>
+              </a:rPr>
+              <a:t>Division en deux projets distincts :  Mini-Calculatrice et Mini-Tableur</a:t>
+            </a:r>
+          </a:p>
+          <a:p>
+            <a:pPr lvl="5">
+              <a:buFont typeface="Arial" panose="020B0604020202020204" pitchFamily="34" charset="0"/>
+              <a:buChar char="•"/>
+            </a:pPr>
+            <a:endParaRPr lang="fr-FR" sz="2200" dirty="0" smtClean="0">
+              <a:solidFill>
+                <a:schemeClr val="tx1"/>
+              </a:solidFill>
+            </a:endParaRPr>
+          </a:p>
+          <a:p>
+            <a:pPr lvl="5">
+              <a:buFont typeface="Arial" panose="020B0604020202020204" pitchFamily="34" charset="0"/>
+              <a:buChar char="•"/>
+            </a:pPr>
+            <a:r>
+              <a:rPr lang="fr-FR" sz="2200" dirty="0" smtClean="0">
+                <a:solidFill>
+                  <a:schemeClr val="tx1"/>
+                </a:solidFill>
+              </a:rPr>
+              <a:t>Division en différents packages </a:t>
+            </a:r>
+          </a:p>
+          <a:p>
+            <a:pPr lvl="5">
+              <a:buFont typeface="Arial" panose="020B0604020202020204" pitchFamily="34" charset="0"/>
+              <a:buChar char="•"/>
+            </a:pPr>
+            <a:endParaRPr lang="fr-FR" sz="2200" dirty="0" smtClean="0">
+              <a:solidFill>
+                <a:schemeClr val="tx1"/>
+              </a:solidFill>
+            </a:endParaRPr>
+          </a:p>
+          <a:p>
+            <a:pPr lvl="5">
+              <a:buFont typeface="Arial" panose="020B0604020202020204" pitchFamily="34" charset="0"/>
+              <a:buChar char="•"/>
+            </a:pPr>
+            <a:r>
+              <a:rPr lang="fr-FR" sz="2200" dirty="0" smtClean="0">
+                <a:solidFill>
+                  <a:schemeClr val="tx1"/>
+                </a:solidFill>
+              </a:rPr>
+              <a:t>Utilisation de classes abstraites</a:t>
+            </a:r>
+          </a:p>
+          <a:p>
+            <a:pPr lvl="5">
+              <a:buFont typeface="Arial" panose="020B0604020202020204" pitchFamily="34" charset="0"/>
+              <a:buChar char="•"/>
+            </a:pPr>
+            <a:endParaRPr lang="fr-FR" sz="2200" dirty="0" smtClean="0">
+              <a:solidFill>
+                <a:schemeClr val="tx1"/>
+              </a:solidFill>
+            </a:endParaRPr>
+          </a:p>
+          <a:p>
+            <a:pPr lvl="5">
+              <a:buFont typeface="Arial" panose="020B0604020202020204" pitchFamily="34" charset="0"/>
+              <a:buChar char="•"/>
+            </a:pPr>
+            <a:r>
+              <a:rPr lang="fr-FR" sz="2200" dirty="0" smtClean="0">
+                <a:solidFill>
+                  <a:schemeClr val="tx1"/>
+                </a:solidFill>
+              </a:rPr>
+              <a:t>Utilisation des liaisons telles que : l’association, la généralisation, la dépendance</a:t>
+            </a:r>
+            <a:endParaRPr lang="fr-FR" sz="2200" dirty="0">
+              <a:solidFill>
+                <a:schemeClr val="tx1"/>
+              </a:solidFill>
+            </a:endParaRPr>
           </a:p>
         </p:txBody>
       </p:sp>
@@ -6290,13 +6523,13 @@
   <p:clrMapOvr>
     <a:masterClrMapping/>
   </p:clrMapOvr>
-  <mc:AlternateContent xmlns:mc="http://schemas.openxmlformats.org/markup-compatibility/2006">
-    <mc:Choice xmlns:p14="http://schemas.microsoft.com/office/powerpoint/2010/main" Requires="p14">
+  <mc:AlternateContent xmlns:mc="http://schemas.openxmlformats.org/markup-compatibility/2006" xmlns:p14="http://schemas.microsoft.com/office/powerpoint/2010/main">
+    <mc:Choice Requires="p14">
       <p:transition spd="slow" p14:dur="1500">
         <p14:reveal/>
       </p:transition>
     </mc:Choice>
-    <mc:Fallback>
+    <mc:Fallback xmlns="">
       <p:transition spd="slow">
         <p:fade/>
       </p:transition>
@@ -6373,7 +6606,7 @@
           <a:bodyPr/>
           <a:lstStyle/>
           <a:p>
-            <a:endParaRPr lang="fr-FR"/>
+            <a:endParaRPr lang="fr-FR" dirty="0"/>
           </a:p>
         </p:txBody>
       </p:sp>
@@ -6387,13 +6620,13 @@
   <p:clrMapOvr>
     <a:masterClrMapping/>
   </p:clrMapOvr>
-  <mc:AlternateContent xmlns:mc="http://schemas.openxmlformats.org/markup-compatibility/2006">
-    <mc:Choice xmlns:p14="http://schemas.microsoft.com/office/powerpoint/2010/main" Requires="p14">
+  <mc:AlternateContent xmlns:mc="http://schemas.openxmlformats.org/markup-compatibility/2006" xmlns:p14="http://schemas.microsoft.com/office/powerpoint/2010/main">
+    <mc:Choice Requires="p14">
       <p:transition spd="slow" p14:dur="1500">
         <p14:reveal/>
       </p:transition>
     </mc:Choice>
-    <mc:Fallback>
+    <mc:Fallback xmlns="">
       <p:transition spd="slow">
         <p:fade/>
       </p:transition>
@@ -6470,7 +6703,7 @@
           <a:bodyPr/>
           <a:lstStyle/>
           <a:p>
-            <a:endParaRPr lang="fr-FR"/>
+            <a:endParaRPr lang="fr-FR" dirty="0"/>
           </a:p>
         </p:txBody>
       </p:sp>
@@ -6484,13 +6717,13 @@
   <p:clrMapOvr>
     <a:masterClrMapping/>
   </p:clrMapOvr>
-  <mc:AlternateContent xmlns:mc="http://schemas.openxmlformats.org/markup-compatibility/2006">
-    <mc:Choice xmlns:p14="http://schemas.microsoft.com/office/powerpoint/2010/main" Requires="p14">
+  <mc:AlternateContent xmlns:mc="http://schemas.openxmlformats.org/markup-compatibility/2006" xmlns:p14="http://schemas.microsoft.com/office/powerpoint/2010/main">
+    <mc:Choice Requires="p14">
       <p:transition spd="slow" p14:dur="1500">
         <p14:reveal/>
       </p:transition>
     </mc:Choice>
-    <mc:Fallback>
+    <mc:Fallback xmlns="">
       <p:transition spd="slow">
         <p:fade/>
       </p:transition>
@@ -6610,13 +6843,13 @@
   <p:clrMapOvr>
     <a:masterClrMapping/>
   </p:clrMapOvr>
-  <mc:AlternateContent xmlns:mc="http://schemas.openxmlformats.org/markup-compatibility/2006">
-    <mc:Choice xmlns:p14="http://schemas.microsoft.com/office/powerpoint/2010/main" Requires="p14">
+  <mc:AlternateContent xmlns:mc="http://schemas.openxmlformats.org/markup-compatibility/2006" xmlns:p14="http://schemas.microsoft.com/office/powerpoint/2010/main">
+    <mc:Choice Requires="p14">
       <p:transition spd="slow" p14:dur="1500">
         <p14:reveal/>
       </p:transition>
     </mc:Choice>
-    <mc:Fallback>
+    <mc:Fallback xmlns="">
       <p:transition spd="slow">
         <p:fade/>
       </p:transition>
@@ -6791,13 +7024,13 @@
   <p:clrMapOvr>
     <a:masterClrMapping/>
   </p:clrMapOvr>
-  <mc:AlternateContent xmlns:mc="http://schemas.openxmlformats.org/markup-compatibility/2006">
-    <mc:Choice xmlns:p14="http://schemas.microsoft.com/office/powerpoint/2010/main" Requires="p14">
+  <mc:AlternateContent xmlns:mc="http://schemas.openxmlformats.org/markup-compatibility/2006" xmlns:p14="http://schemas.microsoft.com/office/powerpoint/2010/main">
+    <mc:Choice Requires="p14">
       <p:transition spd="slow" p14:dur="1500">
         <p14:reveal/>
       </p:transition>
     </mc:Choice>
-    <mc:Fallback>
+    <mc:Fallback xmlns="">
       <p:transition spd="slow">
         <p:fade/>
       </p:transition>
@@ -6971,13 +7204,13 @@
   <p:clrMapOvr>
     <a:masterClrMapping/>
   </p:clrMapOvr>
-  <mc:AlternateContent xmlns:mc="http://schemas.openxmlformats.org/markup-compatibility/2006">
-    <mc:Choice xmlns:p14="http://schemas.microsoft.com/office/powerpoint/2010/main" Requires="p14">
+  <mc:AlternateContent xmlns:mc="http://schemas.openxmlformats.org/markup-compatibility/2006" xmlns:p14="http://schemas.microsoft.com/office/powerpoint/2010/main">
+    <mc:Choice Requires="p14">
       <p:transition spd="slow" p14:dur="1500">
         <p14:reveal/>
       </p:transition>
     </mc:Choice>
-    <mc:Fallback>
+    <mc:Fallback xmlns="">
       <p:transition spd="slow">
         <p:fade/>
       </p:transition>
@@ -7115,13 +7348,13 @@
   <p:clrMapOvr>
     <a:masterClrMapping/>
   </p:clrMapOvr>
-  <mc:AlternateContent xmlns:mc="http://schemas.openxmlformats.org/markup-compatibility/2006">
-    <mc:Choice xmlns:p14="http://schemas.microsoft.com/office/powerpoint/2010/main" Requires="p14">
+  <mc:AlternateContent xmlns:mc="http://schemas.openxmlformats.org/markup-compatibility/2006" xmlns:p14="http://schemas.microsoft.com/office/powerpoint/2010/main">
+    <mc:Choice Requires="p14">
       <p:transition spd="slow" p14:dur="1500">
         <p14:reveal/>
       </p:transition>
     </mc:Choice>
-    <mc:Fallback>
+    <mc:Fallback xmlns="">
       <p:transition spd="slow">
         <p:fade/>
       </p:transition>
@@ -7198,13 +7431,13 @@
   <p:clrMapOvr>
     <a:masterClrMapping/>
   </p:clrMapOvr>
-  <mc:AlternateContent xmlns:mc="http://schemas.openxmlformats.org/markup-compatibility/2006">
-    <mc:Choice xmlns:p14="http://schemas.microsoft.com/office/powerpoint/2010/main" Requires="p14">
+  <mc:AlternateContent xmlns:mc="http://schemas.openxmlformats.org/markup-compatibility/2006" xmlns:p14="http://schemas.microsoft.com/office/powerpoint/2010/main">
+    <mc:Choice Requires="p14">
       <p:transition spd="slow" p14:dur="1500">
         <p14:reveal/>
       </p:transition>
     </mc:Choice>
-    <mc:Fallback>
+    <mc:Fallback xmlns="">
       <p:transition spd="slow">
         <p:fade/>
       </p:transition>
@@ -7281,13 +7514,13 @@
   <p:clrMapOvr>
     <a:masterClrMapping/>
   </p:clrMapOvr>
-  <mc:AlternateContent xmlns:mc="http://schemas.openxmlformats.org/markup-compatibility/2006">
-    <mc:Choice xmlns:p14="http://schemas.microsoft.com/office/powerpoint/2010/main" Requires="p14">
+  <mc:AlternateContent xmlns:mc="http://schemas.openxmlformats.org/markup-compatibility/2006" xmlns:p14="http://schemas.microsoft.com/office/powerpoint/2010/main">
+    <mc:Choice Requires="p14">
       <p:transition spd="slow" p14:dur="1500">
         <p14:reveal/>
       </p:transition>
     </mc:Choice>
-    <mc:Fallback>
+    <mc:Fallback xmlns="">
       <p:transition spd="slow">
         <p:fade/>
       </p:transition>
@@ -7364,13 +7597,13 @@
   <p:clrMapOvr>
     <a:masterClrMapping/>
   </p:clrMapOvr>
-  <mc:AlternateContent xmlns:mc="http://schemas.openxmlformats.org/markup-compatibility/2006">
-    <mc:Choice xmlns:p14="http://schemas.microsoft.com/office/powerpoint/2010/main" Requires="p14">
+  <mc:AlternateContent xmlns:mc="http://schemas.openxmlformats.org/markup-compatibility/2006" xmlns:p14="http://schemas.microsoft.com/office/powerpoint/2010/main">
+    <mc:Choice Requires="p14">
       <p:transition spd="slow" p14:dur="1500">
         <p14:reveal/>
       </p:transition>
     </mc:Choice>
-    <mc:Fallback>
+    <mc:Fallback xmlns="">
       <p:transition spd="slow">
         <p:fade/>
       </p:transition>
@@ -7447,13 +7680,13 @@
   <p:clrMapOvr>
     <a:masterClrMapping/>
   </p:clrMapOvr>
-  <mc:AlternateContent xmlns:mc="http://schemas.openxmlformats.org/markup-compatibility/2006">
-    <mc:Choice xmlns:p14="http://schemas.microsoft.com/office/powerpoint/2010/main" Requires="p14">
+  <mc:AlternateContent xmlns:mc="http://schemas.openxmlformats.org/markup-compatibility/2006" xmlns:p14="http://schemas.microsoft.com/office/powerpoint/2010/main">
+    <mc:Choice Requires="p14">
       <p:transition spd="slow" p14:dur="1500">
         <p14:reveal/>
       </p:transition>
     </mc:Choice>
-    <mc:Fallback>
+    <mc:Fallback xmlns="">
       <p:transition spd="slow">
         <p:fade/>
       </p:transition>
@@ -7545,13 +7778,13 @@
   <p:clrMapOvr>
     <a:masterClrMapping/>
   </p:clrMapOvr>
-  <mc:AlternateContent xmlns:mc="http://schemas.openxmlformats.org/markup-compatibility/2006">
-    <mc:Choice xmlns:p14="http://schemas.microsoft.com/office/powerpoint/2010/main" Requires="p14">
+  <mc:AlternateContent xmlns:mc="http://schemas.openxmlformats.org/markup-compatibility/2006" xmlns:p14="http://schemas.microsoft.com/office/powerpoint/2010/main">
+    <mc:Choice Requires="p14">
       <p:transition spd="slow" p14:dur="1500">
         <p14:reveal/>
       </p:transition>
     </mc:Choice>
-    <mc:Fallback>
+    <mc:Fallback xmlns="">
       <p:transition spd="slow">
         <p:fade/>
       </p:transition>
@@ -7666,13 +7899,13 @@
   <p:clrMapOvr>
     <a:masterClrMapping/>
   </p:clrMapOvr>
-  <mc:AlternateContent xmlns:mc="http://schemas.openxmlformats.org/markup-compatibility/2006">
-    <mc:Choice xmlns:p14="http://schemas.microsoft.com/office/powerpoint/2010/main" Requires="p14">
+  <mc:AlternateContent xmlns:mc="http://schemas.openxmlformats.org/markup-compatibility/2006" xmlns:p14="http://schemas.microsoft.com/office/powerpoint/2010/main">
+    <mc:Choice Requires="p14">
       <p:transition spd="slow" p14:dur="1500">
         <p14:reveal/>
       </p:transition>
     </mc:Choice>
-    <mc:Fallback>
+    <mc:Fallback xmlns="">
       <p:transition spd="slow">
         <p:fade/>
       </p:transition>
@@ -7847,13 +8080,13 @@
   <p:clrMapOvr>
     <a:masterClrMapping/>
   </p:clrMapOvr>
-  <mc:AlternateContent xmlns:mc="http://schemas.openxmlformats.org/markup-compatibility/2006">
-    <mc:Choice xmlns:p14="http://schemas.microsoft.com/office/powerpoint/2010/main" Requires="p14">
+  <mc:AlternateContent xmlns:mc="http://schemas.openxmlformats.org/markup-compatibility/2006" xmlns:p14="http://schemas.microsoft.com/office/powerpoint/2010/main">
+    <mc:Choice Requires="p14">
       <p:transition spd="slow" p14:dur="1500">
         <p14:reveal/>
       </p:transition>
     </mc:Choice>
-    <mc:Fallback>
+    <mc:Fallback xmlns="">
       <p:transition spd="slow">
         <p:fade/>
       </p:transition>
@@ -8027,13 +8260,13 @@
   <p:clrMapOvr>
     <a:masterClrMapping/>
   </p:clrMapOvr>
-  <mc:AlternateContent xmlns:mc="http://schemas.openxmlformats.org/markup-compatibility/2006">
-    <mc:Choice xmlns:p14="http://schemas.microsoft.com/office/powerpoint/2010/main" Requires="p14">
+  <mc:AlternateContent xmlns:mc="http://schemas.openxmlformats.org/markup-compatibility/2006" xmlns:p14="http://schemas.microsoft.com/office/powerpoint/2010/main">
+    <mc:Choice Requires="p14">
       <p:transition spd="slow" p14:dur="1500">
         <p14:reveal/>
       </p:transition>
     </mc:Choice>
-    <mc:Fallback>
+    <mc:Fallback xmlns="">
       <p:transition spd="slow">
         <p:fade/>
       </p:transition>
@@ -8257,13 +8490,13 @@
   <p:clrMapOvr>
     <a:masterClrMapping/>
   </p:clrMapOvr>
-  <mc:AlternateContent xmlns:mc="http://schemas.openxmlformats.org/markup-compatibility/2006">
-    <mc:Choice xmlns:p14="http://schemas.microsoft.com/office/powerpoint/2010/main" Requires="p14">
+  <mc:AlternateContent xmlns:mc="http://schemas.openxmlformats.org/markup-compatibility/2006" xmlns:p14="http://schemas.microsoft.com/office/powerpoint/2010/main">
+    <mc:Choice Requires="p14">
       <p:transition spd="slow" p14:dur="1500">
         <p14:reveal/>
       </p:transition>
     </mc:Choice>
-    <mc:Fallback>
+    <mc:Fallback xmlns="">
       <p:transition spd="slow">
         <p:fade/>
       </p:transition>
@@ -8417,8 +8650,13 @@
             </a:r>
             <a:r>
               <a:rPr lang="fr-FR" dirty="0"/>
-              <a:t>- Calculs simples   </a:t>
-            </a:r>
+              <a:t>- Calculs </a:t>
+            </a:r>
+            <a:r>
+              <a:rPr lang="fr-FR" dirty="0" smtClean="0"/>
+              <a:t> simples   </a:t>
+            </a:r>
+            <a:endParaRPr lang="fr-FR" dirty="0"/>
           </a:p>
           <a:p>
             <a:r>
@@ -8611,13 +8849,13 @@
   <p:clrMapOvr>
     <a:masterClrMapping/>
   </p:clrMapOvr>
-  <mc:AlternateContent xmlns:mc="http://schemas.openxmlformats.org/markup-compatibility/2006">
-    <mc:Choice xmlns:p14="http://schemas.microsoft.com/office/powerpoint/2010/main" Requires="p14">
+  <mc:AlternateContent xmlns:mc="http://schemas.openxmlformats.org/markup-compatibility/2006" xmlns:p14="http://schemas.microsoft.com/office/powerpoint/2010/main">
+    <mc:Choice Requires="p14">
       <p:transition spd="slow" p14:dur="1500">
         <p14:reveal/>
       </p:transition>
     </mc:Choice>
-    <mc:Fallback>
+    <mc:Fallback xmlns="">
       <p:transition spd="slow">
         <p:fade/>
       </p:transition>
@@ -8824,13 +9062,13 @@
   <p:clrMapOvr>
     <a:masterClrMapping/>
   </p:clrMapOvr>
-  <mc:AlternateContent xmlns:mc="http://schemas.openxmlformats.org/markup-compatibility/2006">
-    <mc:Choice xmlns:p14="http://schemas.microsoft.com/office/powerpoint/2010/main" Requires="p14">
+  <mc:AlternateContent xmlns:mc="http://schemas.openxmlformats.org/markup-compatibility/2006" xmlns:p14="http://schemas.microsoft.com/office/powerpoint/2010/main">
+    <mc:Choice Requires="p14">
       <p:transition spd="slow" p14:dur="1500">
         <p14:reveal/>
       </p:transition>
     </mc:Choice>
-    <mc:Fallback>
+    <mc:Fallback xmlns="">
       <p:transition spd="slow">
         <p:fade/>
       </p:transition>
@@ -9062,13 +9300,13 @@
   <p:clrMapOvr>
     <a:masterClrMapping/>
   </p:clrMapOvr>
-  <mc:AlternateContent xmlns:mc="http://schemas.openxmlformats.org/markup-compatibility/2006">
-    <mc:Choice xmlns:p14="http://schemas.microsoft.com/office/powerpoint/2010/main" Requires="p14">
+  <mc:AlternateContent xmlns:mc="http://schemas.openxmlformats.org/markup-compatibility/2006" xmlns:p14="http://schemas.microsoft.com/office/powerpoint/2010/main">
+    <mc:Choice Requires="p14">
       <p:transition spd="slow" p14:dur="1500">
         <p14:reveal/>
       </p:transition>
     </mc:Choice>
-    <mc:Fallback>
+    <mc:Fallback xmlns="">
       <p:transition spd="slow">
         <p:fade/>
       </p:transition>
@@ -9202,15 +9440,7 @@
                   <a:srgbClr val="FF0000"/>
                 </a:solidFill>
               </a:rPr>
-              <a:t>Exigences </a:t>
-            </a:r>
-            <a:r>
-              <a:rPr lang="fr-FR" sz="2400" dirty="0" smtClean="0">
-                <a:solidFill>
-                  <a:srgbClr val="FF0000"/>
-                </a:solidFill>
-              </a:rPr>
-              <a:t>/ Risques identifiés</a:t>
+              <a:t>Exigences / Risques identifiés</a:t>
             </a:r>
             <a:endParaRPr lang="fr-FR" sz="2400" dirty="0">
               <a:solidFill>
@@ -9264,13 +9494,13 @@
   <p:clrMapOvr>
     <a:masterClrMapping/>
   </p:clrMapOvr>
-  <mc:AlternateContent xmlns:mc="http://schemas.openxmlformats.org/markup-compatibility/2006">
-    <mc:Choice xmlns:p14="http://schemas.microsoft.com/office/powerpoint/2010/main" Requires="p14">
+  <mc:AlternateContent xmlns:mc="http://schemas.openxmlformats.org/markup-compatibility/2006" xmlns:p14="http://schemas.microsoft.com/office/powerpoint/2010/main">
+    <mc:Choice Requires="p14">
       <p:transition spd="slow" p14:dur="1500">
         <p14:reveal/>
       </p:transition>
     </mc:Choice>
-    <mc:Fallback>
+    <mc:Fallback xmlns="">
       <p:transition spd="slow">
         <p:fade/>
       </p:transition>
@@ -9457,13 +9687,13 @@
   <p:clrMapOvr>
     <a:masterClrMapping/>
   </p:clrMapOvr>
-  <mc:AlternateContent xmlns:mc="http://schemas.openxmlformats.org/markup-compatibility/2006">
-    <mc:Choice xmlns:p14="http://schemas.microsoft.com/office/powerpoint/2010/main" Requires="p14">
+  <mc:AlternateContent xmlns:mc="http://schemas.openxmlformats.org/markup-compatibility/2006" xmlns:p14="http://schemas.microsoft.com/office/powerpoint/2010/main">
+    <mc:Choice Requires="p14">
       <p:transition spd="slow" p14:dur="1500">
         <p14:reveal/>
       </p:transition>
     </mc:Choice>
-    <mc:Fallback>
+    <mc:Fallback xmlns="">
       <p:transition spd="slow">
         <p:fade/>
       </p:transition>
@@ -9638,13 +9868,13 @@
   <p:clrMapOvr>
     <a:masterClrMapping/>
   </p:clrMapOvr>
-  <mc:AlternateContent xmlns:mc="http://schemas.openxmlformats.org/markup-compatibility/2006">
-    <mc:Choice xmlns:p14="http://schemas.microsoft.com/office/powerpoint/2010/main" Requires="p14">
+  <mc:AlternateContent xmlns:mc="http://schemas.openxmlformats.org/markup-compatibility/2006" xmlns:p14="http://schemas.microsoft.com/office/powerpoint/2010/main">
+    <mc:Choice Requires="p14">
       <p:transition spd="slow" p14:dur="1500">
         <p14:reveal/>
       </p:transition>
     </mc:Choice>
-    <mc:Fallback>
+    <mc:Fallback xmlns="">
       <p:transition spd="slow">
         <p:fade/>
       </p:transition>
@@ -9937,7 +10167,7 @@
   <a:extraClrSchemeLst/>
   <a:extLst>
     <a:ext uri="{05A4C25C-085E-4340-85A3-A5531E510DB2}">
-      <thm15:themeFamily xmlns:thm15="http://schemas.microsoft.com/office/thememl/2012/main" xmlns="" name="Retrospect" id="{5F128B03-DCCA-4EEB-AB3B-CF2899314A46}" vid="{3F1AAB62-24C6-49D2-8E01-B56FAC9A3DCD}"/>
+      <thm15:themeFamily xmlns="" xmlns:thm15="http://schemas.microsoft.com/office/thememl/2012/main" name="Retrospect" id="{5F128B03-DCCA-4EEB-AB3B-CF2899314A46}" vid="{3F1AAB62-24C6-49D2-8E01-B56FAC9A3DCD}"/>
     </a:ext>
   </a:extLst>
 </a:theme>

--- a/ProjetS2/Dossier-Manuel-Presentation/PresentationProjetS2.pptx
+++ b/ProjetS2/Dossier-Manuel-Presentation/PresentationProjetS2.pptx
@@ -1,6 +1,6 @@
 
 <file path=ppt/presentation.xml><?xml version="1.0" encoding="utf-8"?>
-<p:presentation xmlns:a="http://schemas.openxmlformats.org/drawingml/2006/main" xmlns:r="http://schemas.openxmlformats.org/officeDocument/2006/relationships" xmlns:p="http://schemas.openxmlformats.org/presentationml/2006/main" serverZoom="40305" saveSubsetFonts="1">
+<p:presentation xmlns:a="http://schemas.openxmlformats.org/drawingml/2006/main" xmlns:r="http://schemas.openxmlformats.org/officeDocument/2006/relationships" xmlns:p="http://schemas.openxmlformats.org/presentationml/2006/main" serverZoom="32244" saveSubsetFonts="1">
   <p:sldMasterIdLst>
     <p:sldMasterId id="2147483678" r:id="rId1"/>
   </p:sldMasterIdLst>
@@ -21,19 +21,17 @@
     <p:sldId id="269" r:id="rId15"/>
     <p:sldId id="270" r:id="rId16"/>
     <p:sldId id="271" r:id="rId17"/>
-    <p:sldId id="272" r:id="rId18"/>
-    <p:sldId id="273" r:id="rId19"/>
-    <p:sldId id="274" r:id="rId20"/>
-    <p:sldId id="275" r:id="rId21"/>
-    <p:sldId id="276" r:id="rId22"/>
-    <p:sldId id="277" r:id="rId23"/>
-    <p:sldId id="278" r:id="rId24"/>
-    <p:sldId id="279" r:id="rId25"/>
-    <p:sldId id="280" r:id="rId26"/>
-    <p:sldId id="281" r:id="rId27"/>
-    <p:sldId id="282" r:id="rId28"/>
-    <p:sldId id="283" r:id="rId29"/>
-    <p:sldId id="284" r:id="rId30"/>
+    <p:sldId id="274" r:id="rId18"/>
+    <p:sldId id="275" r:id="rId19"/>
+    <p:sldId id="276" r:id="rId20"/>
+    <p:sldId id="277" r:id="rId21"/>
+    <p:sldId id="278" r:id="rId22"/>
+    <p:sldId id="279" r:id="rId23"/>
+    <p:sldId id="280" r:id="rId24"/>
+    <p:sldId id="281" r:id="rId25"/>
+    <p:sldId id="282" r:id="rId26"/>
+    <p:sldId id="283" r:id="rId27"/>
+    <p:sldId id="284" r:id="rId28"/>
   </p:sldIdLst>
   <p:sldSz cx="12192000" cy="6858000"/>
   <p:notesSz cx="6858000" cy="9144000"/>
@@ -5512,21 +5510,8 @@
                   <a:schemeClr val="tx1"/>
                 </a:solidFill>
               </a:rPr>
-              <a:t>Cas numéro 1 : </a:t>
-            </a:r>
-            <a:r>
-              <a:rPr lang="fr-FR" sz="8000" dirty="0" smtClean="0">
-                <a:solidFill>
-                  <a:schemeClr val="tx1"/>
-                </a:solidFill>
-              </a:rPr>
-              <a:t> Effectuer des calculs</a:t>
-            </a:r>
-            <a:endParaRPr lang="fr-FR" sz="8000" dirty="0" smtClean="0">
-              <a:solidFill>
-                <a:schemeClr val="tx1"/>
-              </a:solidFill>
-            </a:endParaRPr>
+              <a:t>Cas numéro 1 :  Effectuer des calculs</a:t>
+            </a:r>
           </a:p>
           <a:p>
             <a:pPr marL="91440" lvl="3" indent="-91440">
@@ -5776,15 +5761,7 @@
                   <a:schemeClr val="tx1"/>
                 </a:solidFill>
               </a:rPr>
-              <a:t>5 : </a:t>
-            </a:r>
-            <a:r>
-              <a:rPr lang="fr-FR" sz="8000" dirty="0" smtClean="0">
-                <a:solidFill>
-                  <a:schemeClr val="tx1"/>
-                </a:solidFill>
-              </a:rPr>
-              <a:t> Gérer la mémoire</a:t>
+              <a:t>5 :  Gérer la mémoire</a:t>
             </a:r>
             <a:endParaRPr lang="fr-FR" sz="8000" dirty="0">
               <a:solidFill>
@@ -5940,15 +5917,7 @@
                   <a:schemeClr val="tx1"/>
                 </a:solidFill>
               </a:rPr>
-              <a:t>6 </a:t>
-            </a:r>
-            <a:r>
-              <a:rPr lang="fr-FR" sz="3200" dirty="0" smtClean="0">
-                <a:solidFill>
-                  <a:schemeClr val="tx1"/>
-                </a:solidFill>
-              </a:rPr>
-              <a:t>:  Copier/Couper/Coller</a:t>
+              <a:t>6 :  Copier/Couper/Coller</a:t>
             </a:r>
             <a:endParaRPr lang="fr-FR" sz="3200" dirty="0">
               <a:solidFill>
@@ -6204,21 +6173,8 @@
                   <a:schemeClr val="tx1"/>
                 </a:solidFill>
               </a:rPr>
-              <a:t>10 : </a:t>
-            </a:r>
-            <a:r>
-              <a:rPr lang="fr-FR" sz="3200" dirty="0" smtClean="0">
-                <a:solidFill>
-                  <a:schemeClr val="tx1"/>
-                </a:solidFill>
-              </a:rPr>
-              <a:t> Naviguer entre Mini-Calculatrice et Mini-Tableur</a:t>
-            </a:r>
-            <a:endParaRPr lang="fr-FR" sz="3200" dirty="0" smtClean="0">
-              <a:solidFill>
-                <a:schemeClr val="tx1"/>
-              </a:solidFill>
-            </a:endParaRPr>
+              <a:t>10 :  Naviguer entre Mini-Calculatrice et Mini-Tableur</a:t>
+            </a:r>
           </a:p>
           <a:p>
             <a:pPr marL="91440" lvl="3" indent="-91440">
@@ -6256,21 +6212,8 @@
                   <a:schemeClr val="tx1"/>
                 </a:solidFill>
               </a:rPr>
-              <a:t>Cas numéro 11 </a:t>
-            </a:r>
-            <a:r>
-              <a:rPr lang="fr-FR" sz="3200" dirty="0" smtClean="0">
-                <a:solidFill>
-                  <a:schemeClr val="tx1"/>
-                </a:solidFill>
-              </a:rPr>
-              <a:t>:  Quitter</a:t>
-            </a:r>
-            <a:endParaRPr lang="fr-FR" sz="3200" dirty="0" smtClean="0">
-              <a:solidFill>
-                <a:schemeClr val="tx1"/>
-              </a:solidFill>
-            </a:endParaRPr>
+              <a:t>Cas numéro 11 :  Quitter</a:t>
+            </a:r>
           </a:p>
           <a:p>
             <a:pPr marL="91440" lvl="3" indent="-91440">
@@ -6503,7 +6446,7 @@
                   <a:schemeClr val="tx1"/>
                 </a:solidFill>
               </a:rPr>
-              <a:t>Utilisation des liaisons telles que : l’association, la généralisation, la dépendance</a:t>
+              <a:t>Utilisation des liaisons telles que : l’association, la généralisation, la dépendance </a:t>
             </a:r>
             <a:endParaRPr lang="fr-FR" sz="2200" dirty="0">
               <a:solidFill>
@@ -6578,14 +6521,14 @@
           <a:lstStyle/>
           <a:p>
             <a:r>
-              <a:rPr lang="fr-FR" dirty="0">
+              <a:rPr lang="fr-FR" dirty="0" smtClean="0">
                 <a:solidFill>
                   <a:srgbClr val="BD582C">
                     <a:lumMod val="75000"/>
                   </a:srgbClr>
                 </a:solidFill>
               </a:rPr>
-              <a:t>C. Conception</a:t>
+              <a:t>D. Codage</a:t>
             </a:r>
             <a:endParaRPr lang="fr-FR" dirty="0"/>
           </a:p>
@@ -6605,6 +6548,35 @@
         <p:txBody>
           <a:bodyPr/>
           <a:lstStyle/>
+          <a:p>
+            <a:endParaRPr lang="fr-FR" dirty="0" smtClean="0"/>
+          </a:p>
+          <a:p>
+            <a:pPr marL="91440" lvl="3" indent="-91440">
+              <a:spcBef>
+                <a:spcPts val="1200"/>
+              </a:spcBef>
+              <a:spcAft>
+                <a:spcPts val="200"/>
+              </a:spcAft>
+              <a:buSzPct val="100000"/>
+              <a:buFont typeface="Calibri" panose="020F0502020204030204" pitchFamily="34" charset="0"/>
+              <a:buChar char=" "/>
+            </a:pPr>
+            <a:r>
+              <a:rPr lang="fr-FR" sz="3200" dirty="0" smtClean="0">
+                <a:solidFill>
+                  <a:srgbClr val="FFC000"/>
+                </a:solidFill>
+              </a:rPr>
+              <a:t>Fonctionnement de l’application</a:t>
+            </a:r>
+            <a:endParaRPr lang="fr-FR" sz="3200" dirty="0">
+              <a:solidFill>
+                <a:srgbClr val="FFC000"/>
+              </a:solidFill>
+            </a:endParaRPr>
+          </a:p>
           <a:p>
             <a:endParaRPr lang="fr-FR" dirty="0"/>
           </a:p>
@@ -6613,7 +6585,7 @@
     </p:spTree>
     <p:extLst>
       <p:ext uri="{BB962C8B-B14F-4D97-AF65-F5344CB8AC3E}">
-        <p14:creationId xmlns:p14="http://schemas.microsoft.com/office/powerpoint/2010/main" val="1456812561"/>
+        <p14:creationId xmlns:p14="http://schemas.microsoft.com/office/powerpoint/2010/main" val="3860036840"/>
       </p:ext>
     </p:extLst>
   </p:cSld>
@@ -6675,410 +6647,6 @@
           <a:lstStyle/>
           <a:p>
             <a:r>
-              <a:rPr lang="fr-FR" dirty="0">
-                <a:solidFill>
-                  <a:srgbClr val="BD582C">
-                    <a:lumMod val="75000"/>
-                  </a:srgbClr>
-                </a:solidFill>
-              </a:rPr>
-              <a:t>C. Conception</a:t>
-            </a:r>
-            <a:endParaRPr lang="fr-FR" dirty="0"/>
-          </a:p>
-        </p:txBody>
-      </p:sp>
-      <p:sp>
-        <p:nvSpPr>
-          <p:cNvPr id="3" name="Espace réservé du contenu 2"/>
-          <p:cNvSpPr>
-            <a:spLocks noGrp="1"/>
-          </p:cNvSpPr>
-          <p:nvPr>
-            <p:ph idx="1"/>
-          </p:nvPr>
-        </p:nvSpPr>
-        <p:spPr/>
-        <p:txBody>
-          <a:bodyPr/>
-          <a:lstStyle/>
-          <a:p>
-            <a:endParaRPr lang="fr-FR" dirty="0"/>
-          </a:p>
-        </p:txBody>
-      </p:sp>
-    </p:spTree>
-    <p:extLst>
-      <p:ext uri="{BB962C8B-B14F-4D97-AF65-F5344CB8AC3E}">
-        <p14:creationId xmlns:p14="http://schemas.microsoft.com/office/powerpoint/2010/main" val="1218608373"/>
-      </p:ext>
-    </p:extLst>
-  </p:cSld>
-  <p:clrMapOvr>
-    <a:masterClrMapping/>
-  </p:clrMapOvr>
-  <mc:AlternateContent xmlns:mc="http://schemas.openxmlformats.org/markup-compatibility/2006" xmlns:p14="http://schemas.microsoft.com/office/powerpoint/2010/main">
-    <mc:Choice Requires="p14">
-      <p:transition spd="slow" p14:dur="1500">
-        <p14:reveal/>
-      </p:transition>
-    </mc:Choice>
-    <mc:Fallback xmlns="">
-      <p:transition spd="slow">
-        <p:fade/>
-      </p:transition>
-    </mc:Fallback>
-  </mc:AlternateContent>
-  <p:timing>
-    <p:tnLst>
-      <p:par>
-        <p:cTn id="1" dur="indefinite" restart="never" nodeType="tmRoot"/>
-      </p:par>
-    </p:tnLst>
-  </p:timing>
-</p:sld>
-</file>
-
-<file path=ppt/slides/slide19.xml><?xml version="1.0" encoding="utf-8"?>
-<p:sld xmlns:a="http://schemas.openxmlformats.org/drawingml/2006/main" xmlns:r="http://schemas.openxmlformats.org/officeDocument/2006/relationships" xmlns:p="http://schemas.openxmlformats.org/presentationml/2006/main">
-  <p:cSld>
-    <p:spTree>
-      <p:nvGrpSpPr>
-        <p:cNvPr id="1" name=""/>
-        <p:cNvGrpSpPr/>
-        <p:nvPr/>
-      </p:nvGrpSpPr>
-      <p:grpSpPr>
-        <a:xfrm>
-          <a:off x="0" y="0"/>
-          <a:ext cx="0" cy="0"/>
-          <a:chOff x="0" y="0"/>
-          <a:chExt cx="0" cy="0"/>
-        </a:xfrm>
-      </p:grpSpPr>
-      <p:sp>
-        <p:nvSpPr>
-          <p:cNvPr id="2" name="Titre 1"/>
-          <p:cNvSpPr>
-            <a:spLocks noGrp="1"/>
-          </p:cNvSpPr>
-          <p:nvPr>
-            <p:ph type="title"/>
-          </p:nvPr>
-        </p:nvSpPr>
-        <p:spPr/>
-        <p:txBody>
-          <a:bodyPr/>
-          <a:lstStyle/>
-          <a:p>
-            <a:r>
-              <a:rPr lang="fr-FR" dirty="0" smtClean="0">
-                <a:solidFill>
-                  <a:srgbClr val="BD582C">
-                    <a:lumMod val="75000"/>
-                  </a:srgbClr>
-                </a:solidFill>
-              </a:rPr>
-              <a:t>D. Codage</a:t>
-            </a:r>
-            <a:endParaRPr lang="fr-FR" dirty="0"/>
-          </a:p>
-        </p:txBody>
-      </p:sp>
-      <p:sp>
-        <p:nvSpPr>
-          <p:cNvPr id="3" name="Espace réservé du contenu 2"/>
-          <p:cNvSpPr>
-            <a:spLocks noGrp="1"/>
-          </p:cNvSpPr>
-          <p:nvPr>
-            <p:ph idx="1"/>
-          </p:nvPr>
-        </p:nvSpPr>
-        <p:spPr/>
-        <p:txBody>
-          <a:bodyPr/>
-          <a:lstStyle/>
-          <a:p>
-            <a:endParaRPr lang="fr-FR" dirty="0" smtClean="0"/>
-          </a:p>
-          <a:p>
-            <a:pPr marL="91440" lvl="3" indent="-91440">
-              <a:spcBef>
-                <a:spcPts val="1200"/>
-              </a:spcBef>
-              <a:spcAft>
-                <a:spcPts val="200"/>
-              </a:spcAft>
-              <a:buSzPct val="100000"/>
-              <a:buFont typeface="Calibri" panose="020F0502020204030204" pitchFamily="34" charset="0"/>
-              <a:buChar char=" "/>
-            </a:pPr>
-            <a:r>
-              <a:rPr lang="fr-FR" sz="3200" dirty="0" smtClean="0">
-                <a:solidFill>
-                  <a:srgbClr val="FFC000"/>
-                </a:solidFill>
-              </a:rPr>
-              <a:t>Fonctionnement de l’application</a:t>
-            </a:r>
-            <a:endParaRPr lang="fr-FR" sz="3200" dirty="0">
-              <a:solidFill>
-                <a:srgbClr val="FFC000"/>
-              </a:solidFill>
-            </a:endParaRPr>
-          </a:p>
-          <a:p>
-            <a:endParaRPr lang="fr-FR" dirty="0"/>
-          </a:p>
-        </p:txBody>
-      </p:sp>
-    </p:spTree>
-    <p:extLst>
-      <p:ext uri="{BB962C8B-B14F-4D97-AF65-F5344CB8AC3E}">
-        <p14:creationId xmlns:p14="http://schemas.microsoft.com/office/powerpoint/2010/main" val="3860036840"/>
-      </p:ext>
-    </p:extLst>
-  </p:cSld>
-  <p:clrMapOvr>
-    <a:masterClrMapping/>
-  </p:clrMapOvr>
-  <mc:AlternateContent xmlns:mc="http://schemas.openxmlformats.org/markup-compatibility/2006" xmlns:p14="http://schemas.microsoft.com/office/powerpoint/2010/main">
-    <mc:Choice Requires="p14">
-      <p:transition spd="slow" p14:dur="1500">
-        <p14:reveal/>
-      </p:transition>
-    </mc:Choice>
-    <mc:Fallback xmlns="">
-      <p:transition spd="slow">
-        <p:fade/>
-      </p:transition>
-    </mc:Fallback>
-  </mc:AlternateContent>
-  <p:timing>
-    <p:tnLst>
-      <p:par>
-        <p:cTn id="1" dur="indefinite" restart="never" nodeType="tmRoot"/>
-      </p:par>
-    </p:tnLst>
-  </p:timing>
-</p:sld>
-</file>
-
-<file path=ppt/slides/slide2.xml><?xml version="1.0" encoding="utf-8"?>
-<p:sld xmlns:a="http://schemas.openxmlformats.org/drawingml/2006/main" xmlns:r="http://schemas.openxmlformats.org/officeDocument/2006/relationships" xmlns:p="http://schemas.openxmlformats.org/presentationml/2006/main">
-  <p:cSld>
-    <p:spTree>
-      <p:nvGrpSpPr>
-        <p:cNvPr id="1" name=""/>
-        <p:cNvGrpSpPr/>
-        <p:nvPr/>
-      </p:nvGrpSpPr>
-      <p:grpSpPr>
-        <a:xfrm>
-          <a:off x="0" y="0"/>
-          <a:ext cx="0" cy="0"/>
-          <a:chOff x="0" y="0"/>
-          <a:chExt cx="0" cy="0"/>
-        </a:xfrm>
-      </p:grpSpPr>
-      <p:sp>
-        <p:nvSpPr>
-          <p:cNvPr id="2" name="Titre 1"/>
-          <p:cNvSpPr>
-            <a:spLocks noGrp="1"/>
-          </p:cNvSpPr>
-          <p:nvPr>
-            <p:ph type="title"/>
-          </p:nvPr>
-        </p:nvSpPr>
-        <p:spPr>
-          <a:xfrm>
-            <a:off x="1066800" y="940157"/>
-            <a:ext cx="10058400" cy="742419"/>
-          </a:xfrm>
-        </p:spPr>
-        <p:txBody>
-          <a:bodyPr>
-            <a:normAutofit fontScale="90000"/>
-          </a:bodyPr>
-          <a:lstStyle/>
-          <a:p>
-            <a:r>
-              <a:rPr lang="fr-FR" sz="6000" dirty="0" smtClean="0">
-                <a:solidFill>
-                  <a:schemeClr val="accent2">
-                    <a:lumMod val="75000"/>
-                  </a:schemeClr>
-                </a:solidFill>
-              </a:rPr>
-              <a:t>A. Plan projet</a:t>
-            </a:r>
-            <a:endParaRPr lang="fr-FR" sz="6000" dirty="0">
-              <a:solidFill>
-                <a:schemeClr val="accent2">
-                  <a:lumMod val="75000"/>
-                </a:schemeClr>
-              </a:solidFill>
-            </a:endParaRPr>
-          </a:p>
-        </p:txBody>
-      </p:sp>
-      <p:sp>
-        <p:nvSpPr>
-          <p:cNvPr id="3" name="Espace réservé du contenu 2"/>
-          <p:cNvSpPr>
-            <a:spLocks noGrp="1"/>
-          </p:cNvSpPr>
-          <p:nvPr>
-            <p:ph idx="1"/>
-          </p:nvPr>
-        </p:nvSpPr>
-        <p:spPr>
-          <a:xfrm>
-            <a:off x="838200" y="1980171"/>
-            <a:ext cx="10515600" cy="4351338"/>
-          </a:xfrm>
-        </p:spPr>
-        <p:txBody>
-          <a:bodyPr>
-            <a:normAutofit/>
-          </a:bodyPr>
-          <a:lstStyle/>
-          <a:p>
-            <a:pPr marL="566928" lvl="3" indent="0">
-              <a:buNone/>
-            </a:pPr>
-            <a:r>
-              <a:rPr lang="fr-FR" sz="3200" dirty="0">
-                <a:solidFill>
-                  <a:srgbClr val="FFC000"/>
-                </a:solidFill>
-              </a:rPr>
-              <a:t>I</a:t>
-            </a:r>
-            <a:r>
-              <a:rPr lang="fr-FR" sz="3200" dirty="0" smtClean="0">
-                <a:solidFill>
-                  <a:srgbClr val="FFC000"/>
-                </a:solidFill>
-              </a:rPr>
-              <a:t>) Introduction</a:t>
-            </a:r>
-          </a:p>
-          <a:p>
-            <a:pPr lvl="3"/>
-            <a:endParaRPr lang="fr-FR" sz="1800" dirty="0" smtClean="0"/>
-          </a:p>
-          <a:p>
-            <a:pPr lvl="3"/>
-            <a:endParaRPr lang="fr-FR" sz="1800" dirty="0"/>
-          </a:p>
-          <a:p>
-            <a:pPr lvl="5"/>
-            <a:r>
-              <a:rPr lang="fr-FR" sz="3600" dirty="0" smtClean="0"/>
-              <a:t>Application : </a:t>
-            </a:r>
-            <a:r>
-              <a:rPr lang="fr-FR" sz="3600" dirty="0"/>
-              <a:t>Mini-Calculatrice / </a:t>
-            </a:r>
-            <a:r>
-              <a:rPr lang="fr-FR" sz="3600" dirty="0" smtClean="0"/>
-              <a:t>Mini-Tableur</a:t>
-            </a:r>
-          </a:p>
-          <a:p>
-            <a:pPr lvl="5"/>
-            <a:endParaRPr lang="fr-FR" sz="3600" dirty="0" smtClean="0"/>
-          </a:p>
-          <a:p>
-            <a:pPr lvl="5"/>
-            <a:r>
-              <a:rPr lang="fr-FR" sz="3600" dirty="0" smtClean="0"/>
-              <a:t>Groupe de 5 étudiants</a:t>
-            </a:r>
-          </a:p>
-          <a:p>
-            <a:pPr lvl="5"/>
-            <a:endParaRPr lang="fr-FR" sz="3600" dirty="0" smtClean="0"/>
-          </a:p>
-          <a:p>
-            <a:pPr lvl="5"/>
-            <a:r>
-              <a:rPr lang="fr-FR" sz="3600" dirty="0" smtClean="0"/>
-              <a:t>Interface Graphique</a:t>
-            </a:r>
-            <a:endParaRPr lang="fr-FR" sz="3600" dirty="0"/>
-          </a:p>
-        </p:txBody>
-      </p:sp>
-    </p:spTree>
-    <p:extLst>
-      <p:ext uri="{BB962C8B-B14F-4D97-AF65-F5344CB8AC3E}">
-        <p14:creationId xmlns:p14="http://schemas.microsoft.com/office/powerpoint/2010/main" val="368315210"/>
-      </p:ext>
-    </p:extLst>
-  </p:cSld>
-  <p:clrMapOvr>
-    <a:masterClrMapping/>
-  </p:clrMapOvr>
-  <mc:AlternateContent xmlns:mc="http://schemas.openxmlformats.org/markup-compatibility/2006" xmlns:p14="http://schemas.microsoft.com/office/powerpoint/2010/main">
-    <mc:Choice Requires="p14">
-      <p:transition spd="slow" p14:dur="1500">
-        <p14:reveal/>
-      </p:transition>
-    </mc:Choice>
-    <mc:Fallback xmlns="">
-      <p:transition spd="slow">
-        <p:fade/>
-      </p:transition>
-    </mc:Fallback>
-  </mc:AlternateContent>
-  <p:timing>
-    <p:tnLst>
-      <p:par>
-        <p:cTn id="1" dur="indefinite" restart="never" nodeType="tmRoot"/>
-      </p:par>
-    </p:tnLst>
-  </p:timing>
-</p:sld>
-</file>
-
-<file path=ppt/slides/slide20.xml><?xml version="1.0" encoding="utf-8"?>
-<p:sld xmlns:a="http://schemas.openxmlformats.org/drawingml/2006/main" xmlns:r="http://schemas.openxmlformats.org/officeDocument/2006/relationships" xmlns:p="http://schemas.openxmlformats.org/presentationml/2006/main">
-  <p:cSld>
-    <p:spTree>
-      <p:nvGrpSpPr>
-        <p:cNvPr id="1" name=""/>
-        <p:cNvGrpSpPr/>
-        <p:nvPr/>
-      </p:nvGrpSpPr>
-      <p:grpSpPr>
-        <a:xfrm>
-          <a:off x="0" y="0"/>
-          <a:ext cx="0" cy="0"/>
-          <a:chOff x="0" y="0"/>
-          <a:chExt cx="0" cy="0"/>
-        </a:xfrm>
-      </p:grpSpPr>
-      <p:sp>
-        <p:nvSpPr>
-          <p:cNvPr id="2" name="Titre 1"/>
-          <p:cNvSpPr>
-            <a:spLocks noGrp="1"/>
-          </p:cNvSpPr>
-          <p:nvPr>
-            <p:ph type="title"/>
-          </p:nvPr>
-        </p:nvSpPr>
-        <p:spPr/>
-        <p:txBody>
-          <a:bodyPr/>
-          <a:lstStyle/>
-          <a:p>
-            <a:r>
               <a:rPr lang="fr-FR" dirty="0" smtClean="0">
                 <a:solidFill>
                   <a:srgbClr val="BD582C">
@@ -7226,7 +6794,7 @@
 </p:sld>
 </file>
 
-<file path=ppt/slides/slide21.xml><?xml version="1.0" encoding="utf-8"?>
+<file path=ppt/slides/slide19.xml><?xml version="1.0" encoding="utf-8"?>
 <p:sld xmlns:a="http://schemas.openxmlformats.org/drawingml/2006/main" xmlns:r="http://schemas.openxmlformats.org/officeDocument/2006/relationships" xmlns:p="http://schemas.openxmlformats.org/presentationml/2006/main">
   <p:cSld>
     <p:spTree>
@@ -7370,7 +6938,188 @@
 </p:sld>
 </file>
 
-<file path=ppt/slides/slide22.xml><?xml version="1.0" encoding="utf-8"?>
+<file path=ppt/slides/slide2.xml><?xml version="1.0" encoding="utf-8"?>
+<p:sld xmlns:a="http://schemas.openxmlformats.org/drawingml/2006/main" xmlns:r="http://schemas.openxmlformats.org/officeDocument/2006/relationships" xmlns:p="http://schemas.openxmlformats.org/presentationml/2006/main">
+  <p:cSld>
+    <p:spTree>
+      <p:nvGrpSpPr>
+        <p:cNvPr id="1" name=""/>
+        <p:cNvGrpSpPr/>
+        <p:nvPr/>
+      </p:nvGrpSpPr>
+      <p:grpSpPr>
+        <a:xfrm>
+          <a:off x="0" y="0"/>
+          <a:ext cx="0" cy="0"/>
+          <a:chOff x="0" y="0"/>
+          <a:chExt cx="0" cy="0"/>
+        </a:xfrm>
+      </p:grpSpPr>
+      <p:sp>
+        <p:nvSpPr>
+          <p:cNvPr id="2" name="Titre 1"/>
+          <p:cNvSpPr>
+            <a:spLocks noGrp="1"/>
+          </p:cNvSpPr>
+          <p:nvPr>
+            <p:ph type="title"/>
+          </p:nvPr>
+        </p:nvSpPr>
+        <p:spPr>
+          <a:xfrm>
+            <a:off x="1066800" y="940157"/>
+            <a:ext cx="10058400" cy="742419"/>
+          </a:xfrm>
+        </p:spPr>
+        <p:txBody>
+          <a:bodyPr>
+            <a:normAutofit fontScale="90000"/>
+          </a:bodyPr>
+          <a:lstStyle/>
+          <a:p>
+            <a:r>
+              <a:rPr lang="fr-FR" sz="6000" dirty="0" smtClean="0">
+                <a:solidFill>
+                  <a:schemeClr val="accent2">
+                    <a:lumMod val="75000"/>
+                  </a:schemeClr>
+                </a:solidFill>
+              </a:rPr>
+              <a:t>A. Plan projet</a:t>
+            </a:r>
+            <a:endParaRPr lang="fr-FR" sz="6000" dirty="0">
+              <a:solidFill>
+                <a:schemeClr val="accent2">
+                  <a:lumMod val="75000"/>
+                </a:schemeClr>
+              </a:solidFill>
+            </a:endParaRPr>
+          </a:p>
+        </p:txBody>
+      </p:sp>
+      <p:sp>
+        <p:nvSpPr>
+          <p:cNvPr id="3" name="Espace réservé du contenu 2"/>
+          <p:cNvSpPr>
+            <a:spLocks noGrp="1"/>
+          </p:cNvSpPr>
+          <p:nvPr>
+            <p:ph idx="1"/>
+          </p:nvPr>
+        </p:nvSpPr>
+        <p:spPr>
+          <a:xfrm>
+            <a:off x="838200" y="1980171"/>
+            <a:ext cx="10515600" cy="4351338"/>
+          </a:xfrm>
+        </p:spPr>
+        <p:txBody>
+          <a:bodyPr>
+            <a:normAutofit/>
+          </a:bodyPr>
+          <a:lstStyle/>
+          <a:p>
+            <a:pPr marL="566928" lvl="3" indent="0">
+              <a:buNone/>
+            </a:pPr>
+            <a:r>
+              <a:rPr lang="fr-FR" sz="3200" dirty="0">
+                <a:solidFill>
+                  <a:srgbClr val="FFC000"/>
+                </a:solidFill>
+              </a:rPr>
+              <a:t>I</a:t>
+            </a:r>
+            <a:r>
+              <a:rPr lang="fr-FR" sz="3200" dirty="0" smtClean="0">
+                <a:solidFill>
+                  <a:srgbClr val="FFC000"/>
+                </a:solidFill>
+              </a:rPr>
+              <a:t>) Introduction</a:t>
+            </a:r>
+          </a:p>
+          <a:p>
+            <a:pPr lvl="3"/>
+            <a:endParaRPr lang="fr-FR" sz="1800" dirty="0" smtClean="0"/>
+          </a:p>
+          <a:p>
+            <a:pPr lvl="3"/>
+            <a:endParaRPr lang="fr-FR" sz="1800" dirty="0"/>
+          </a:p>
+          <a:p>
+            <a:pPr lvl="5"/>
+            <a:r>
+              <a:rPr lang="fr-FR" sz="3600" dirty="0" smtClean="0"/>
+              <a:t>Application : </a:t>
+            </a:r>
+            <a:r>
+              <a:rPr lang="fr-FR" sz="3600" dirty="0"/>
+              <a:t>Mini-Calculatrice / </a:t>
+            </a:r>
+            <a:r>
+              <a:rPr lang="fr-FR" sz="3600" dirty="0" smtClean="0"/>
+              <a:t>Mini-Tableur</a:t>
+            </a:r>
+          </a:p>
+          <a:p>
+            <a:pPr lvl="5"/>
+            <a:endParaRPr lang="fr-FR" sz="3600" dirty="0" smtClean="0"/>
+          </a:p>
+          <a:p>
+            <a:pPr lvl="5"/>
+            <a:r>
+              <a:rPr lang="fr-FR" sz="3600" dirty="0" smtClean="0"/>
+              <a:t>Groupe de 5 étudiants</a:t>
+            </a:r>
+          </a:p>
+          <a:p>
+            <a:pPr lvl="5"/>
+            <a:endParaRPr lang="fr-FR" sz="3600" dirty="0" smtClean="0"/>
+          </a:p>
+          <a:p>
+            <a:pPr lvl="5"/>
+            <a:r>
+              <a:rPr lang="fr-FR" sz="3600" dirty="0" smtClean="0"/>
+              <a:t>Interface Graphique</a:t>
+            </a:r>
+            <a:endParaRPr lang="fr-FR" sz="3600" dirty="0"/>
+          </a:p>
+        </p:txBody>
+      </p:sp>
+    </p:spTree>
+    <p:extLst>
+      <p:ext uri="{BB962C8B-B14F-4D97-AF65-F5344CB8AC3E}">
+        <p14:creationId xmlns:p14="http://schemas.microsoft.com/office/powerpoint/2010/main" val="368315210"/>
+      </p:ext>
+    </p:extLst>
+  </p:cSld>
+  <p:clrMapOvr>
+    <a:masterClrMapping/>
+  </p:clrMapOvr>
+  <mc:AlternateContent xmlns:mc="http://schemas.openxmlformats.org/markup-compatibility/2006" xmlns:p14="http://schemas.microsoft.com/office/powerpoint/2010/main">
+    <mc:Choice Requires="p14">
+      <p:transition spd="slow" p14:dur="1500">
+        <p14:reveal/>
+      </p:transition>
+    </mc:Choice>
+    <mc:Fallback xmlns="">
+      <p:transition spd="slow">
+        <p:fade/>
+      </p:transition>
+    </mc:Fallback>
+  </mc:AlternateContent>
+  <p:timing>
+    <p:tnLst>
+      <p:par>
+        <p:cTn id="1" dur="indefinite" restart="never" nodeType="tmRoot"/>
+      </p:par>
+    </p:tnLst>
+  </p:timing>
+</p:sld>
+</file>
+
+<file path=ppt/slides/slide20.xml><?xml version="1.0" encoding="utf-8"?>
 <p:sld xmlns:a="http://schemas.openxmlformats.org/drawingml/2006/main" xmlns:r="http://schemas.openxmlformats.org/officeDocument/2006/relationships" xmlns:p="http://schemas.openxmlformats.org/presentationml/2006/main">
   <p:cSld>
     <p:spTree>
@@ -7453,7 +7202,7 @@
 </p:sld>
 </file>
 
-<file path=ppt/slides/slide23.xml><?xml version="1.0" encoding="utf-8"?>
+<file path=ppt/slides/slide21.xml><?xml version="1.0" encoding="utf-8"?>
 <p:sld xmlns:a="http://schemas.openxmlformats.org/drawingml/2006/main" xmlns:r="http://schemas.openxmlformats.org/officeDocument/2006/relationships" xmlns:p="http://schemas.openxmlformats.org/presentationml/2006/main">
   <p:cSld>
     <p:spTree>
@@ -7536,7 +7285,7 @@
 </p:sld>
 </file>
 
-<file path=ppt/slides/slide24.xml><?xml version="1.0" encoding="utf-8"?>
+<file path=ppt/slides/slide22.xml><?xml version="1.0" encoding="utf-8"?>
 <p:sld xmlns:a="http://schemas.openxmlformats.org/drawingml/2006/main" xmlns:r="http://schemas.openxmlformats.org/officeDocument/2006/relationships" xmlns:p="http://schemas.openxmlformats.org/presentationml/2006/main">
   <p:cSld>
     <p:spTree>
@@ -7619,7 +7368,7 @@
 </p:sld>
 </file>
 
-<file path=ppt/slides/slide25.xml><?xml version="1.0" encoding="utf-8"?>
+<file path=ppt/slides/slide23.xml><?xml version="1.0" encoding="utf-8"?>
 <p:sld xmlns:a="http://schemas.openxmlformats.org/drawingml/2006/main" xmlns:r="http://schemas.openxmlformats.org/officeDocument/2006/relationships" xmlns:p="http://schemas.openxmlformats.org/presentationml/2006/main">
   <p:cSld>
     <p:spTree>
@@ -7702,7 +7451,7 @@
 </p:sld>
 </file>
 
-<file path=ppt/slides/slide26.xml><?xml version="1.0" encoding="utf-8"?>
+<file path=ppt/slides/slide24.xml><?xml version="1.0" encoding="utf-8"?>
 <p:sld xmlns:a="http://schemas.openxmlformats.org/drawingml/2006/main" xmlns:r="http://schemas.openxmlformats.org/officeDocument/2006/relationships" xmlns:p="http://schemas.openxmlformats.org/presentationml/2006/main">
   <p:cSld>
     <p:spTree>
@@ -7800,7 +7549,7 @@
 </p:sld>
 </file>
 
-<file path=ppt/slides/slide27.xml><?xml version="1.0" encoding="utf-8"?>
+<file path=ppt/slides/slide25.xml><?xml version="1.0" encoding="utf-8"?>
 <p:sld xmlns:a="http://schemas.openxmlformats.org/drawingml/2006/main" xmlns:r="http://schemas.openxmlformats.org/officeDocument/2006/relationships" xmlns:p="http://schemas.openxmlformats.org/presentationml/2006/main">
   <p:cSld>
     <p:spTree>
@@ -7921,7 +7670,7 @@
 </p:sld>
 </file>
 
-<file path=ppt/slides/slide28.xml><?xml version="1.0" encoding="utf-8"?>
+<file path=ppt/slides/slide26.xml><?xml version="1.0" encoding="utf-8"?>
 <p:sld xmlns:a="http://schemas.openxmlformats.org/drawingml/2006/main" xmlns:r="http://schemas.openxmlformats.org/officeDocument/2006/relationships" xmlns:p="http://schemas.openxmlformats.org/presentationml/2006/main">
   <p:cSld>
     <p:spTree>
@@ -8102,7 +7851,7 @@
 </p:sld>
 </file>
 
-<file path=ppt/slides/slide29.xml><?xml version="1.0" encoding="utf-8"?>
+<file path=ppt/slides/slide27.xml><?xml version="1.0" encoding="utf-8"?>
 <p:sld xmlns:a="http://schemas.openxmlformats.org/drawingml/2006/main" xmlns:r="http://schemas.openxmlformats.org/officeDocument/2006/relationships" xmlns:p="http://schemas.openxmlformats.org/presentationml/2006/main">
   <p:cSld>
     <p:spTree>

--- a/ProjetS2/Dossier-Manuel-Presentation/PresentationProjetS2.pptx
+++ b/ProjetS2/Dossier-Manuel-Presentation/PresentationProjetS2.pptx
@@ -132,7 +132,7 @@
   </p:defaultTextStyle>
   <p:extLst>
     <p:ext uri="{EFAFB233-063F-42B5-8137-9DF3F51BA10A}">
-      <p15:sldGuideLst xmlns="" xmlns:p15="http://schemas.microsoft.com/office/powerpoint/2012/main">
+      <p15:sldGuideLst xmlns:p15="http://schemas.microsoft.com/office/powerpoint/2012/main">
         <p15:guide id="1" orient="horz" pos="2160" userDrawn="1">
           <p15:clr>
             <a:srgbClr val="A4A3A4"/>
@@ -9226,8 +9226,20 @@
           </a:p>
           <a:p>
             <a:r>
+              <a:rPr lang="fr-FR" sz="2400" smtClean="0"/>
+              <a:t>- </a:t>
+            </a:r>
+            <a:r>
+              <a:rPr lang="fr-FR" sz="2400" smtClean="0"/>
+              <a:t>cycle en V </a:t>
+            </a:r>
+            <a:r>
+              <a:rPr lang="fr-FR" sz="2400" smtClean="0"/>
+              <a:t>: </a:t>
+            </a:r>
+            <a:r>
               <a:rPr lang="fr-FR" sz="2400" dirty="0" smtClean="0"/>
-              <a:t>- cycle itératif : test des méthodes après implémentation</a:t>
+              <a:t>test des méthodes après implémentation</a:t>
             </a:r>
             <a:endParaRPr lang="fr-FR" sz="2400" dirty="0"/>
           </a:p>
@@ -9916,7 +9928,7 @@
   <a:extraClrSchemeLst/>
   <a:extLst>
     <a:ext uri="{05A4C25C-085E-4340-85A3-A5531E510DB2}">
-      <thm15:themeFamily xmlns="" xmlns:thm15="http://schemas.microsoft.com/office/thememl/2012/main" name="Retrospect" id="{5F128B03-DCCA-4EEB-AB3B-CF2899314A46}" vid="{3F1AAB62-24C6-49D2-8E01-B56FAC9A3DCD}"/>
+      <thm15:themeFamily xmlns:thm15="http://schemas.microsoft.com/office/thememl/2012/main" name="Retrospect" id="{5F128B03-DCCA-4EEB-AB3B-CF2899314A46}" vid="{3F1AAB62-24C6-49D2-8E01-B56FAC9A3DCD}"/>
     </a:ext>
   </a:extLst>
 </a:theme>

--- a/ProjetS2/Dossier-Manuel-Presentation/PresentationProjetS2.pptx
+++ b/ProjetS2/Dossier-Manuel-Presentation/PresentationProjetS2.pptx
@@ -1,6 +1,6 @@
 
 <file path=ppt/presentation.xml><?xml version="1.0" encoding="utf-8"?>
-<p:presentation xmlns:a="http://schemas.openxmlformats.org/drawingml/2006/main" xmlns:r="http://schemas.openxmlformats.org/officeDocument/2006/relationships" xmlns:p="http://schemas.openxmlformats.org/presentationml/2006/main" serverZoom="32244" saveSubsetFonts="1">
+<p:presentation xmlns:a="http://schemas.openxmlformats.org/drawingml/2006/main" xmlns:r="http://schemas.openxmlformats.org/officeDocument/2006/relationships" xmlns:p="http://schemas.openxmlformats.org/presentationml/2006/main" serverZoom="26923" saveSubsetFonts="1">
   <p:sldMasterIdLst>
     <p:sldMasterId id="2147483678" r:id="rId1"/>
   </p:sldMasterIdLst>
@@ -14,24 +14,11 @@
     <p:sldId id="262" r:id="rId8"/>
     <p:sldId id="263" r:id="rId9"/>
     <p:sldId id="264" r:id="rId10"/>
-    <p:sldId id="265" r:id="rId11"/>
-    <p:sldId id="266" r:id="rId12"/>
-    <p:sldId id="267" r:id="rId13"/>
-    <p:sldId id="268" r:id="rId14"/>
-    <p:sldId id="269" r:id="rId15"/>
-    <p:sldId id="270" r:id="rId16"/>
-    <p:sldId id="271" r:id="rId17"/>
-    <p:sldId id="274" r:id="rId18"/>
-    <p:sldId id="275" r:id="rId19"/>
-    <p:sldId id="276" r:id="rId20"/>
-    <p:sldId id="277" r:id="rId21"/>
-    <p:sldId id="278" r:id="rId22"/>
-    <p:sldId id="279" r:id="rId23"/>
-    <p:sldId id="280" r:id="rId24"/>
-    <p:sldId id="281" r:id="rId25"/>
-    <p:sldId id="282" r:id="rId26"/>
-    <p:sldId id="283" r:id="rId27"/>
-    <p:sldId id="284" r:id="rId28"/>
+    <p:sldId id="269" r:id="rId11"/>
+    <p:sldId id="271" r:id="rId12"/>
+    <p:sldId id="274" r:id="rId13"/>
+    <p:sldId id="283" r:id="rId14"/>
+    <p:sldId id="284" r:id="rId15"/>
   </p:sldIdLst>
   <p:sldSz cx="12192000" cy="6858000"/>
   <p:notesSz cx="6858000" cy="9144000"/>
@@ -132,7 +119,7 @@
   </p:defaultTextStyle>
   <p:extLst>
     <p:ext uri="{EFAFB233-063F-42B5-8137-9DF3F51BA10A}">
-      <p15:sldGuideLst xmlns:p15="http://schemas.microsoft.com/office/powerpoint/2012/main">
+      <p15:sldGuideLst xmlns:p15="http://schemas.microsoft.com/office/powerpoint/2012/main" xmlns="">
         <p15:guide id="1" orient="horz" pos="2160" userDrawn="1">
           <p15:clr>
             <a:srgbClr val="A4A3A4"/>
@@ -375,6 +362,7 @@
           <a:p>
             <a:fld id="{02AD1CBD-E0FB-4F97-9B07-04EEBC115ADC}" type="datetimeFigureOut">
               <a:rPr lang="fr-FR" smtClean="0"/>
+              <a:pPr/>
               <a:t>31/05/2015</a:t>
             </a:fld>
             <a:endParaRPr lang="fr-FR"/>
@@ -417,7 +405,8 @@
           <a:p>
             <a:fld id="{B4E1FA03-DE6C-41FB-B508-C0E99749F86B}" type="slidenum">
               <a:rPr lang="fr-FR" smtClean="0"/>
-              <a:t>‹N°›</a:t>
+              <a:pPr/>
+              <a:t>‹#›</a:t>
             </a:fld>
             <a:endParaRPr lang="fr-FR"/>
           </a:p>
@@ -464,20 +453,20 @@
     </p:spTree>
     <p:extLst>
       <p:ext uri="{BB962C8B-B14F-4D97-AF65-F5344CB8AC3E}">
-        <p14:creationId xmlns:p14="http://schemas.microsoft.com/office/powerpoint/2010/main" val="968179972"/>
+        <p14:creationId xmlns:p14="http://schemas.microsoft.com/office/powerpoint/2010/main" xmlns="" val="968179972"/>
       </p:ext>
     </p:extLst>
   </p:cSld>
   <p:clrMapOvr>
     <a:masterClrMapping/>
   </p:clrMapOvr>
-  <mc:AlternateContent xmlns:mc="http://schemas.openxmlformats.org/markup-compatibility/2006" xmlns:p14="http://schemas.microsoft.com/office/powerpoint/2010/main">
-    <mc:Choice Requires="p14">
+  <mc:AlternateContent xmlns:mc="http://schemas.openxmlformats.org/markup-compatibility/2006">
+    <mc:Choice xmlns:p14="http://schemas.microsoft.com/office/powerpoint/2010/main" xmlns="" Requires="p14">
       <p:transition spd="slow" p14:dur="1500">
         <p14:reveal/>
       </p:transition>
     </mc:Choice>
-    <mc:Fallback xmlns="">
+    <mc:Fallback>
       <p:transition spd="slow">
         <p:fade/>
       </p:transition>
@@ -595,6 +584,7 @@
           <a:p>
             <a:fld id="{02AD1CBD-E0FB-4F97-9B07-04EEBC115ADC}" type="datetimeFigureOut">
               <a:rPr lang="fr-FR" smtClean="0"/>
+              <a:pPr/>
               <a:t>31/05/2015</a:t>
             </a:fld>
             <a:endParaRPr lang="fr-FR"/>
@@ -637,7 +627,8 @@
           <a:p>
             <a:fld id="{B4E1FA03-DE6C-41FB-B508-C0E99749F86B}" type="slidenum">
               <a:rPr lang="fr-FR" smtClean="0"/>
-              <a:t>‹N°›</a:t>
+              <a:pPr/>
+              <a:t>‹#›</a:t>
             </a:fld>
             <a:endParaRPr lang="fr-FR"/>
           </a:p>
@@ -646,20 +637,20 @@
     </p:spTree>
     <p:extLst>
       <p:ext uri="{BB962C8B-B14F-4D97-AF65-F5344CB8AC3E}">
-        <p14:creationId xmlns:p14="http://schemas.microsoft.com/office/powerpoint/2010/main" val="1859036341"/>
+        <p14:creationId xmlns:p14="http://schemas.microsoft.com/office/powerpoint/2010/main" xmlns="" val="1859036341"/>
       </p:ext>
     </p:extLst>
   </p:cSld>
   <p:clrMapOvr>
     <a:masterClrMapping/>
   </p:clrMapOvr>
-  <mc:AlternateContent xmlns:mc="http://schemas.openxmlformats.org/markup-compatibility/2006" xmlns:p14="http://schemas.microsoft.com/office/powerpoint/2010/main">
-    <mc:Choice Requires="p14">
+  <mc:AlternateContent xmlns:mc="http://schemas.openxmlformats.org/markup-compatibility/2006">
+    <mc:Choice xmlns:p14="http://schemas.microsoft.com/office/powerpoint/2010/main" xmlns="" Requires="p14">
       <p:transition spd="slow" p14:dur="1500">
         <p14:reveal/>
       </p:transition>
     </mc:Choice>
-    <mc:Fallback xmlns="">
+    <mc:Fallback>
       <p:transition spd="slow">
         <p:fade/>
       </p:transition>
@@ -863,6 +854,7 @@
           <a:p>
             <a:fld id="{02AD1CBD-E0FB-4F97-9B07-04EEBC115ADC}" type="datetimeFigureOut">
               <a:rPr lang="fr-FR" smtClean="0"/>
+              <a:pPr/>
               <a:t>31/05/2015</a:t>
             </a:fld>
             <a:endParaRPr lang="fr-FR"/>
@@ -905,7 +897,8 @@
           <a:p>
             <a:fld id="{B4E1FA03-DE6C-41FB-B508-C0E99749F86B}" type="slidenum">
               <a:rPr lang="fr-FR" smtClean="0"/>
-              <a:t>‹N°›</a:t>
+              <a:pPr/>
+              <a:t>‹#›</a:t>
             </a:fld>
             <a:endParaRPr lang="fr-FR"/>
           </a:p>
@@ -914,20 +907,20 @@
     </p:spTree>
     <p:extLst>
       <p:ext uri="{BB962C8B-B14F-4D97-AF65-F5344CB8AC3E}">
-        <p14:creationId xmlns:p14="http://schemas.microsoft.com/office/powerpoint/2010/main" val="2318512611"/>
+        <p14:creationId xmlns:p14="http://schemas.microsoft.com/office/powerpoint/2010/main" xmlns="" val="2318512611"/>
       </p:ext>
     </p:extLst>
   </p:cSld>
   <p:clrMapOvr>
     <a:masterClrMapping/>
   </p:clrMapOvr>
-  <mc:AlternateContent xmlns:mc="http://schemas.openxmlformats.org/markup-compatibility/2006" xmlns:p14="http://schemas.microsoft.com/office/powerpoint/2010/main">
-    <mc:Choice Requires="p14">
+  <mc:AlternateContent xmlns:mc="http://schemas.openxmlformats.org/markup-compatibility/2006">
+    <mc:Choice xmlns:p14="http://schemas.microsoft.com/office/powerpoint/2010/main" xmlns="" Requires="p14">
       <p:transition spd="slow" p14:dur="1500">
         <p14:reveal/>
       </p:transition>
     </mc:Choice>
-    <mc:Fallback xmlns="">
+    <mc:Fallback>
       <p:transition spd="slow">
         <p:fade/>
       </p:transition>
@@ -1049,6 +1042,7 @@
           <a:p>
             <a:fld id="{02AD1CBD-E0FB-4F97-9B07-04EEBC115ADC}" type="datetimeFigureOut">
               <a:rPr lang="fr-FR" smtClean="0"/>
+              <a:pPr/>
               <a:t>31/05/2015</a:t>
             </a:fld>
             <a:endParaRPr lang="fr-FR"/>
@@ -1091,7 +1085,8 @@
           <a:p>
             <a:fld id="{B4E1FA03-DE6C-41FB-B508-C0E99749F86B}" type="slidenum">
               <a:rPr lang="fr-FR" smtClean="0"/>
-              <a:t>‹N°›</a:t>
+              <a:pPr/>
+              <a:t>‹#›</a:t>
             </a:fld>
             <a:endParaRPr lang="fr-FR"/>
           </a:p>
@@ -1100,20 +1095,20 @@
     </p:spTree>
     <p:extLst>
       <p:ext uri="{BB962C8B-B14F-4D97-AF65-F5344CB8AC3E}">
-        <p14:creationId xmlns:p14="http://schemas.microsoft.com/office/powerpoint/2010/main" val="2042101793"/>
+        <p14:creationId xmlns:p14="http://schemas.microsoft.com/office/powerpoint/2010/main" xmlns="" val="2042101793"/>
       </p:ext>
     </p:extLst>
   </p:cSld>
   <p:clrMapOvr>
     <a:masterClrMapping/>
   </p:clrMapOvr>
-  <mc:AlternateContent xmlns:mc="http://schemas.openxmlformats.org/markup-compatibility/2006" xmlns:p14="http://schemas.microsoft.com/office/powerpoint/2010/main">
-    <mc:Choice Requires="p14">
+  <mc:AlternateContent xmlns:mc="http://schemas.openxmlformats.org/markup-compatibility/2006">
+    <mc:Choice xmlns:p14="http://schemas.microsoft.com/office/powerpoint/2010/main" xmlns="" Requires="p14">
       <p:transition spd="slow" p14:dur="1500">
         <p14:reveal/>
       </p:transition>
     </mc:Choice>
-    <mc:Fallback xmlns="">
+    <mc:Fallback>
       <p:transition spd="slow">
         <p:fade/>
       </p:transition>
@@ -1404,6 +1399,7 @@
           <a:p>
             <a:fld id="{02AD1CBD-E0FB-4F97-9B07-04EEBC115ADC}" type="datetimeFigureOut">
               <a:rPr lang="fr-FR" smtClean="0"/>
+              <a:pPr/>
               <a:t>31/05/2015</a:t>
             </a:fld>
             <a:endParaRPr lang="fr-FR"/>
@@ -1446,7 +1442,8 @@
           <a:p>
             <a:fld id="{B4E1FA03-DE6C-41FB-B508-C0E99749F86B}" type="slidenum">
               <a:rPr lang="fr-FR" smtClean="0"/>
-              <a:t>‹N°›</a:t>
+              <a:pPr/>
+              <a:t>‹#›</a:t>
             </a:fld>
             <a:endParaRPr lang="fr-FR"/>
           </a:p>
@@ -1493,20 +1490,20 @@
     </p:spTree>
     <p:extLst>
       <p:ext uri="{BB962C8B-B14F-4D97-AF65-F5344CB8AC3E}">
-        <p14:creationId xmlns:p14="http://schemas.microsoft.com/office/powerpoint/2010/main" val="1227944219"/>
+        <p14:creationId xmlns:p14="http://schemas.microsoft.com/office/powerpoint/2010/main" xmlns="" val="1227944219"/>
       </p:ext>
     </p:extLst>
   </p:cSld>
   <p:clrMapOvr>
     <a:masterClrMapping/>
   </p:clrMapOvr>
-  <mc:AlternateContent xmlns:mc="http://schemas.openxmlformats.org/markup-compatibility/2006" xmlns:p14="http://schemas.microsoft.com/office/powerpoint/2010/main">
-    <mc:Choice Requires="p14">
+  <mc:AlternateContent xmlns:mc="http://schemas.openxmlformats.org/markup-compatibility/2006">
+    <mc:Choice xmlns:p14="http://schemas.microsoft.com/office/powerpoint/2010/main" xmlns="" Requires="p14">
       <p:transition spd="slow" p14:dur="1500">
         <p14:reveal/>
       </p:transition>
     </mc:Choice>
-    <mc:Fallback xmlns="">
+    <mc:Fallback>
       <p:transition spd="slow">
         <p:fade/>
       </p:transition>
@@ -1691,6 +1688,7 @@
           <a:p>
             <a:fld id="{02AD1CBD-E0FB-4F97-9B07-04EEBC115ADC}" type="datetimeFigureOut">
               <a:rPr lang="fr-FR" smtClean="0"/>
+              <a:pPr/>
               <a:t>31/05/2015</a:t>
             </a:fld>
             <a:endParaRPr lang="fr-FR"/>
@@ -1733,7 +1731,8 @@
           <a:p>
             <a:fld id="{B4E1FA03-DE6C-41FB-B508-C0E99749F86B}" type="slidenum">
               <a:rPr lang="fr-FR" smtClean="0"/>
-              <a:t>‹N°›</a:t>
+              <a:pPr/>
+              <a:t>‹#›</a:t>
             </a:fld>
             <a:endParaRPr lang="fr-FR"/>
           </a:p>
@@ -1742,20 +1741,20 @@
     </p:spTree>
     <p:extLst>
       <p:ext uri="{BB962C8B-B14F-4D97-AF65-F5344CB8AC3E}">
-        <p14:creationId xmlns:p14="http://schemas.microsoft.com/office/powerpoint/2010/main" val="442734732"/>
+        <p14:creationId xmlns:p14="http://schemas.microsoft.com/office/powerpoint/2010/main" xmlns="" val="442734732"/>
       </p:ext>
     </p:extLst>
   </p:cSld>
   <p:clrMapOvr>
     <a:masterClrMapping/>
   </p:clrMapOvr>
-  <mc:AlternateContent xmlns:mc="http://schemas.openxmlformats.org/markup-compatibility/2006" xmlns:p14="http://schemas.microsoft.com/office/powerpoint/2010/main">
-    <mc:Choice Requires="p14">
+  <mc:AlternateContent xmlns:mc="http://schemas.openxmlformats.org/markup-compatibility/2006">
+    <mc:Choice xmlns:p14="http://schemas.microsoft.com/office/powerpoint/2010/main" xmlns="" Requires="p14">
       <p:transition spd="slow" p14:dur="1500">
         <p14:reveal/>
       </p:transition>
     </mc:Choice>
-    <mc:Fallback xmlns="">
+    <mc:Fallback>
       <p:transition spd="slow">
         <p:fade/>
       </p:transition>
@@ -2082,6 +2081,7 @@
           <a:p>
             <a:fld id="{02AD1CBD-E0FB-4F97-9B07-04EEBC115ADC}" type="datetimeFigureOut">
               <a:rPr lang="fr-FR" smtClean="0"/>
+              <a:pPr/>
               <a:t>31/05/2015</a:t>
             </a:fld>
             <a:endParaRPr lang="fr-FR"/>
@@ -2124,7 +2124,8 @@
           <a:p>
             <a:fld id="{B4E1FA03-DE6C-41FB-B508-C0E99749F86B}" type="slidenum">
               <a:rPr lang="fr-FR" smtClean="0"/>
-              <a:t>‹N°›</a:t>
+              <a:pPr/>
+              <a:t>‹#›</a:t>
             </a:fld>
             <a:endParaRPr lang="fr-FR"/>
           </a:p>
@@ -2133,20 +2134,20 @@
     </p:spTree>
     <p:extLst>
       <p:ext uri="{BB962C8B-B14F-4D97-AF65-F5344CB8AC3E}">
-        <p14:creationId xmlns:p14="http://schemas.microsoft.com/office/powerpoint/2010/main" val="818419737"/>
+        <p14:creationId xmlns:p14="http://schemas.microsoft.com/office/powerpoint/2010/main" xmlns="" val="818419737"/>
       </p:ext>
     </p:extLst>
   </p:cSld>
   <p:clrMapOvr>
     <a:masterClrMapping/>
   </p:clrMapOvr>
-  <mc:AlternateContent xmlns:mc="http://schemas.openxmlformats.org/markup-compatibility/2006" xmlns:p14="http://schemas.microsoft.com/office/powerpoint/2010/main">
-    <mc:Choice Requires="p14">
+  <mc:AlternateContent xmlns:mc="http://schemas.openxmlformats.org/markup-compatibility/2006">
+    <mc:Choice xmlns:p14="http://schemas.microsoft.com/office/powerpoint/2010/main" xmlns="" Requires="p14">
       <p:transition spd="slow" p14:dur="1500">
         <p14:reveal/>
       </p:transition>
     </mc:Choice>
-    <mc:Fallback xmlns="">
+    <mc:Fallback>
       <p:transition spd="slow">
         <p:fade/>
       </p:transition>
@@ -2212,6 +2213,7 @@
           <a:p>
             <a:fld id="{02AD1CBD-E0FB-4F97-9B07-04EEBC115ADC}" type="datetimeFigureOut">
               <a:rPr lang="fr-FR" smtClean="0"/>
+              <a:pPr/>
               <a:t>31/05/2015</a:t>
             </a:fld>
             <a:endParaRPr lang="fr-FR"/>
@@ -2254,7 +2256,8 @@
           <a:p>
             <a:fld id="{B4E1FA03-DE6C-41FB-B508-C0E99749F86B}" type="slidenum">
               <a:rPr lang="fr-FR" smtClean="0"/>
-              <a:t>‹N°›</a:t>
+              <a:pPr/>
+              <a:t>‹#›</a:t>
             </a:fld>
             <a:endParaRPr lang="fr-FR"/>
           </a:p>
@@ -2263,20 +2266,20 @@
     </p:spTree>
     <p:extLst>
       <p:ext uri="{BB962C8B-B14F-4D97-AF65-F5344CB8AC3E}">
-        <p14:creationId xmlns:p14="http://schemas.microsoft.com/office/powerpoint/2010/main" val="4048633462"/>
+        <p14:creationId xmlns:p14="http://schemas.microsoft.com/office/powerpoint/2010/main" xmlns="" val="4048633462"/>
       </p:ext>
     </p:extLst>
   </p:cSld>
   <p:clrMapOvr>
     <a:masterClrMapping/>
   </p:clrMapOvr>
-  <mc:AlternateContent xmlns:mc="http://schemas.openxmlformats.org/markup-compatibility/2006" xmlns:p14="http://schemas.microsoft.com/office/powerpoint/2010/main">
-    <mc:Choice Requires="p14">
+  <mc:AlternateContent xmlns:mc="http://schemas.openxmlformats.org/markup-compatibility/2006">
+    <mc:Choice xmlns:p14="http://schemas.microsoft.com/office/powerpoint/2010/main" xmlns="" Requires="p14">
       <p:transition spd="slow" p14:dur="1500">
         <p14:reveal/>
       </p:transition>
     </mc:Choice>
-    <mc:Fallback xmlns="">
+    <mc:Fallback>
       <p:transition spd="slow">
         <p:fade/>
       </p:transition>
@@ -2395,6 +2398,7 @@
           <a:p>
             <a:fld id="{02AD1CBD-E0FB-4F97-9B07-04EEBC115ADC}" type="datetimeFigureOut">
               <a:rPr lang="fr-FR" smtClean="0"/>
+              <a:pPr/>
               <a:t>31/05/2015</a:t>
             </a:fld>
             <a:endParaRPr lang="fr-FR"/>
@@ -2445,7 +2449,8 @@
           <a:p>
             <a:fld id="{B4E1FA03-DE6C-41FB-B508-C0E99749F86B}" type="slidenum">
               <a:rPr lang="fr-FR" smtClean="0"/>
-              <a:t>‹N°›</a:t>
+              <a:pPr/>
+              <a:t>‹#›</a:t>
             </a:fld>
             <a:endParaRPr lang="fr-FR"/>
           </a:p>
@@ -2454,20 +2459,20 @@
     </p:spTree>
     <p:extLst>
       <p:ext uri="{BB962C8B-B14F-4D97-AF65-F5344CB8AC3E}">
-        <p14:creationId xmlns:p14="http://schemas.microsoft.com/office/powerpoint/2010/main" val="1785385944"/>
+        <p14:creationId xmlns:p14="http://schemas.microsoft.com/office/powerpoint/2010/main" xmlns="" val="1785385944"/>
       </p:ext>
     </p:extLst>
   </p:cSld>
   <p:clrMapOvr>
     <a:masterClrMapping/>
   </p:clrMapOvr>
-  <mc:AlternateContent xmlns:mc="http://schemas.openxmlformats.org/markup-compatibility/2006" xmlns:p14="http://schemas.microsoft.com/office/powerpoint/2010/main">
-    <mc:Choice Requires="p14">
+  <mc:AlternateContent xmlns:mc="http://schemas.openxmlformats.org/markup-compatibility/2006">
+    <mc:Choice xmlns:p14="http://schemas.microsoft.com/office/powerpoint/2010/main" xmlns="" Requires="p14">
       <p:transition spd="slow" p14:dur="1500">
         <p14:reveal/>
       </p:transition>
     </mc:Choice>
-    <mc:Fallback xmlns="">
+    <mc:Fallback>
       <p:transition spd="slow">
         <p:fade/>
       </p:transition>
@@ -2761,6 +2766,7 @@
           <a:p>
             <a:fld id="{02AD1CBD-E0FB-4F97-9B07-04EEBC115ADC}" type="datetimeFigureOut">
               <a:rPr lang="fr-FR" smtClean="0"/>
+              <a:pPr/>
               <a:t>31/05/2015</a:t>
             </a:fld>
             <a:endParaRPr lang="fr-FR"/>
@@ -2824,7 +2830,8 @@
           <a:p>
             <a:fld id="{B4E1FA03-DE6C-41FB-B508-C0E99749F86B}" type="slidenum">
               <a:rPr lang="fr-FR" smtClean="0"/>
-              <a:t>‹N°›</a:t>
+              <a:pPr/>
+              <a:t>‹#›</a:t>
             </a:fld>
             <a:endParaRPr lang="fr-FR"/>
           </a:p>
@@ -2833,20 +2840,20 @@
     </p:spTree>
     <p:extLst>
       <p:ext uri="{BB962C8B-B14F-4D97-AF65-F5344CB8AC3E}">
-        <p14:creationId xmlns:p14="http://schemas.microsoft.com/office/powerpoint/2010/main" val="335052954"/>
+        <p14:creationId xmlns:p14="http://schemas.microsoft.com/office/powerpoint/2010/main" xmlns="" val="335052954"/>
       </p:ext>
     </p:extLst>
   </p:cSld>
   <p:clrMapOvr>
     <a:masterClrMapping/>
   </p:clrMapOvr>
-  <mc:AlternateContent xmlns:mc="http://schemas.openxmlformats.org/markup-compatibility/2006" xmlns:p14="http://schemas.microsoft.com/office/powerpoint/2010/main">
-    <mc:Choice Requires="p14">
+  <mc:AlternateContent xmlns:mc="http://schemas.openxmlformats.org/markup-compatibility/2006">
+    <mc:Choice xmlns:p14="http://schemas.microsoft.com/office/powerpoint/2010/main" xmlns="" Requires="p14">
       <p:transition spd="slow" p14:dur="1500">
         <p14:reveal/>
       </p:transition>
     </mc:Choice>
-    <mc:Fallback xmlns="">
+    <mc:Fallback>
       <p:transition spd="slow">
         <p:fade/>
       </p:transition>
@@ -3155,6 +3162,7 @@
           <a:p>
             <a:fld id="{02AD1CBD-E0FB-4F97-9B07-04EEBC115ADC}" type="datetimeFigureOut">
               <a:rPr lang="fr-FR" smtClean="0"/>
+              <a:pPr/>
               <a:t>31/05/2015</a:t>
             </a:fld>
             <a:endParaRPr lang="fr-FR"/>
@@ -3197,7 +3205,8 @@
           <a:p>
             <a:fld id="{B4E1FA03-DE6C-41FB-B508-C0E99749F86B}" type="slidenum">
               <a:rPr lang="fr-FR" smtClean="0"/>
-              <a:t>‹N°›</a:t>
+              <a:pPr/>
+              <a:t>‹#›</a:t>
             </a:fld>
             <a:endParaRPr lang="fr-FR"/>
           </a:p>
@@ -3206,20 +3215,20 @@
     </p:spTree>
     <p:extLst>
       <p:ext uri="{BB962C8B-B14F-4D97-AF65-F5344CB8AC3E}">
-        <p14:creationId xmlns:p14="http://schemas.microsoft.com/office/powerpoint/2010/main" val="800907055"/>
+        <p14:creationId xmlns:p14="http://schemas.microsoft.com/office/powerpoint/2010/main" xmlns="" val="800907055"/>
       </p:ext>
     </p:extLst>
   </p:cSld>
   <p:clrMapOvr>
     <a:masterClrMapping/>
   </p:clrMapOvr>
-  <mc:AlternateContent xmlns:mc="http://schemas.openxmlformats.org/markup-compatibility/2006" xmlns:p14="http://schemas.microsoft.com/office/powerpoint/2010/main">
-    <mc:Choice Requires="p14">
+  <mc:AlternateContent xmlns:mc="http://schemas.openxmlformats.org/markup-compatibility/2006">
+    <mc:Choice xmlns:p14="http://schemas.microsoft.com/office/powerpoint/2010/main" xmlns="" Requires="p14">
       <p:transition spd="slow" p14:dur="1500">
         <p14:reveal/>
       </p:transition>
     </mc:Choice>
-    <mc:Fallback xmlns="">
+    <mc:Fallback>
       <p:transition spd="slow">
         <p:fade/>
       </p:transition>
@@ -3454,6 +3463,7 @@
           <a:p>
             <a:fld id="{02AD1CBD-E0FB-4F97-9B07-04EEBC115ADC}" type="datetimeFigureOut">
               <a:rPr lang="fr-FR" smtClean="0"/>
+              <a:pPr/>
               <a:t>31/05/2015</a:t>
             </a:fld>
             <a:endParaRPr lang="fr-FR"/>
@@ -3528,7 +3538,8 @@
           <a:p>
             <a:fld id="{B4E1FA03-DE6C-41FB-B508-C0E99749F86B}" type="slidenum">
               <a:rPr lang="fr-FR" smtClean="0"/>
-              <a:t>‹N°›</a:t>
+              <a:pPr/>
+              <a:t>‹#›</a:t>
             </a:fld>
             <a:endParaRPr lang="fr-FR"/>
           </a:p>
@@ -3575,7 +3586,7 @@
     </p:spTree>
     <p:extLst>
       <p:ext uri="{BB962C8B-B14F-4D97-AF65-F5344CB8AC3E}">
-        <p14:creationId xmlns:p14="http://schemas.microsoft.com/office/powerpoint/2010/main" val="14446570"/>
+        <p14:creationId xmlns:p14="http://schemas.microsoft.com/office/powerpoint/2010/main" xmlns="" val="14446570"/>
       </p:ext>
     </p:extLst>
   </p:cSld>
@@ -3593,13 +3604,13 @@
     <p:sldLayoutId id="2147483688" r:id="rId10"/>
     <p:sldLayoutId id="2147483689" r:id="rId11"/>
   </p:sldLayoutIdLst>
-  <mc:AlternateContent xmlns:mc="http://schemas.openxmlformats.org/markup-compatibility/2006" xmlns:p14="http://schemas.microsoft.com/office/powerpoint/2010/main">
-    <mc:Choice Requires="p14">
+  <mc:AlternateContent xmlns:mc="http://schemas.openxmlformats.org/markup-compatibility/2006">
+    <mc:Choice xmlns:p14="http://schemas.microsoft.com/office/powerpoint/2010/main" xmlns="" Requires="p14">
       <p:transition spd="slow" p14:dur="1500">
         <p14:reveal/>
       </p:transition>
     </mc:Choice>
-    <mc:Fallback xmlns="">
+    <mc:Fallback>
       <p:transition spd="slow">
         <p:fade/>
       </p:transition>
@@ -4002,7 +4013,7 @@
           <a:blip r:embed="rId2">
             <a:extLst>
               <a:ext uri="{28A0092B-C50C-407E-A947-70E740481C1C}">
-                <a14:useLocalDpi xmlns:a14="http://schemas.microsoft.com/office/drawing/2010/main" val="0"/>
+                <a14:useLocalDpi xmlns:a14="http://schemas.microsoft.com/office/drawing/2010/main" xmlns="" val="0"/>
               </a:ext>
             </a:extLst>
           </a:blip>
@@ -4159,20 +4170,20 @@
     </p:spTree>
     <p:extLst>
       <p:ext uri="{BB962C8B-B14F-4D97-AF65-F5344CB8AC3E}">
-        <p14:creationId xmlns:p14="http://schemas.microsoft.com/office/powerpoint/2010/main" val="3017351019"/>
+        <p14:creationId xmlns:p14="http://schemas.microsoft.com/office/powerpoint/2010/main" xmlns="" val="3017351019"/>
       </p:ext>
     </p:extLst>
   </p:cSld>
   <p:clrMapOvr>
     <a:masterClrMapping/>
   </p:clrMapOvr>
-  <mc:AlternateContent xmlns:mc="http://schemas.openxmlformats.org/markup-compatibility/2006" xmlns:p14="http://schemas.microsoft.com/office/powerpoint/2010/main">
-    <mc:Choice Requires="p14">
+  <mc:AlternateContent xmlns:mc="http://schemas.openxmlformats.org/markup-compatibility/2006">
+    <mc:Choice xmlns:p14="http://schemas.microsoft.com/office/powerpoint/2010/main" xmlns="" Requires="p14">
       <p:transition spd="slow" p14:dur="1500">
         <p14:reveal/>
       </p:transition>
     </mc:Choice>
-    <mc:Fallback xmlns="">
+    <mc:Fallback>
       <p:transition spd="slow">
         <p:fade/>
       </p:transition>
@@ -4246,13 +4257,13 @@
         </p:nvSpPr>
         <p:spPr>
           <a:xfrm>
-            <a:off x="826824" y="1961643"/>
-            <a:ext cx="10058400" cy="4023360"/>
+            <a:off x="734095" y="1935887"/>
+            <a:ext cx="10035219" cy="4490672"/>
           </a:xfrm>
         </p:spPr>
         <p:txBody>
           <a:bodyPr>
-            <a:normAutofit fontScale="92500" lnSpcReduction="10000"/>
+            <a:normAutofit/>
           </a:bodyPr>
           <a:lstStyle/>
           <a:p>
@@ -4263,9 +4274,6 @@
               <a:spcAft>
                 <a:spcPts val="200"/>
               </a:spcAft>
-              <a:buClr>
-                <a:srgbClr val="E48312"/>
-              </a:buClr>
               <a:buSzPct val="100000"/>
               <a:buFont typeface="Calibri" panose="020F0502020204030204" pitchFamily="34" charset="0"/>
               <a:buChar char=" "/>
@@ -4276,7 +4284,7 @@
                   <a:srgbClr val="FFC000"/>
                 </a:solidFill>
               </a:rPr>
-              <a:t>Cahier des </a:t>
+              <a:t>L</a:t>
             </a:r>
             <a:r>
               <a:rPr lang="fr-FR" sz="3200" dirty="0" smtClean="0">
@@ -4284,240 +4292,90 @@
                   <a:srgbClr val="FFC000"/>
                 </a:solidFill>
               </a:rPr>
-              <a:t>charges</a:t>
-            </a:r>
-          </a:p>
-          <a:p>
-            <a:pPr marL="0" lvl="3" indent="0">
+              <a:t>es cas d’utilisations </a:t>
+            </a:r>
+            <a:r>
+              <a:rPr lang="fr-FR" sz="3200" dirty="0" smtClean="0">
+                <a:solidFill>
+                  <a:srgbClr val="FFC000"/>
+                </a:solidFill>
+              </a:rPr>
+              <a:t>:</a:t>
+            </a:r>
+          </a:p>
+          <a:p>
+            <a:pPr marL="91440" lvl="3" indent="-91440">
               <a:spcBef>
                 <a:spcPts val="1200"/>
               </a:spcBef>
               <a:spcAft>
                 <a:spcPts val="200"/>
               </a:spcAft>
-              <a:buClr>
-                <a:srgbClr val="E48312"/>
-              </a:buClr>
               <a:buSzPct val="100000"/>
-              <a:buNone/>
+              <a:buFont typeface="Calibri" panose="020F0502020204030204" pitchFamily="34" charset="0"/>
+              <a:buChar char=" "/>
             </a:pPr>
-            <a:endParaRPr lang="fr-FR" sz="800" dirty="0" smtClean="0">
+            <a:endParaRPr lang="fr-FR" sz="3200" dirty="0" smtClean="0">
               <a:solidFill>
                 <a:srgbClr val="FFC000"/>
               </a:solidFill>
             </a:endParaRPr>
           </a:p>
           <a:p>
-            <a:pPr marL="0" lvl="3" indent="0">
+            <a:pPr marL="91440" lvl="3" indent="-91440">
               <a:spcBef>
                 <a:spcPts val="1200"/>
               </a:spcBef>
               <a:spcAft>
                 <a:spcPts val="200"/>
               </a:spcAft>
-              <a:buClr>
-                <a:srgbClr val="E48312"/>
-              </a:buClr>
               <a:buSzPct val="100000"/>
-              <a:buNone/>
+              <a:buFont typeface="Calibri" panose="020F0502020204030204" pitchFamily="34" charset="0"/>
+              <a:buChar char=" "/>
             </a:pPr>
-            <a:r>
-              <a:rPr lang="fr-FR" sz="2400" dirty="0" smtClean="0">
-                <a:solidFill>
-                  <a:srgbClr val="FF0000"/>
-                </a:solidFill>
-              </a:rPr>
-              <a:t>Mini-Calculatrice : </a:t>
-            </a:r>
-            <a:endParaRPr lang="fr-FR" sz="2400" dirty="0">
+            <a:endParaRPr lang="fr-FR" sz="800" dirty="0">
               <a:solidFill>
-                <a:srgbClr val="FF0000"/>
+                <a:srgbClr val="FFC000"/>
               </a:solidFill>
             </a:endParaRPr>
           </a:p>
           <a:p>
-            <a:pPr marL="0" lvl="3" indent="0">
+            <a:pPr marL="91440" lvl="3" indent="-91440" algn="ctr">
               <a:spcBef>
                 <a:spcPts val="1200"/>
               </a:spcBef>
               <a:spcAft>
                 <a:spcPts val="200"/>
               </a:spcAft>
-              <a:buClr>
-                <a:srgbClr val="E48312"/>
-              </a:buClr>
               <a:buSzPct val="100000"/>
-              <a:buNone/>
+              <a:buFont typeface="Calibri" panose="020F0502020204030204" pitchFamily="34" charset="0"/>
+              <a:buChar char=" "/>
             </a:pPr>
-            <a:endParaRPr lang="fr-FR" sz="1200" dirty="0">
+            <a:r>
+              <a:rPr lang="fr-FR" sz="2800" dirty="0" smtClean="0">
+                <a:solidFill>
+                  <a:schemeClr val="tx1"/>
+                </a:solidFill>
+              </a:rPr>
+              <a:t>Présentation succincte</a:t>
+            </a:r>
+            <a:endParaRPr lang="fr-FR" sz="2800" dirty="0">
               <a:solidFill>
-                <a:srgbClr val="FFC000"/>
+                <a:schemeClr val="tx1"/>
               </a:solidFill>
             </a:endParaRPr>
           </a:p>
           <a:p>
-            <a:pPr marL="0" lvl="3" indent="0">
+            <a:pPr marL="91440" lvl="3" indent="-91440">
               <a:spcBef>
                 <a:spcPts val="1200"/>
               </a:spcBef>
               <a:spcAft>
                 <a:spcPts val="200"/>
               </a:spcAft>
-              <a:buClr>
-                <a:srgbClr val="E48312"/>
-              </a:buClr>
               <a:buSzPct val="100000"/>
-              <a:buNone/>
-            </a:pPr>
-            <a:r>
-              <a:rPr lang="fr-FR" sz="2400" dirty="0" smtClean="0">
-                <a:solidFill>
-                  <a:schemeClr val="tx1"/>
-                </a:solidFill>
-                <a:sym typeface="Wingdings" panose="05000000000000000000" pitchFamily="2" charset="2"/>
-              </a:rPr>
-              <a:t> </a:t>
-            </a:r>
-            <a:r>
-              <a:rPr lang="fr-FR" sz="2400" dirty="0" smtClean="0">
-                <a:solidFill>
-                  <a:schemeClr val="tx1"/>
-                </a:solidFill>
-              </a:rPr>
-              <a:t>Interface graphique </a:t>
-            </a:r>
-          </a:p>
-          <a:p>
-            <a:pPr marL="0" lvl="3" indent="0">
-              <a:spcBef>
-                <a:spcPts val="1200"/>
-              </a:spcBef>
-              <a:spcAft>
-                <a:spcPts val="200"/>
-              </a:spcAft>
-              <a:buClr>
-                <a:srgbClr val="E48312"/>
-              </a:buClr>
-              <a:buSzPct val="100000"/>
-              <a:buNone/>
-            </a:pPr>
-            <a:r>
-              <a:rPr lang="fr-FR" sz="2400" dirty="0" smtClean="0">
-                <a:solidFill>
-                  <a:schemeClr val="tx1"/>
-                </a:solidFill>
-                <a:sym typeface="Wingdings" panose="05000000000000000000" pitchFamily="2" charset="2"/>
-              </a:rPr>
-              <a:t> </a:t>
-            </a:r>
-            <a:r>
-              <a:rPr lang="fr-FR" sz="2400" dirty="0" smtClean="0">
-                <a:solidFill>
-                  <a:schemeClr val="tx1"/>
-                </a:solidFill>
-              </a:rPr>
-              <a:t>Calculs simples</a:t>
-            </a:r>
-          </a:p>
-          <a:p>
-            <a:pPr marL="0" lvl="3" indent="0">
-              <a:spcBef>
-                <a:spcPts val="1200"/>
-              </a:spcBef>
-              <a:spcAft>
-                <a:spcPts val="200"/>
-              </a:spcAft>
-              <a:buClr>
-                <a:srgbClr val="E48312"/>
-              </a:buClr>
-              <a:buSzPct val="100000"/>
-              <a:buNone/>
-            </a:pPr>
-            <a:r>
-              <a:rPr lang="fr-FR" sz="2400" dirty="0" smtClean="0">
-                <a:solidFill>
-                  <a:schemeClr val="tx1"/>
-                </a:solidFill>
-                <a:sym typeface="Wingdings" panose="05000000000000000000" pitchFamily="2" charset="2"/>
-              </a:rPr>
-              <a:t> Calculs avec parenthèses</a:t>
-            </a:r>
-          </a:p>
-          <a:p>
-            <a:pPr marL="0" lvl="3" indent="0">
-              <a:spcBef>
-                <a:spcPts val="1200"/>
-              </a:spcBef>
-              <a:spcAft>
-                <a:spcPts val="200"/>
-              </a:spcAft>
-              <a:buClr>
-                <a:srgbClr val="E48312"/>
-              </a:buClr>
-              <a:buSzPct val="100000"/>
-              <a:buNone/>
-            </a:pPr>
-            <a:r>
-              <a:rPr lang="fr-FR" sz="2400" dirty="0" smtClean="0">
-                <a:solidFill>
-                  <a:schemeClr val="tx1"/>
-                </a:solidFill>
-                <a:sym typeface="Wingdings" panose="05000000000000000000" pitchFamily="2" charset="2"/>
-              </a:rPr>
-              <a:t> Calculs utilisant la mémoire</a:t>
-            </a:r>
-          </a:p>
-          <a:p>
-            <a:pPr marL="0" lvl="3" indent="0">
-              <a:spcBef>
-                <a:spcPts val="1200"/>
-              </a:spcBef>
-              <a:spcAft>
-                <a:spcPts val="200"/>
-              </a:spcAft>
-              <a:buClr>
-                <a:srgbClr val="E48312"/>
-              </a:buClr>
-              <a:buSzPct val="100000"/>
-              <a:buNone/>
-            </a:pPr>
-            <a:r>
-              <a:rPr lang="fr-FR" sz="2400" dirty="0" smtClean="0">
-                <a:solidFill>
-                  <a:schemeClr val="tx1"/>
-                </a:solidFill>
-                <a:sym typeface="Wingdings" panose="05000000000000000000" pitchFamily="2" charset="2"/>
-              </a:rPr>
-              <a:t> Erreurs dans les calculs </a:t>
-            </a:r>
-            <a:br>
-              <a:rPr lang="fr-FR" sz="2400" dirty="0" smtClean="0">
-                <a:solidFill>
-                  <a:schemeClr val="tx1"/>
-                </a:solidFill>
-                <a:sym typeface="Wingdings" panose="05000000000000000000" pitchFamily="2" charset="2"/>
-              </a:rPr>
-            </a:br>
-            <a:endParaRPr lang="fr-FR" sz="2400" dirty="0" smtClean="0">
-              <a:solidFill>
-                <a:schemeClr val="tx1"/>
-              </a:solidFill>
-            </a:endParaRPr>
-          </a:p>
-          <a:p>
-            <a:pPr marL="342900" lvl="3" indent="-342900">
-              <a:spcBef>
-                <a:spcPts val="1200"/>
-              </a:spcBef>
-              <a:spcAft>
-                <a:spcPts val="200"/>
-              </a:spcAft>
-              <a:buClr>
-                <a:srgbClr val="E48312"/>
-              </a:buClr>
-              <a:buSzPct val="100000"/>
-              <a:buFont typeface="Wingdings" panose="05000000000000000000" pitchFamily="2" charset="2"/>
-              <a:buChar char="à"/>
+              <a:buFont typeface="Calibri" panose="020F0502020204030204" pitchFamily="34" charset="0"/>
+              <a:buChar char=" "/>
             </a:pPr>
             <a:endParaRPr lang="fr-FR" sz="2400" dirty="0">
               <a:solidFill>
@@ -4533,20 +4391,20 @@
     </p:spTree>
     <p:extLst>
       <p:ext uri="{BB962C8B-B14F-4D97-AF65-F5344CB8AC3E}">
-        <p14:creationId xmlns:p14="http://schemas.microsoft.com/office/powerpoint/2010/main" val="1688175724"/>
+        <p14:creationId xmlns:p14="http://schemas.microsoft.com/office/powerpoint/2010/main" xmlns="" val="2858447794"/>
       </p:ext>
     </p:extLst>
   </p:cSld>
   <p:clrMapOvr>
     <a:masterClrMapping/>
   </p:clrMapOvr>
-  <mc:AlternateContent xmlns:mc="http://schemas.openxmlformats.org/markup-compatibility/2006" xmlns:p14="http://schemas.microsoft.com/office/powerpoint/2010/main">
-    <mc:Choice Requires="p14">
+  <mc:AlternateContent xmlns:mc="http://schemas.openxmlformats.org/markup-compatibility/2006">
+    <mc:Choice xmlns:p14="http://schemas.microsoft.com/office/powerpoint/2010/main" xmlns="" Requires="p14">
       <p:transition spd="slow" p14:dur="1500">
         <p14:reveal/>
       </p:transition>
     </mc:Choice>
-    <mc:Fallback xmlns="">
+    <mc:Fallback>
       <p:transition spd="slow">
         <p:fade/>
       </p:transition>
@@ -4595,14 +4453,14 @@
           <a:lstStyle/>
           <a:p>
             <a:r>
-              <a:rPr lang="fr-FR" dirty="0">
+              <a:rPr lang="fr-FR" dirty="0" smtClean="0">
                 <a:solidFill>
                   <a:srgbClr val="BD582C">
                     <a:lumMod val="75000"/>
                   </a:srgbClr>
                 </a:solidFill>
               </a:rPr>
-              <a:t>B. Spécifications</a:t>
+              <a:t>C. Conception</a:t>
             </a:r>
             <a:endParaRPr lang="fr-FR" dirty="0"/>
           </a:p>
@@ -4625,296 +4483,128 @@
           </a:bodyPr>
           <a:lstStyle/>
           <a:p>
-            <a:pPr marL="91440" lvl="3" indent="-91440">
-              <a:spcBef>
-                <a:spcPts val="1200"/>
-              </a:spcBef>
-              <a:spcAft>
-                <a:spcPts val="200"/>
-              </a:spcAft>
-              <a:buClr>
-                <a:srgbClr val="E48312"/>
-              </a:buClr>
-              <a:buSzPct val="100000"/>
-              <a:buFont typeface="Calibri" panose="020F0502020204030204" pitchFamily="34" charset="0"/>
-              <a:buChar char=" "/>
+            <a:r>
+              <a:rPr lang="fr-FR" sz="2800" dirty="0" smtClean="0">
+                <a:solidFill>
+                  <a:srgbClr val="F3A129"/>
+                </a:solidFill>
+              </a:rPr>
+              <a:t>Diagramme de classes : </a:t>
+            </a:r>
+          </a:p>
+          <a:p>
+            <a:pPr lvl="5">
+              <a:buFont typeface="Arial" panose="020B0604020202020204" pitchFamily="34" charset="0"/>
+              <a:buChar char="•"/>
             </a:pPr>
             <a:r>
-              <a:rPr lang="fr-FR" sz="3200" dirty="0">
-                <a:solidFill>
-                  <a:srgbClr val="FFC000"/>
-                </a:solidFill>
-              </a:rPr>
-              <a:t>Cahier des </a:t>
-            </a:r>
-            <a:r>
-              <a:rPr lang="fr-FR" sz="3200" dirty="0" smtClean="0">
-                <a:solidFill>
-                  <a:srgbClr val="FFC000"/>
-                </a:solidFill>
-              </a:rPr>
-              <a:t>charges</a:t>
-            </a:r>
-          </a:p>
-          <a:p>
-            <a:pPr marL="91440" lvl="3" indent="-91440">
-              <a:spcBef>
-                <a:spcPts val="1200"/>
-              </a:spcBef>
-              <a:spcAft>
-                <a:spcPts val="200"/>
-              </a:spcAft>
-              <a:buClr>
-                <a:srgbClr val="E48312"/>
-              </a:buClr>
-              <a:buSzPct val="100000"/>
-              <a:buFont typeface="Calibri" panose="020F0502020204030204" pitchFamily="34" charset="0"/>
-              <a:buChar char=" "/>
+              <a:rPr lang="fr-FR" sz="2200" dirty="0" smtClean="0">
+                <a:solidFill>
+                  <a:schemeClr val="tx1"/>
+                </a:solidFill>
+              </a:rPr>
+              <a:t>Division en deux projets distincts :  Mini-Calculatrice et Mini-Tableur</a:t>
+            </a:r>
+          </a:p>
+          <a:p>
+            <a:pPr lvl="5">
+              <a:buFont typeface="Arial" panose="020B0604020202020204" pitchFamily="34" charset="0"/>
+              <a:buChar char="•"/>
             </a:pPr>
-            <a:endParaRPr lang="fr-FR" dirty="0">
-              <a:solidFill>
-                <a:srgbClr val="FFC000"/>
-              </a:solidFill>
-            </a:endParaRPr>
-          </a:p>
-          <a:p>
-            <a:pPr marL="91440" lvl="3" indent="-91440">
-              <a:spcBef>
-                <a:spcPts val="1200"/>
-              </a:spcBef>
-              <a:spcAft>
-                <a:spcPts val="200"/>
-              </a:spcAft>
-              <a:buClr>
-                <a:srgbClr val="E48312"/>
-              </a:buClr>
-              <a:buSzPct val="100000"/>
-              <a:buFont typeface="Calibri" panose="020F0502020204030204" pitchFamily="34" charset="0"/>
-              <a:buChar char=" "/>
-            </a:pPr>
-            <a:r>
-              <a:rPr lang="fr-FR" sz="2400" dirty="0" smtClean="0">
-                <a:solidFill>
-                  <a:srgbClr val="FF0000"/>
-                </a:solidFill>
-              </a:rPr>
-              <a:t>Mini-Calculatrice</a:t>
-            </a:r>
-            <a:r>
-              <a:rPr lang="fr-FR" sz="3200" dirty="0" smtClean="0">
-                <a:solidFill>
-                  <a:srgbClr val="FF0000"/>
-                </a:solidFill>
-              </a:rPr>
-              <a:t>: </a:t>
-            </a:r>
-          </a:p>
-          <a:p>
-            <a:pPr marL="91440" lvl="3" indent="-91440">
-              <a:spcBef>
-                <a:spcPts val="1200"/>
-              </a:spcBef>
-              <a:spcAft>
-                <a:spcPts val="200"/>
-              </a:spcAft>
-              <a:buClr>
-                <a:srgbClr val="E48312"/>
-              </a:buClr>
-              <a:buSzPct val="100000"/>
-              <a:buFont typeface="Calibri" panose="020F0502020204030204" pitchFamily="34" charset="0"/>
-              <a:buChar char=" "/>
-            </a:pPr>
-            <a:endParaRPr lang="fr-FR" sz="2000" dirty="0">
-              <a:solidFill>
-                <a:srgbClr val="FF0000"/>
-              </a:solidFill>
-            </a:endParaRPr>
-          </a:p>
-          <a:p>
-            <a:pPr marL="91440" lvl="3" indent="-91440">
-              <a:spcBef>
-                <a:spcPts val="1200"/>
-              </a:spcBef>
-              <a:spcAft>
-                <a:spcPts val="200"/>
-              </a:spcAft>
-              <a:buClr>
-                <a:srgbClr val="E48312"/>
-              </a:buClr>
-              <a:buSzPct val="100000"/>
-              <a:buFont typeface="Calibri" panose="020F0502020204030204" pitchFamily="34" charset="0"/>
-              <a:buChar char=" "/>
-            </a:pPr>
-            <a:r>
-              <a:rPr lang="fr-FR" sz="2000" dirty="0" smtClean="0">
-                <a:solidFill>
-                  <a:schemeClr val="tx1"/>
-                </a:solidFill>
-                <a:sym typeface="Wingdings" panose="05000000000000000000" pitchFamily="2" charset="2"/>
-              </a:rPr>
-              <a:t> </a:t>
-            </a:r>
-            <a:r>
-              <a:rPr lang="fr-FR" sz="2000" dirty="0" smtClean="0">
-                <a:solidFill>
-                  <a:schemeClr val="tx1"/>
-                </a:solidFill>
-              </a:rPr>
-              <a:t>Mode mémoire</a:t>
-            </a:r>
-          </a:p>
-          <a:p>
-            <a:pPr marL="91440" lvl="3" indent="-91440">
-              <a:spcBef>
-                <a:spcPts val="1200"/>
-              </a:spcBef>
-              <a:spcAft>
-                <a:spcPts val="200"/>
-              </a:spcAft>
-              <a:buClr>
-                <a:srgbClr val="E48312"/>
-              </a:buClr>
-              <a:buSzPct val="100000"/>
-              <a:buFont typeface="Calibri" panose="020F0502020204030204" pitchFamily="34" charset="0"/>
-              <a:buChar char=" "/>
-            </a:pPr>
-            <a:endParaRPr lang="fr-FR" sz="300" dirty="0" smtClean="0">
+            <a:endParaRPr lang="fr-FR" sz="2200" dirty="0" smtClean="0">
               <a:solidFill>
                 <a:schemeClr val="tx1"/>
               </a:solidFill>
             </a:endParaRPr>
           </a:p>
           <a:p>
-            <a:pPr marL="91440" lvl="3" indent="-91440">
-              <a:spcBef>
-                <a:spcPts val="1200"/>
-              </a:spcBef>
-              <a:spcAft>
-                <a:spcPts val="200"/>
-              </a:spcAft>
-              <a:buClr>
-                <a:srgbClr val="E48312"/>
-              </a:buClr>
-              <a:buSzPct val="100000"/>
-              <a:buFont typeface="Calibri" panose="020F0502020204030204" pitchFamily="34" charset="0"/>
-              <a:buChar char=" "/>
+            <a:pPr lvl="5">
+              <a:buFont typeface="Arial" panose="020B0604020202020204" pitchFamily="34" charset="0"/>
+              <a:buChar char="•"/>
             </a:pPr>
             <a:r>
-              <a:rPr lang="fr-FR" sz="2000" dirty="0">
+              <a:rPr lang="fr-FR" sz="2200" dirty="0" smtClean="0">
                 <a:solidFill>
                   <a:schemeClr val="tx1"/>
                 </a:solidFill>
               </a:rPr>
-              <a:t> </a:t>
-            </a:r>
-            <a:r>
-              <a:rPr lang="fr-FR" sz="2000" dirty="0" smtClean="0">
-                <a:solidFill>
-                  <a:schemeClr val="tx1"/>
-                </a:solidFill>
-              </a:rPr>
-              <a:t>  </a:t>
-            </a:r>
-            <a:r>
-              <a:rPr lang="fr-FR" sz="2000" dirty="0" smtClean="0">
-                <a:solidFill>
-                  <a:schemeClr val="tx1"/>
-                </a:solidFill>
-                <a:sym typeface="Wingdings" panose="05000000000000000000" pitchFamily="2" charset="2"/>
-              </a:rPr>
-              <a:t> Erreurs</a:t>
-            </a:r>
-          </a:p>
-          <a:p>
-            <a:pPr marL="91440" lvl="3" indent="-91440">
-              <a:spcBef>
-                <a:spcPts val="1200"/>
-              </a:spcBef>
-              <a:spcAft>
-                <a:spcPts val="200"/>
-              </a:spcAft>
-              <a:buClr>
-                <a:srgbClr val="E48312"/>
-              </a:buClr>
-              <a:buSzPct val="100000"/>
-              <a:buFont typeface="Calibri" panose="020F0502020204030204" pitchFamily="34" charset="0"/>
-              <a:buChar char=" "/>
+              <a:t>Division en différents packages </a:t>
+            </a:r>
+          </a:p>
+          <a:p>
+            <a:pPr lvl="5">
+              <a:buFont typeface="Arial" panose="020B0604020202020204" pitchFamily="34" charset="0"/>
+              <a:buChar char="•"/>
             </a:pPr>
-            <a:r>
-              <a:rPr lang="fr-FR" sz="2000" dirty="0" smtClean="0">
-                <a:solidFill>
-                  <a:schemeClr val="tx1"/>
-                </a:solidFill>
-                <a:sym typeface="Wingdings" panose="05000000000000000000" pitchFamily="2" charset="2"/>
-              </a:rPr>
-              <a:t/>
-            </a:r>
-            <a:br>
-              <a:rPr lang="fr-FR" sz="2000" dirty="0" smtClean="0">
-                <a:solidFill>
-                  <a:schemeClr val="tx1"/>
-                </a:solidFill>
-                <a:sym typeface="Wingdings" panose="05000000000000000000" pitchFamily="2" charset="2"/>
-              </a:rPr>
-            </a:br>
-            <a:r>
-              <a:rPr lang="fr-FR" sz="2000" dirty="0" smtClean="0">
-                <a:solidFill>
-                  <a:schemeClr val="tx1"/>
-                </a:solidFill>
-                <a:sym typeface="Wingdings" panose="05000000000000000000" pitchFamily="2" charset="2"/>
-              </a:rPr>
-              <a:t>    Menu</a:t>
-            </a:r>
-            <a:endParaRPr lang="fr-FR" sz="2000" dirty="0">
+            <a:endParaRPr lang="fr-FR" sz="2200" dirty="0" smtClean="0">
               <a:solidFill>
                 <a:schemeClr val="tx1"/>
               </a:solidFill>
             </a:endParaRPr>
           </a:p>
           <a:p>
-            <a:pPr marL="91440" lvl="3" indent="-91440">
-              <a:spcBef>
-                <a:spcPts val="1200"/>
-              </a:spcBef>
-              <a:spcAft>
-                <a:spcPts val="200"/>
-              </a:spcAft>
-              <a:buClr>
-                <a:srgbClr val="E48312"/>
-              </a:buClr>
-              <a:buSzPct val="100000"/>
-              <a:buFont typeface="Calibri" panose="020F0502020204030204" pitchFamily="34" charset="0"/>
-              <a:buChar char=" "/>
+            <a:pPr lvl="5">
+              <a:buFont typeface="Arial" panose="020B0604020202020204" pitchFamily="34" charset="0"/>
+              <a:buChar char="•"/>
             </a:pPr>
-            <a:endParaRPr lang="fr-FR" sz="3200" dirty="0">
+            <a:r>
+              <a:rPr lang="fr-FR" sz="2200" dirty="0" smtClean="0">
+                <a:solidFill>
+                  <a:schemeClr val="tx1"/>
+                </a:solidFill>
+              </a:rPr>
+              <a:t>Utilisation de classes abstraites</a:t>
+            </a:r>
+          </a:p>
+          <a:p>
+            <a:pPr lvl="5">
+              <a:buFont typeface="Arial" panose="020B0604020202020204" pitchFamily="34" charset="0"/>
+              <a:buChar char="•"/>
+            </a:pPr>
+            <a:endParaRPr lang="fr-FR" sz="2200" dirty="0" smtClean="0">
               <a:solidFill>
-                <a:srgbClr val="FFC000"/>
+                <a:schemeClr val="tx1"/>
               </a:solidFill>
             </a:endParaRPr>
           </a:p>
           <a:p>
-            <a:endParaRPr lang="fr-FR" dirty="0"/>
+            <a:pPr lvl="5">
+              <a:buFont typeface="Arial" panose="020B0604020202020204" pitchFamily="34" charset="0"/>
+              <a:buChar char="•"/>
+            </a:pPr>
+            <a:r>
+              <a:rPr lang="fr-FR" sz="2200" dirty="0" smtClean="0">
+                <a:solidFill>
+                  <a:schemeClr val="tx1"/>
+                </a:solidFill>
+              </a:rPr>
+              <a:t>Utilisation des liaisons telles que : l’association, la généralisation, la dépendance</a:t>
+            </a:r>
+            <a:endParaRPr lang="fr-FR" sz="2200" dirty="0">
+              <a:solidFill>
+                <a:schemeClr val="tx1"/>
+              </a:solidFill>
+            </a:endParaRPr>
           </a:p>
         </p:txBody>
       </p:sp>
     </p:spTree>
     <p:extLst>
       <p:ext uri="{BB962C8B-B14F-4D97-AF65-F5344CB8AC3E}">
-        <p14:creationId xmlns:p14="http://schemas.microsoft.com/office/powerpoint/2010/main" val="3176084118"/>
+        <p14:creationId xmlns:p14="http://schemas.microsoft.com/office/powerpoint/2010/main" xmlns="" val="163174151"/>
       </p:ext>
     </p:extLst>
   </p:cSld>
   <p:clrMapOvr>
     <a:masterClrMapping/>
   </p:clrMapOvr>
-  <mc:AlternateContent xmlns:mc="http://schemas.openxmlformats.org/markup-compatibility/2006" xmlns:p14="http://schemas.microsoft.com/office/powerpoint/2010/main">
-    <mc:Choice Requires="p14">
+  <mc:AlternateContent xmlns:mc="http://schemas.openxmlformats.org/markup-compatibility/2006">
+    <mc:Choice xmlns:p14="http://schemas.microsoft.com/office/powerpoint/2010/main" xmlns="" Requires="p14">
       <p:transition spd="slow" p14:dur="1500">
         <p14:reveal/>
       </p:transition>
     </mc:Choice>
-    <mc:Fallback xmlns="">
+    <mc:Fallback>
       <p:transition spd="slow">
         <p:fade/>
       </p:transition>
@@ -4963,14 +4653,14 @@
           <a:lstStyle/>
           <a:p>
             <a:r>
-              <a:rPr lang="fr-FR" dirty="0">
+              <a:rPr lang="fr-FR" dirty="0" smtClean="0">
                 <a:solidFill>
                   <a:srgbClr val="BD582C">
                     <a:lumMod val="75000"/>
                   </a:srgbClr>
                 </a:solidFill>
               </a:rPr>
-              <a:t>B. Spécifications</a:t>
+              <a:t>D. Codage</a:t>
             </a:r>
             <a:endParaRPr lang="fr-FR" dirty="0"/>
           </a:p>
@@ -4990,6 +4680,9 @@
         <p:txBody>
           <a:bodyPr/>
           <a:lstStyle/>
+          <a:p>
+            <a:endParaRPr lang="fr-FR" dirty="0" smtClean="0"/>
+          </a:p>
           <a:p>
             <a:pPr marL="91440" lvl="3" indent="-91440">
               <a:spcBef>
@@ -5003,159 +4696,20 @@
               <a:buChar char=" "/>
             </a:pPr>
             <a:r>
-              <a:rPr lang="fr-FR" sz="3200" dirty="0">
+              <a:rPr lang="fr-FR" sz="3200" dirty="0" smtClean="0">
                 <a:solidFill>
                   <a:srgbClr val="FFC000"/>
                 </a:solidFill>
               </a:rPr>
-              <a:t>Cahier des </a:t>
-            </a:r>
-            <a:r>
-              <a:rPr lang="fr-FR" sz="3200" dirty="0" smtClean="0">
-                <a:solidFill>
-                  <a:srgbClr val="FFC000"/>
-                </a:solidFill>
-              </a:rPr>
-              <a:t>charges</a:t>
-            </a:r>
-          </a:p>
-          <a:p>
-            <a:pPr marL="91440" lvl="3" indent="-91440">
-              <a:spcBef>
-                <a:spcPts val="1200"/>
-              </a:spcBef>
-              <a:spcAft>
-                <a:spcPts val="200"/>
-              </a:spcAft>
-              <a:buSzPct val="100000"/>
-              <a:buFont typeface="Calibri" panose="020F0502020204030204" pitchFamily="34" charset="0"/>
-              <a:buChar char=" "/>
-            </a:pPr>
-            <a:endParaRPr lang="fr-FR" sz="900" dirty="0">
+              <a:t>Fonctionnement de l’application</a:t>
+            </a:r>
+            <a:endParaRPr lang="fr-FR" sz="3200" dirty="0">
               <a:solidFill>
                 <a:srgbClr val="FFC000"/>
               </a:solidFill>
             </a:endParaRPr>
           </a:p>
           <a:p>
-            <a:pPr marL="91440" lvl="3" indent="-91440">
-              <a:spcBef>
-                <a:spcPts val="1200"/>
-              </a:spcBef>
-              <a:spcAft>
-                <a:spcPts val="200"/>
-              </a:spcAft>
-              <a:buSzPct val="100000"/>
-              <a:buFont typeface="Calibri" panose="020F0502020204030204" pitchFamily="34" charset="0"/>
-              <a:buChar char=" "/>
-            </a:pPr>
-            <a:r>
-              <a:rPr lang="fr-FR" sz="2400" dirty="0" smtClean="0">
-                <a:solidFill>
-                  <a:srgbClr val="FF0000"/>
-                </a:solidFill>
-              </a:rPr>
-              <a:t>Mini-Tableur </a:t>
-            </a:r>
-            <a:r>
-              <a:rPr lang="fr-FR" sz="3200" dirty="0" smtClean="0">
-                <a:solidFill>
-                  <a:srgbClr val="FF0000"/>
-                </a:solidFill>
-              </a:rPr>
-              <a:t>: </a:t>
-            </a:r>
-          </a:p>
-          <a:p>
-            <a:pPr marL="91440" lvl="3" indent="-91440">
-              <a:spcBef>
-                <a:spcPts val="1200"/>
-              </a:spcBef>
-              <a:spcAft>
-                <a:spcPts val="200"/>
-              </a:spcAft>
-              <a:buSzPct val="100000"/>
-              <a:buFont typeface="Calibri" panose="020F0502020204030204" pitchFamily="34" charset="0"/>
-              <a:buChar char=" "/>
-            </a:pPr>
-            <a:endParaRPr lang="fr-FR" sz="1000" dirty="0">
-              <a:solidFill>
-                <a:srgbClr val="FF0000"/>
-              </a:solidFill>
-            </a:endParaRPr>
-          </a:p>
-          <a:p>
-            <a:pPr marL="91440" lvl="3" indent="-91440">
-              <a:spcBef>
-                <a:spcPts val="1200"/>
-              </a:spcBef>
-              <a:spcAft>
-                <a:spcPts val="200"/>
-              </a:spcAft>
-              <a:buSzPct val="100000"/>
-              <a:buFont typeface="Calibri" panose="020F0502020204030204" pitchFamily="34" charset="0"/>
-              <a:buChar char=" "/>
-            </a:pPr>
-            <a:r>
-              <a:rPr lang="fr-FR" sz="2000" dirty="0" smtClean="0">
-                <a:solidFill>
-                  <a:schemeClr val="tx1"/>
-                </a:solidFill>
-                <a:sym typeface="Wingdings" panose="05000000000000000000" pitchFamily="2" charset="2"/>
-              </a:rPr>
-              <a:t> </a:t>
-            </a:r>
-            <a:r>
-              <a:rPr lang="fr-FR" sz="2000" dirty="0" smtClean="0">
-                <a:solidFill>
-                  <a:schemeClr val="tx1"/>
-                </a:solidFill>
-              </a:rPr>
-              <a:t>Interface graphique </a:t>
-            </a:r>
-          </a:p>
-          <a:p>
-            <a:r>
-              <a:rPr lang="fr-FR" dirty="0" smtClean="0">
-                <a:solidFill>
-                  <a:schemeClr val="tx1"/>
-                </a:solidFill>
-                <a:sym typeface="Wingdings" panose="05000000000000000000" pitchFamily="2" charset="2"/>
-              </a:rPr>
-              <a:t> </a:t>
-            </a:r>
-            <a:r>
-              <a:rPr lang="fr-FR" dirty="0"/>
-              <a:t>Les types d’entrées possibles</a:t>
-            </a:r>
-            <a:endParaRPr lang="fr-FR" dirty="0" smtClean="0">
-              <a:solidFill>
-                <a:schemeClr val="tx1"/>
-              </a:solidFill>
-              <a:sym typeface="Wingdings" panose="05000000000000000000" pitchFamily="2" charset="2"/>
-            </a:endParaRPr>
-          </a:p>
-          <a:p>
-            <a:r>
-              <a:rPr lang="fr-FR" dirty="0" smtClean="0">
-                <a:solidFill>
-                  <a:schemeClr val="tx1"/>
-                </a:solidFill>
-                <a:sym typeface="Wingdings" panose="05000000000000000000" pitchFamily="2" charset="2"/>
-              </a:rPr>
-              <a:t> Erreurs</a:t>
-            </a:r>
-          </a:p>
-          <a:p>
-            <a:r>
-              <a:rPr lang="fr-FR" dirty="0" smtClean="0">
-                <a:solidFill>
-                  <a:schemeClr val="tx1"/>
-                </a:solidFill>
-                <a:sym typeface="Wingdings" panose="05000000000000000000" pitchFamily="2" charset="2"/>
-              </a:rPr>
-              <a:t> Menu</a:t>
-            </a:r>
             <a:endParaRPr lang="fr-FR" dirty="0"/>
           </a:p>
         </p:txBody>
@@ -5163,20 +4717,20 @@
     </p:spTree>
     <p:extLst>
       <p:ext uri="{BB962C8B-B14F-4D97-AF65-F5344CB8AC3E}">
-        <p14:creationId xmlns:p14="http://schemas.microsoft.com/office/powerpoint/2010/main" val="1744214520"/>
+        <p14:creationId xmlns:p14="http://schemas.microsoft.com/office/powerpoint/2010/main" xmlns="" val="3860036840"/>
       </p:ext>
     </p:extLst>
   </p:cSld>
   <p:clrMapOvr>
     <a:masterClrMapping/>
   </p:clrMapOvr>
-  <mc:AlternateContent xmlns:mc="http://schemas.openxmlformats.org/markup-compatibility/2006" xmlns:p14="http://schemas.microsoft.com/office/powerpoint/2010/main">
-    <mc:Choice Requires="p14">
+  <mc:AlternateContent xmlns:mc="http://schemas.openxmlformats.org/markup-compatibility/2006">
+    <mc:Choice xmlns:p14="http://schemas.microsoft.com/office/powerpoint/2010/main" xmlns="" Requires="p14">
       <p:transition spd="slow" p14:dur="1500">
         <p14:reveal/>
       </p:transition>
     </mc:Choice>
-    <mc:Fallback xmlns="">
+    <mc:Fallback>
       <p:transition spd="slow">
         <p:fade/>
       </p:transition>
@@ -5225,14 +4779,14 @@
           <a:lstStyle/>
           <a:p>
             <a:r>
-              <a:rPr lang="fr-FR" dirty="0">
+              <a:rPr lang="fr-FR" dirty="0" smtClean="0">
                 <a:solidFill>
                   <a:srgbClr val="BD582C">
                     <a:lumMod val="75000"/>
                   </a:srgbClr>
                 </a:solidFill>
               </a:rPr>
-              <a:t>B. Spécifications</a:t>
+              <a:t>E. Tests</a:t>
             </a:r>
             <a:endParaRPr lang="fr-FR" dirty="0"/>
           </a:p>
@@ -5253,45 +4807,21 @@
           <a:bodyPr/>
           <a:lstStyle/>
           <a:p>
-            <a:pPr marL="91440" lvl="3" indent="-91440">
-              <a:spcBef>
-                <a:spcPts val="1200"/>
-              </a:spcBef>
-              <a:spcAft>
-                <a:spcPts val="200"/>
-              </a:spcAft>
-              <a:buSzPct val="100000"/>
-              <a:buFont typeface="Calibri" panose="020F0502020204030204" pitchFamily="34" charset="0"/>
-              <a:buChar char=" "/>
+            <a:pPr marL="566928" lvl="3" indent="0">
+              <a:buNone/>
             </a:pPr>
             <a:r>
-              <a:rPr lang="fr-FR" sz="3200" dirty="0">
+              <a:rPr lang="fr-FR" sz="3200" dirty="0" smtClean="0">
                 <a:solidFill>
                   <a:srgbClr val="FFC000"/>
                 </a:solidFill>
               </a:rPr>
-              <a:t>Cahier des </a:t>
-            </a:r>
-            <a:r>
-              <a:rPr lang="fr-FR" sz="3200" dirty="0" smtClean="0">
-                <a:solidFill>
-                  <a:srgbClr val="FFC000"/>
-                </a:solidFill>
-              </a:rPr>
-              <a:t>charges</a:t>
-            </a:r>
-          </a:p>
-          <a:p>
-            <a:pPr marL="91440" lvl="3" indent="-91440">
-              <a:spcBef>
-                <a:spcPts val="1200"/>
-              </a:spcBef>
-              <a:spcAft>
-                <a:spcPts val="200"/>
-              </a:spcAft>
-              <a:buSzPct val="100000"/>
-              <a:buFont typeface="Calibri" panose="020F0502020204030204" pitchFamily="34" charset="0"/>
-              <a:buChar char=" "/>
+              <a:t>3) Scénarios de test</a:t>
+            </a:r>
+          </a:p>
+          <a:p>
+            <a:pPr marL="566928" lvl="3" indent="0">
+              <a:buNone/>
             </a:pPr>
             <a:endParaRPr lang="fr-FR" sz="3200" dirty="0" smtClean="0">
               <a:solidFill>
@@ -5300,39 +4830,7 @@
             </a:endParaRPr>
           </a:p>
           <a:p>
-            <a:pPr marL="0" lvl="3" indent="0">
-              <a:spcBef>
-                <a:spcPts val="1200"/>
-              </a:spcBef>
-              <a:spcAft>
-                <a:spcPts val="200"/>
-              </a:spcAft>
-              <a:buSzPct val="100000"/>
-              <a:buNone/>
-            </a:pPr>
-            <a:r>
-              <a:rPr lang="fr-FR" sz="2800" dirty="0" smtClean="0">
-                <a:solidFill>
-                  <a:srgbClr val="FF0000"/>
-                </a:solidFill>
-              </a:rPr>
-              <a:t>Fonctionnement du Menu</a:t>
-            </a:r>
-            <a:endParaRPr lang="fr-FR" sz="3600" dirty="0">
-              <a:solidFill>
-                <a:srgbClr val="FF0000"/>
-              </a:solidFill>
-            </a:endParaRPr>
-          </a:p>
-          <a:p>
-            <a:pPr marL="0" lvl="3" indent="0">
-              <a:spcBef>
-                <a:spcPts val="1200"/>
-              </a:spcBef>
-              <a:spcAft>
-                <a:spcPts val="200"/>
-              </a:spcAft>
-              <a:buSzPct val="100000"/>
+            <a:pPr marL="566928" lvl="3" indent="0">
               <a:buNone/>
             </a:pPr>
             <a:endParaRPr lang="fr-FR" sz="3200" dirty="0">
@@ -5342,6 +4840,25 @@
             </a:endParaRPr>
           </a:p>
           <a:p>
+            <a:pPr marL="566928" lvl="3" indent="0">
+              <a:buNone/>
+            </a:pPr>
+            <a:r>
+              <a:rPr lang="fr-FR" sz="2400" b="1" dirty="0" smtClean="0">
+                <a:solidFill>
+                  <a:schemeClr val="tx1"/>
+                </a:solidFill>
+              </a:rPr>
+              <a:t>Partie Calculatrice </a:t>
+            </a:r>
+            <a:r>
+              <a:rPr lang="fr-FR" sz="2400" b="1" dirty="0" smtClean="0">
+                <a:solidFill>
+                  <a:schemeClr val="tx1"/>
+                </a:solidFill>
+              </a:rPr>
+              <a:t>/ Partie Tableur</a:t>
+            </a:r>
             <a:endParaRPr lang="fr-FR" dirty="0"/>
           </a:p>
         </p:txBody>
@@ -5349,20 +4866,20 @@
     </p:spTree>
     <p:extLst>
       <p:ext uri="{BB962C8B-B14F-4D97-AF65-F5344CB8AC3E}">
-        <p14:creationId xmlns:p14="http://schemas.microsoft.com/office/powerpoint/2010/main" val="4287436628"/>
+        <p14:creationId xmlns:p14="http://schemas.microsoft.com/office/powerpoint/2010/main" xmlns="" val="3928213839"/>
       </p:ext>
     </p:extLst>
   </p:cSld>
   <p:clrMapOvr>
     <a:masterClrMapping/>
   </p:clrMapOvr>
-  <mc:AlternateContent xmlns:mc="http://schemas.openxmlformats.org/markup-compatibility/2006" xmlns:p14="http://schemas.microsoft.com/office/powerpoint/2010/main">
-    <mc:Choice Requires="p14">
+  <mc:AlternateContent xmlns:mc="http://schemas.openxmlformats.org/markup-compatibility/2006">
+    <mc:Choice xmlns:p14="http://schemas.microsoft.com/office/powerpoint/2010/main" xmlns="" Requires="p14">
       <p:transition spd="slow" p14:dur="1500">
         <p14:reveal/>
       </p:transition>
     </mc:Choice>
-    <mc:Fallback xmlns="">
+    <mc:Fallback>
       <p:transition spd="slow">
         <p:fade/>
       </p:transition>
@@ -5411,14 +4928,14 @@
           <a:lstStyle/>
           <a:p>
             <a:r>
-              <a:rPr lang="fr-FR" dirty="0">
+              <a:rPr lang="fr-FR" dirty="0" smtClean="0">
                 <a:solidFill>
                   <a:srgbClr val="BD582C">
                     <a:lumMod val="75000"/>
                   </a:srgbClr>
                 </a:solidFill>
               </a:rPr>
-              <a:t>B. Spécifications</a:t>
+              <a:t>F. Bilan</a:t>
             </a:r>
             <a:endParaRPr lang="fr-FR" dirty="0"/>
           </a:p>
@@ -5434,16 +4951,9 @@
             <p:ph idx="1"/>
           </p:nvPr>
         </p:nvSpPr>
-        <p:spPr>
-          <a:xfrm>
-            <a:off x="734095" y="1935887"/>
-            <a:ext cx="10035219" cy="4490672"/>
-          </a:xfrm>
-        </p:spPr>
-        <p:txBody>
-          <a:bodyPr>
-            <a:normAutofit fontScale="32500" lnSpcReduction="20000"/>
-          </a:bodyPr>
+        <p:spPr/>
+        <p:txBody>
+          <a:bodyPr/>
           <a:lstStyle/>
           <a:p>
             <a:pPr marL="91440" lvl="3" indent="-91440">
@@ -5457,22 +4967,11 @@
               <a:buFont typeface="Calibri" panose="020F0502020204030204" pitchFamily="34" charset="0"/>
               <a:buChar char=" "/>
             </a:pPr>
-            <a:r>
-              <a:rPr lang="fr-FR" sz="8600" dirty="0">
-                <a:solidFill>
-                  <a:srgbClr val="FFC000"/>
-                </a:solidFill>
-              </a:rPr>
-              <a:t>L</a:t>
-            </a:r>
-            <a:r>
-              <a:rPr lang="fr-FR" sz="8600" dirty="0" smtClean="0">
-                <a:solidFill>
-                  <a:srgbClr val="FFC000"/>
-                </a:solidFill>
-              </a:rPr>
-              <a:t>es cas d’utilisations :</a:t>
-            </a:r>
+            <a:endParaRPr lang="fr-FR" sz="3200" dirty="0">
+              <a:solidFill>
+                <a:srgbClr val="FFC000"/>
+              </a:solidFill>
+            </a:endParaRPr>
           </a:p>
           <a:p>
             <a:pPr marL="91440" lvl="3" indent="-91440">
@@ -5486,11 +4985,14 @@
               <a:buFont typeface="Calibri" panose="020F0502020204030204" pitchFamily="34" charset="0"/>
               <a:buChar char=" "/>
             </a:pPr>
-            <a:endParaRPr lang="fr-FR" sz="2400" dirty="0">
-              <a:solidFill>
-                <a:srgbClr val="FFC000"/>
-              </a:solidFill>
-            </a:endParaRPr>
+            <a:r>
+              <a:rPr lang="fr-FR" sz="3200" dirty="0" smtClean="0">
+                <a:solidFill>
+                  <a:srgbClr val="FFC000"/>
+                </a:solidFill>
+              </a:rPr>
+              <a:t>Satisfaction des besoins</a:t>
+            </a:r>
           </a:p>
           <a:p>
             <a:pPr marL="91440" lvl="3" indent="-91440">
@@ -5504,14 +5006,11 @@
               <a:buFont typeface="Calibri" panose="020F0502020204030204" pitchFamily="34" charset="0"/>
               <a:buChar char=" "/>
             </a:pPr>
-            <a:r>
-              <a:rPr lang="fr-FR" sz="8000" dirty="0" smtClean="0">
-                <a:solidFill>
-                  <a:schemeClr val="tx1"/>
-                </a:solidFill>
-              </a:rPr>
-              <a:t>Cas numéro 1 :  Effectuer des calculs</a:t>
-            </a:r>
+            <a:endParaRPr lang="fr-FR" sz="3200" dirty="0">
+              <a:solidFill>
+                <a:srgbClr val="FFC000"/>
+              </a:solidFill>
+            </a:endParaRPr>
           </a:p>
           <a:p>
             <a:pPr marL="91440" lvl="3" indent="-91440">
@@ -5525,265 +5024,17 @@
               <a:buFont typeface="Calibri" panose="020F0502020204030204" pitchFamily="34" charset="0"/>
               <a:buChar char=" "/>
             </a:pPr>
-            <a:endParaRPr lang="fr-FR" sz="4400" dirty="0" smtClean="0">
+            <a:r>
+              <a:rPr lang="fr-FR" sz="3200" dirty="0" smtClean="0">
+                <a:solidFill>
+                  <a:srgbClr val="FFC000"/>
+                </a:solidFill>
+              </a:rPr>
+              <a:t>Bilan de la gestion de projet </a:t>
+            </a:r>
+            <a:endParaRPr lang="fr-FR" sz="3200" dirty="0">
               <a:solidFill>
-                <a:schemeClr val="tx1"/>
-              </a:solidFill>
-            </a:endParaRPr>
-          </a:p>
-          <a:p>
-            <a:pPr marL="91440" lvl="3" indent="-91440">
-              <a:spcBef>
-                <a:spcPts val="1200"/>
-              </a:spcBef>
-              <a:spcAft>
-                <a:spcPts val="200"/>
-              </a:spcAft>
-              <a:buSzPct val="100000"/>
-              <a:buFont typeface="Calibri" panose="020F0502020204030204" pitchFamily="34" charset="0"/>
-              <a:buChar char=" "/>
-            </a:pPr>
-            <a:r>
-              <a:rPr lang="fr-FR" sz="8000" dirty="0">
-                <a:solidFill>
-                  <a:schemeClr val="tx1"/>
-                </a:solidFill>
-              </a:rPr>
-              <a:t>Cas numéro </a:t>
-            </a:r>
-            <a:r>
-              <a:rPr lang="fr-FR" sz="8000" dirty="0" smtClean="0">
-                <a:solidFill>
-                  <a:schemeClr val="tx1"/>
-                </a:solidFill>
-              </a:rPr>
-              <a:t>2 </a:t>
-            </a:r>
-            <a:r>
-              <a:rPr lang="fr-FR" sz="8000" dirty="0">
-                <a:solidFill>
-                  <a:schemeClr val="tx1"/>
-                </a:solidFill>
-              </a:rPr>
-              <a:t>: </a:t>
-            </a:r>
-            <a:r>
-              <a:rPr lang="fr-FR" sz="8000" dirty="0" smtClean="0">
-                <a:solidFill>
-                  <a:schemeClr val="tx1"/>
-                </a:solidFill>
-              </a:rPr>
-              <a:t> Effectuer des calculs simples</a:t>
-            </a:r>
-            <a:endParaRPr lang="fr-FR" sz="8000" dirty="0">
-              <a:solidFill>
-                <a:schemeClr val="tx1"/>
-              </a:solidFill>
-            </a:endParaRPr>
-          </a:p>
-          <a:p>
-            <a:pPr marL="91440" lvl="3" indent="-91440">
-              <a:spcBef>
-                <a:spcPts val="1200"/>
-              </a:spcBef>
-              <a:spcAft>
-                <a:spcPts val="200"/>
-              </a:spcAft>
-              <a:buSzPct val="100000"/>
-              <a:buFont typeface="Calibri" panose="020F0502020204030204" pitchFamily="34" charset="0"/>
-              <a:buChar char=" "/>
-            </a:pPr>
-            <a:endParaRPr lang="fr-FR" sz="4000" dirty="0" smtClean="0">
-              <a:solidFill>
-                <a:schemeClr val="tx1"/>
-              </a:solidFill>
-            </a:endParaRPr>
-          </a:p>
-          <a:p>
-            <a:pPr marL="91440" lvl="3" indent="-91440">
-              <a:spcBef>
-                <a:spcPts val="1200"/>
-              </a:spcBef>
-              <a:spcAft>
-                <a:spcPts val="200"/>
-              </a:spcAft>
-              <a:buSzPct val="100000"/>
-              <a:buFont typeface="Calibri" panose="020F0502020204030204" pitchFamily="34" charset="0"/>
-              <a:buChar char=" "/>
-            </a:pPr>
-            <a:r>
-              <a:rPr lang="fr-FR" sz="8000" dirty="0">
-                <a:solidFill>
-                  <a:schemeClr val="tx1"/>
-                </a:solidFill>
-              </a:rPr>
-              <a:t>Cas numéro 3</a:t>
-            </a:r>
-            <a:r>
-              <a:rPr lang="fr-FR" sz="8000" dirty="0" smtClean="0">
-                <a:solidFill>
-                  <a:schemeClr val="tx1"/>
-                </a:solidFill>
-              </a:rPr>
-              <a:t> </a:t>
-            </a:r>
-            <a:r>
-              <a:rPr lang="fr-FR" sz="8000" dirty="0">
-                <a:solidFill>
-                  <a:schemeClr val="tx1"/>
-                </a:solidFill>
-              </a:rPr>
-              <a:t>: </a:t>
-            </a:r>
-            <a:r>
-              <a:rPr lang="fr-FR" sz="8000" dirty="0" smtClean="0">
-                <a:solidFill>
-                  <a:schemeClr val="tx1"/>
-                </a:solidFill>
-              </a:rPr>
-              <a:t> Effectuer des calculs avec parenthèses</a:t>
-            </a:r>
-            <a:endParaRPr lang="fr-FR" sz="8000" dirty="0">
-              <a:solidFill>
-                <a:schemeClr val="tx1"/>
-              </a:solidFill>
-            </a:endParaRPr>
-          </a:p>
-          <a:p>
-            <a:pPr marL="91440" lvl="3" indent="-91440">
-              <a:spcBef>
-                <a:spcPts val="1200"/>
-              </a:spcBef>
-              <a:spcAft>
-                <a:spcPts val="200"/>
-              </a:spcAft>
-              <a:buSzPct val="100000"/>
-              <a:buFont typeface="Calibri" panose="020F0502020204030204" pitchFamily="34" charset="0"/>
-              <a:buChar char=" "/>
-            </a:pPr>
-            <a:endParaRPr lang="fr-FR" sz="3100" dirty="0" smtClean="0">
-              <a:solidFill>
-                <a:schemeClr val="tx1"/>
-              </a:solidFill>
-            </a:endParaRPr>
-          </a:p>
-          <a:p>
-            <a:pPr marL="91440" lvl="3" indent="-91440">
-              <a:spcBef>
-                <a:spcPts val="1200"/>
-              </a:spcBef>
-              <a:spcAft>
-                <a:spcPts val="200"/>
-              </a:spcAft>
-              <a:buSzPct val="100000"/>
-              <a:buFont typeface="Calibri" panose="020F0502020204030204" pitchFamily="34" charset="0"/>
-              <a:buChar char=" "/>
-            </a:pPr>
-            <a:r>
-              <a:rPr lang="fr-FR" sz="8000" dirty="0">
-                <a:solidFill>
-                  <a:schemeClr val="tx1"/>
-                </a:solidFill>
-              </a:rPr>
-              <a:t>Cas numéro </a:t>
-            </a:r>
-            <a:r>
-              <a:rPr lang="fr-FR" sz="8000" dirty="0" smtClean="0">
-                <a:solidFill>
-                  <a:schemeClr val="tx1"/>
-                </a:solidFill>
-              </a:rPr>
-              <a:t>4 </a:t>
-            </a:r>
-            <a:r>
-              <a:rPr lang="fr-FR" sz="8000" dirty="0">
-                <a:solidFill>
-                  <a:schemeClr val="tx1"/>
-                </a:solidFill>
-              </a:rPr>
-              <a:t>: </a:t>
-            </a:r>
-            <a:r>
-              <a:rPr lang="fr-FR" sz="8000" dirty="0" smtClean="0">
-                <a:solidFill>
-                  <a:schemeClr val="tx1"/>
-                </a:solidFill>
-              </a:rPr>
-              <a:t> Utiliser une variable</a:t>
-            </a:r>
-            <a:endParaRPr lang="fr-FR" sz="8000" dirty="0">
-              <a:solidFill>
-                <a:schemeClr val="tx1"/>
-              </a:solidFill>
-            </a:endParaRPr>
-          </a:p>
-          <a:p>
-            <a:pPr marL="91440" lvl="3" indent="-91440">
-              <a:spcBef>
-                <a:spcPts val="1200"/>
-              </a:spcBef>
-              <a:spcAft>
-                <a:spcPts val="200"/>
-              </a:spcAft>
-              <a:buSzPct val="100000"/>
-              <a:buFont typeface="Calibri" panose="020F0502020204030204" pitchFamily="34" charset="0"/>
-              <a:buChar char=" "/>
-            </a:pPr>
-            <a:endParaRPr lang="fr-FR" sz="3100" dirty="0" smtClean="0">
-              <a:solidFill>
-                <a:schemeClr val="tx1"/>
-              </a:solidFill>
-            </a:endParaRPr>
-          </a:p>
-          <a:p>
-            <a:pPr marL="91440" lvl="3" indent="-91440">
-              <a:spcBef>
-                <a:spcPts val="1200"/>
-              </a:spcBef>
-              <a:spcAft>
-                <a:spcPts val="200"/>
-              </a:spcAft>
-              <a:buSzPct val="100000"/>
-              <a:buFont typeface="Calibri" panose="020F0502020204030204" pitchFamily="34" charset="0"/>
-              <a:buChar char=" "/>
-            </a:pPr>
-            <a:r>
-              <a:rPr lang="fr-FR" sz="8000" dirty="0">
-                <a:solidFill>
-                  <a:schemeClr val="tx1"/>
-                </a:solidFill>
-              </a:rPr>
-              <a:t>Cas numéro </a:t>
-            </a:r>
-            <a:r>
-              <a:rPr lang="fr-FR" sz="8000" dirty="0" smtClean="0">
-                <a:solidFill>
-                  <a:schemeClr val="tx1"/>
-                </a:solidFill>
-              </a:rPr>
-              <a:t>5 :  Gérer la mémoire</a:t>
-            </a:r>
-            <a:endParaRPr lang="fr-FR" sz="8000" dirty="0">
-              <a:solidFill>
-                <a:schemeClr val="tx1"/>
-              </a:solidFill>
-            </a:endParaRPr>
-          </a:p>
-          <a:p>
-            <a:pPr marL="91440" lvl="3" indent="-91440">
-              <a:spcBef>
-                <a:spcPts val="1200"/>
-              </a:spcBef>
-              <a:spcAft>
-                <a:spcPts val="200"/>
-              </a:spcAft>
-              <a:buSzPct val="100000"/>
-              <a:buFont typeface="Calibri" panose="020F0502020204030204" pitchFamily="34" charset="0"/>
-              <a:buChar char=" "/>
-            </a:pPr>
-            <a:endParaRPr lang="fr-FR" sz="2400" dirty="0">
-              <a:solidFill>
-                <a:schemeClr val="tx1"/>
+                <a:srgbClr val="FFC000"/>
               </a:solidFill>
             </a:endParaRPr>
           </a:p>
@@ -5795,1134 +5046,20 @@
     </p:spTree>
     <p:extLst>
       <p:ext uri="{BB962C8B-B14F-4D97-AF65-F5344CB8AC3E}">
-        <p14:creationId xmlns:p14="http://schemas.microsoft.com/office/powerpoint/2010/main" val="2858447794"/>
+        <p14:creationId xmlns:p14="http://schemas.microsoft.com/office/powerpoint/2010/main" xmlns="" val="1235043849"/>
       </p:ext>
     </p:extLst>
   </p:cSld>
   <p:clrMapOvr>
     <a:masterClrMapping/>
   </p:clrMapOvr>
-  <mc:AlternateContent xmlns:mc="http://schemas.openxmlformats.org/markup-compatibility/2006" xmlns:p14="http://schemas.microsoft.com/office/powerpoint/2010/main">
-    <mc:Choice Requires="p14">
+  <mc:AlternateContent xmlns:mc="http://schemas.openxmlformats.org/markup-compatibility/2006">
+    <mc:Choice xmlns:p14="http://schemas.microsoft.com/office/powerpoint/2010/main" xmlns="" Requires="p14">
       <p:transition spd="slow" p14:dur="1500">
         <p14:reveal/>
       </p:transition>
     </mc:Choice>
-    <mc:Fallback xmlns="">
-      <p:transition spd="slow">
-        <p:fade/>
-      </p:transition>
-    </mc:Fallback>
-  </mc:AlternateContent>
-  <p:timing>
-    <p:tnLst>
-      <p:par>
-        <p:cTn id="1" dur="indefinite" restart="never" nodeType="tmRoot"/>
-      </p:par>
-    </p:tnLst>
-  </p:timing>
-</p:sld>
-</file>
-
-<file path=ppt/slides/slide15.xml><?xml version="1.0" encoding="utf-8"?>
-<p:sld xmlns:a="http://schemas.openxmlformats.org/drawingml/2006/main" xmlns:r="http://schemas.openxmlformats.org/officeDocument/2006/relationships" xmlns:p="http://schemas.openxmlformats.org/presentationml/2006/main">
-  <p:cSld>
-    <p:spTree>
-      <p:nvGrpSpPr>
-        <p:cNvPr id="1" name=""/>
-        <p:cNvGrpSpPr/>
-        <p:nvPr/>
-      </p:nvGrpSpPr>
-      <p:grpSpPr>
-        <a:xfrm>
-          <a:off x="0" y="0"/>
-          <a:ext cx="0" cy="0"/>
-          <a:chOff x="0" y="0"/>
-          <a:chExt cx="0" cy="0"/>
-        </a:xfrm>
-      </p:grpSpPr>
-      <p:sp>
-        <p:nvSpPr>
-          <p:cNvPr id="2" name="Titre 1"/>
-          <p:cNvSpPr>
-            <a:spLocks noGrp="1"/>
-          </p:cNvSpPr>
-          <p:nvPr>
-            <p:ph type="title"/>
-          </p:nvPr>
-        </p:nvSpPr>
-        <p:spPr/>
-        <p:txBody>
-          <a:bodyPr/>
-          <a:lstStyle/>
-          <a:p>
-            <a:r>
-              <a:rPr lang="fr-FR" dirty="0">
-                <a:solidFill>
-                  <a:srgbClr val="BD582C">
-                    <a:lumMod val="75000"/>
-                  </a:srgbClr>
-                </a:solidFill>
-              </a:rPr>
-              <a:t>B. Spécifications</a:t>
-            </a:r>
-            <a:endParaRPr lang="fr-FR" dirty="0"/>
-          </a:p>
-        </p:txBody>
-      </p:sp>
-      <p:sp>
-        <p:nvSpPr>
-          <p:cNvPr id="3" name="Espace réservé du contenu 2"/>
-          <p:cNvSpPr>
-            <a:spLocks noGrp="1"/>
-          </p:cNvSpPr>
-          <p:nvPr>
-            <p:ph idx="1"/>
-          </p:nvPr>
-        </p:nvSpPr>
-        <p:spPr>
-          <a:xfrm>
-            <a:off x="849501" y="2021478"/>
-            <a:ext cx="10395826" cy="4250028"/>
-          </a:xfrm>
-        </p:spPr>
-        <p:txBody>
-          <a:bodyPr>
-            <a:normAutofit fontScale="77500" lnSpcReduction="20000"/>
-          </a:bodyPr>
-          <a:lstStyle/>
-          <a:p>
-            <a:pPr marL="91440" lvl="3" indent="-91440">
-              <a:spcBef>
-                <a:spcPts val="1200"/>
-              </a:spcBef>
-              <a:spcAft>
-                <a:spcPts val="200"/>
-              </a:spcAft>
-              <a:buSzPct val="100000"/>
-              <a:buFont typeface="Calibri" panose="020F0502020204030204" pitchFamily="34" charset="0"/>
-              <a:buChar char=" "/>
-            </a:pPr>
-            <a:r>
-              <a:rPr lang="fr-FR" sz="3200" dirty="0">
-                <a:solidFill>
-                  <a:schemeClr val="tx1"/>
-                </a:solidFill>
-              </a:rPr>
-              <a:t>Cas numéro </a:t>
-            </a:r>
-            <a:r>
-              <a:rPr lang="fr-FR" sz="3200" dirty="0" smtClean="0">
-                <a:solidFill>
-                  <a:schemeClr val="tx1"/>
-                </a:solidFill>
-              </a:rPr>
-              <a:t>6 :  Copier/Couper/Coller</a:t>
-            </a:r>
-            <a:endParaRPr lang="fr-FR" sz="3200" dirty="0">
-              <a:solidFill>
-                <a:schemeClr val="tx1"/>
-              </a:solidFill>
-            </a:endParaRPr>
-          </a:p>
-          <a:p>
-            <a:pPr marL="91440" lvl="3" indent="-91440">
-              <a:spcBef>
-                <a:spcPts val="1200"/>
-              </a:spcBef>
-              <a:spcAft>
-                <a:spcPts val="200"/>
-              </a:spcAft>
-              <a:buSzPct val="100000"/>
-              <a:buFont typeface="Calibri" panose="020F0502020204030204" pitchFamily="34" charset="0"/>
-              <a:buChar char=" "/>
-            </a:pPr>
-            <a:endParaRPr lang="fr-FR" sz="1200" dirty="0">
-              <a:solidFill>
-                <a:schemeClr val="tx1"/>
-              </a:solidFill>
-            </a:endParaRPr>
-          </a:p>
-          <a:p>
-            <a:pPr marL="91440" lvl="3" indent="-91440">
-              <a:spcBef>
-                <a:spcPts val="1200"/>
-              </a:spcBef>
-              <a:spcAft>
-                <a:spcPts val="200"/>
-              </a:spcAft>
-              <a:buSzPct val="100000"/>
-              <a:buFont typeface="Calibri" panose="020F0502020204030204" pitchFamily="34" charset="0"/>
-              <a:buChar char=" "/>
-            </a:pPr>
-            <a:r>
-              <a:rPr lang="fr-FR" sz="3200" dirty="0">
-                <a:solidFill>
-                  <a:schemeClr val="tx1"/>
-                </a:solidFill>
-              </a:rPr>
-              <a:t>Cas numéro </a:t>
-            </a:r>
-            <a:r>
-              <a:rPr lang="fr-FR" sz="3200" dirty="0" smtClean="0">
-                <a:solidFill>
-                  <a:schemeClr val="tx1"/>
-                </a:solidFill>
-              </a:rPr>
-              <a:t>7 </a:t>
-            </a:r>
-            <a:r>
-              <a:rPr lang="fr-FR" sz="3200" dirty="0">
-                <a:solidFill>
-                  <a:schemeClr val="tx1"/>
-                </a:solidFill>
-              </a:rPr>
-              <a:t>: </a:t>
-            </a:r>
-            <a:r>
-              <a:rPr lang="fr-FR" sz="3200" dirty="0" smtClean="0">
-                <a:solidFill>
-                  <a:schemeClr val="tx1"/>
-                </a:solidFill>
-              </a:rPr>
-              <a:t> Entrer des formules</a:t>
-            </a:r>
-            <a:endParaRPr lang="fr-FR" sz="3200" dirty="0">
-              <a:solidFill>
-                <a:schemeClr val="tx1"/>
-              </a:solidFill>
-            </a:endParaRPr>
-          </a:p>
-          <a:p>
-            <a:pPr marL="91440" lvl="3" indent="-91440">
-              <a:spcBef>
-                <a:spcPts val="1200"/>
-              </a:spcBef>
-              <a:spcAft>
-                <a:spcPts val="200"/>
-              </a:spcAft>
-              <a:buSzPct val="100000"/>
-              <a:buFont typeface="Calibri" panose="020F0502020204030204" pitchFamily="34" charset="0"/>
-              <a:buChar char=" "/>
-            </a:pPr>
-            <a:endParaRPr lang="fr-FR" sz="1300" dirty="0">
-              <a:solidFill>
-                <a:schemeClr val="tx1"/>
-              </a:solidFill>
-            </a:endParaRPr>
-          </a:p>
-          <a:p>
-            <a:pPr marL="91440" lvl="3" indent="-91440">
-              <a:spcBef>
-                <a:spcPts val="1200"/>
-              </a:spcBef>
-              <a:spcAft>
-                <a:spcPts val="200"/>
-              </a:spcAft>
-              <a:buSzPct val="100000"/>
-              <a:buFont typeface="Calibri" panose="020F0502020204030204" pitchFamily="34" charset="0"/>
-              <a:buChar char=" "/>
-            </a:pPr>
-            <a:r>
-              <a:rPr lang="fr-FR" sz="3200" dirty="0">
-                <a:solidFill>
-                  <a:schemeClr val="tx1"/>
-                </a:solidFill>
-              </a:rPr>
-              <a:t>Cas numéro </a:t>
-            </a:r>
-            <a:r>
-              <a:rPr lang="fr-FR" sz="3200" dirty="0" smtClean="0">
-                <a:solidFill>
-                  <a:schemeClr val="tx1"/>
-                </a:solidFill>
-              </a:rPr>
-              <a:t>8 </a:t>
-            </a:r>
-            <a:r>
-              <a:rPr lang="fr-FR" sz="3200" dirty="0">
-                <a:solidFill>
-                  <a:schemeClr val="tx1"/>
-                </a:solidFill>
-              </a:rPr>
-              <a:t>: </a:t>
-            </a:r>
-            <a:r>
-              <a:rPr lang="fr-FR" sz="3200" dirty="0" smtClean="0">
-                <a:solidFill>
-                  <a:schemeClr val="tx1"/>
-                </a:solidFill>
-              </a:rPr>
-              <a:t> Sauvegarder, charger ou créer un nouveau fichier du tableur</a:t>
-            </a:r>
-            <a:endParaRPr lang="fr-FR" sz="3200" dirty="0">
-              <a:solidFill>
-                <a:schemeClr val="tx1"/>
-              </a:solidFill>
-            </a:endParaRPr>
-          </a:p>
-          <a:p>
-            <a:pPr marL="91440" lvl="3" indent="-91440">
-              <a:spcBef>
-                <a:spcPts val="1200"/>
-              </a:spcBef>
-              <a:spcAft>
-                <a:spcPts val="200"/>
-              </a:spcAft>
-              <a:buSzPct val="100000"/>
-              <a:buFont typeface="Calibri" panose="020F0502020204030204" pitchFamily="34" charset="0"/>
-              <a:buChar char=" "/>
-            </a:pPr>
-            <a:endParaRPr lang="fr-FR" dirty="0">
-              <a:solidFill>
-                <a:schemeClr val="tx1"/>
-              </a:solidFill>
-            </a:endParaRPr>
-          </a:p>
-          <a:p>
-            <a:pPr marL="91440" lvl="3" indent="-91440">
-              <a:spcBef>
-                <a:spcPts val="1200"/>
-              </a:spcBef>
-              <a:spcAft>
-                <a:spcPts val="200"/>
-              </a:spcAft>
-              <a:buSzPct val="100000"/>
-              <a:buFont typeface="Calibri" panose="020F0502020204030204" pitchFamily="34" charset="0"/>
-              <a:buChar char=" "/>
-            </a:pPr>
-            <a:r>
-              <a:rPr lang="fr-FR" sz="3200" dirty="0">
-                <a:solidFill>
-                  <a:schemeClr val="tx1"/>
-                </a:solidFill>
-              </a:rPr>
-              <a:t>Cas numéro </a:t>
-            </a:r>
-            <a:r>
-              <a:rPr lang="fr-FR" sz="3200" dirty="0" smtClean="0">
-                <a:solidFill>
-                  <a:schemeClr val="tx1"/>
-                </a:solidFill>
-              </a:rPr>
-              <a:t>9 </a:t>
-            </a:r>
-            <a:r>
-              <a:rPr lang="fr-FR" sz="3200" dirty="0">
-                <a:solidFill>
-                  <a:schemeClr val="tx1"/>
-                </a:solidFill>
-              </a:rPr>
-              <a:t>: </a:t>
-            </a:r>
-            <a:r>
-              <a:rPr lang="fr-FR" sz="3200" dirty="0" smtClean="0">
-                <a:solidFill>
-                  <a:schemeClr val="tx1"/>
-                </a:solidFill>
-              </a:rPr>
-              <a:t> Accéder à une aide</a:t>
-            </a:r>
-            <a:endParaRPr lang="fr-FR" sz="3200" dirty="0">
-              <a:solidFill>
-                <a:schemeClr val="tx1"/>
-              </a:solidFill>
-            </a:endParaRPr>
-          </a:p>
-          <a:p>
-            <a:pPr marL="91440" lvl="3" indent="-91440">
-              <a:spcBef>
-                <a:spcPts val="1200"/>
-              </a:spcBef>
-              <a:spcAft>
-                <a:spcPts val="200"/>
-              </a:spcAft>
-              <a:buSzPct val="100000"/>
-              <a:buFont typeface="Calibri" panose="020F0502020204030204" pitchFamily="34" charset="0"/>
-              <a:buChar char=" "/>
-            </a:pPr>
-            <a:endParaRPr lang="fr-FR" dirty="0">
-              <a:solidFill>
-                <a:schemeClr val="tx1"/>
-              </a:solidFill>
-            </a:endParaRPr>
-          </a:p>
-          <a:p>
-            <a:pPr marL="91440" lvl="3" indent="-91440">
-              <a:spcBef>
-                <a:spcPts val="1200"/>
-              </a:spcBef>
-              <a:spcAft>
-                <a:spcPts val="200"/>
-              </a:spcAft>
-              <a:buSzPct val="100000"/>
-              <a:buFont typeface="Calibri" panose="020F0502020204030204" pitchFamily="34" charset="0"/>
-              <a:buChar char=" "/>
-            </a:pPr>
-            <a:r>
-              <a:rPr lang="fr-FR" sz="3200" dirty="0">
-                <a:solidFill>
-                  <a:schemeClr val="tx1"/>
-                </a:solidFill>
-              </a:rPr>
-              <a:t>Cas numéro </a:t>
-            </a:r>
-            <a:r>
-              <a:rPr lang="fr-FR" sz="3200" dirty="0" smtClean="0">
-                <a:solidFill>
-                  <a:schemeClr val="tx1"/>
-                </a:solidFill>
-              </a:rPr>
-              <a:t>10 :  Naviguer entre Mini-Calculatrice et Mini-Tableur</a:t>
-            </a:r>
-          </a:p>
-          <a:p>
-            <a:pPr marL="91440" lvl="3" indent="-91440">
-              <a:spcBef>
-                <a:spcPts val="1200"/>
-              </a:spcBef>
-              <a:spcAft>
-                <a:spcPts val="200"/>
-              </a:spcAft>
-              <a:buSzPct val="100000"/>
-              <a:buFont typeface="Calibri" panose="020F0502020204030204" pitchFamily="34" charset="0"/>
-              <a:buChar char=" "/>
-            </a:pPr>
-            <a:endParaRPr lang="fr-FR" sz="1600" dirty="0">
-              <a:solidFill>
-                <a:schemeClr val="tx1"/>
-              </a:solidFill>
-            </a:endParaRPr>
-          </a:p>
-          <a:p>
-            <a:pPr marL="91440" lvl="3" indent="-91440">
-              <a:spcBef>
-                <a:spcPts val="1200"/>
-              </a:spcBef>
-              <a:spcAft>
-                <a:spcPts val="200"/>
-              </a:spcAft>
-              <a:buSzPct val="100000"/>
-              <a:buFont typeface="Calibri" panose="020F0502020204030204" pitchFamily="34" charset="0"/>
-              <a:buChar char=" "/>
-            </a:pPr>
-            <a:r>
-              <a:rPr lang="fr-FR" sz="3200" dirty="0" smtClean="0">
-                <a:solidFill>
-                  <a:schemeClr val="tx1"/>
-                </a:solidFill>
-              </a:rPr>
-              <a:t>Cas numéro 11 :  Quitter</a:t>
-            </a:r>
-          </a:p>
-          <a:p>
-            <a:pPr marL="91440" lvl="3" indent="-91440">
-              <a:spcBef>
-                <a:spcPts val="1200"/>
-              </a:spcBef>
-              <a:spcAft>
-                <a:spcPts val="200"/>
-              </a:spcAft>
-              <a:buSzPct val="100000"/>
-              <a:buFont typeface="Calibri" panose="020F0502020204030204" pitchFamily="34" charset="0"/>
-              <a:buChar char=" "/>
-            </a:pPr>
-            <a:endParaRPr lang="fr-FR" sz="6000" dirty="0">
-              <a:solidFill>
-                <a:schemeClr val="tx1"/>
-              </a:solidFill>
-            </a:endParaRPr>
-          </a:p>
-          <a:p>
-            <a:pPr marL="91440" lvl="3" indent="-91440">
-              <a:spcBef>
-                <a:spcPts val="1200"/>
-              </a:spcBef>
-              <a:spcAft>
-                <a:spcPts val="200"/>
-              </a:spcAft>
-              <a:buSzPct val="100000"/>
-              <a:buFont typeface="Calibri" panose="020F0502020204030204" pitchFamily="34" charset="0"/>
-              <a:buChar char=" "/>
-            </a:pPr>
-            <a:endParaRPr lang="fr-FR" sz="6000" dirty="0">
-              <a:solidFill>
-                <a:schemeClr val="tx1"/>
-              </a:solidFill>
-            </a:endParaRPr>
-          </a:p>
-          <a:p>
-            <a:endParaRPr lang="fr-FR" dirty="0"/>
-          </a:p>
-        </p:txBody>
-      </p:sp>
-    </p:spTree>
-    <p:extLst>
-      <p:ext uri="{BB962C8B-B14F-4D97-AF65-F5344CB8AC3E}">
-        <p14:creationId xmlns:p14="http://schemas.microsoft.com/office/powerpoint/2010/main" val="2457918274"/>
-      </p:ext>
-    </p:extLst>
-  </p:cSld>
-  <p:clrMapOvr>
-    <a:masterClrMapping/>
-  </p:clrMapOvr>
-  <mc:AlternateContent xmlns:mc="http://schemas.openxmlformats.org/markup-compatibility/2006" xmlns:p14="http://schemas.microsoft.com/office/powerpoint/2010/main">
-    <mc:Choice Requires="p14">
-      <p:transition spd="slow" p14:dur="1500">
-        <p14:reveal/>
-      </p:transition>
-    </mc:Choice>
-    <mc:Fallback xmlns="">
-      <p:transition spd="slow">
-        <p:fade/>
-      </p:transition>
-    </mc:Fallback>
-  </mc:AlternateContent>
-  <p:timing>
-    <p:tnLst>
-      <p:par>
-        <p:cTn id="1" dur="indefinite" restart="never" nodeType="tmRoot"/>
-      </p:par>
-    </p:tnLst>
-  </p:timing>
-</p:sld>
-</file>
-
-<file path=ppt/slides/slide16.xml><?xml version="1.0" encoding="utf-8"?>
-<p:sld xmlns:a="http://schemas.openxmlformats.org/drawingml/2006/main" xmlns:r="http://schemas.openxmlformats.org/officeDocument/2006/relationships" xmlns:p="http://schemas.openxmlformats.org/presentationml/2006/main">
-  <p:cSld>
-    <p:spTree>
-      <p:nvGrpSpPr>
-        <p:cNvPr id="1" name=""/>
-        <p:cNvGrpSpPr/>
-        <p:nvPr/>
-      </p:nvGrpSpPr>
-      <p:grpSpPr>
-        <a:xfrm>
-          <a:off x="0" y="0"/>
-          <a:ext cx="0" cy="0"/>
-          <a:chOff x="0" y="0"/>
-          <a:chExt cx="0" cy="0"/>
-        </a:xfrm>
-      </p:grpSpPr>
-      <p:sp>
-        <p:nvSpPr>
-          <p:cNvPr id="2" name="Titre 1"/>
-          <p:cNvSpPr>
-            <a:spLocks noGrp="1"/>
-          </p:cNvSpPr>
-          <p:nvPr>
-            <p:ph type="title"/>
-          </p:nvPr>
-        </p:nvSpPr>
-        <p:spPr/>
-        <p:txBody>
-          <a:bodyPr/>
-          <a:lstStyle/>
-          <a:p>
-            <a:r>
-              <a:rPr lang="fr-FR" dirty="0" smtClean="0">
-                <a:solidFill>
-                  <a:srgbClr val="BD582C">
-                    <a:lumMod val="75000"/>
-                  </a:srgbClr>
-                </a:solidFill>
-              </a:rPr>
-              <a:t>C. Conception</a:t>
-            </a:r>
-            <a:endParaRPr lang="fr-FR" dirty="0"/>
-          </a:p>
-        </p:txBody>
-      </p:sp>
-      <p:sp>
-        <p:nvSpPr>
-          <p:cNvPr id="3" name="Espace réservé du contenu 2"/>
-          <p:cNvSpPr>
-            <a:spLocks noGrp="1"/>
-          </p:cNvSpPr>
-          <p:nvPr>
-            <p:ph idx="1"/>
-          </p:nvPr>
-        </p:nvSpPr>
-        <p:spPr/>
-        <p:txBody>
-          <a:bodyPr>
-            <a:normAutofit/>
-          </a:bodyPr>
-          <a:lstStyle/>
-          <a:p>
-            <a:r>
-              <a:rPr lang="fr-FR" sz="2800" dirty="0" smtClean="0">
-                <a:solidFill>
-                  <a:srgbClr val="F3A129"/>
-                </a:solidFill>
-              </a:rPr>
-              <a:t>Diagramme de classes : </a:t>
-            </a:r>
-          </a:p>
-          <a:p>
-            <a:pPr lvl="5">
-              <a:buFont typeface="Arial" panose="020B0604020202020204" pitchFamily="34" charset="0"/>
-              <a:buChar char="•"/>
-            </a:pPr>
-            <a:r>
-              <a:rPr lang="fr-FR" sz="2200" dirty="0" smtClean="0">
-                <a:solidFill>
-                  <a:schemeClr val="tx1"/>
-                </a:solidFill>
-              </a:rPr>
-              <a:t>Division en deux projets distincts :  Mini-Calculatrice et Mini-Tableur</a:t>
-            </a:r>
-          </a:p>
-          <a:p>
-            <a:pPr lvl="5">
-              <a:buFont typeface="Arial" panose="020B0604020202020204" pitchFamily="34" charset="0"/>
-              <a:buChar char="•"/>
-            </a:pPr>
-            <a:endParaRPr lang="fr-FR" sz="2200" dirty="0" smtClean="0">
-              <a:solidFill>
-                <a:schemeClr val="tx1"/>
-              </a:solidFill>
-            </a:endParaRPr>
-          </a:p>
-          <a:p>
-            <a:pPr lvl="5">
-              <a:buFont typeface="Arial" panose="020B0604020202020204" pitchFamily="34" charset="0"/>
-              <a:buChar char="•"/>
-            </a:pPr>
-            <a:r>
-              <a:rPr lang="fr-FR" sz="2200" dirty="0" smtClean="0">
-                <a:solidFill>
-                  <a:schemeClr val="tx1"/>
-                </a:solidFill>
-              </a:rPr>
-              <a:t>Division en différents packages </a:t>
-            </a:r>
-          </a:p>
-          <a:p>
-            <a:pPr lvl="5">
-              <a:buFont typeface="Arial" panose="020B0604020202020204" pitchFamily="34" charset="0"/>
-              <a:buChar char="•"/>
-            </a:pPr>
-            <a:endParaRPr lang="fr-FR" sz="2200" dirty="0" smtClean="0">
-              <a:solidFill>
-                <a:schemeClr val="tx1"/>
-              </a:solidFill>
-            </a:endParaRPr>
-          </a:p>
-          <a:p>
-            <a:pPr lvl="5">
-              <a:buFont typeface="Arial" panose="020B0604020202020204" pitchFamily="34" charset="0"/>
-              <a:buChar char="•"/>
-            </a:pPr>
-            <a:r>
-              <a:rPr lang="fr-FR" sz="2200" dirty="0" smtClean="0">
-                <a:solidFill>
-                  <a:schemeClr val="tx1"/>
-                </a:solidFill>
-              </a:rPr>
-              <a:t>Utilisation de classes abstraites</a:t>
-            </a:r>
-          </a:p>
-          <a:p>
-            <a:pPr lvl="5">
-              <a:buFont typeface="Arial" panose="020B0604020202020204" pitchFamily="34" charset="0"/>
-              <a:buChar char="•"/>
-            </a:pPr>
-            <a:endParaRPr lang="fr-FR" sz="2200" dirty="0" smtClean="0">
-              <a:solidFill>
-                <a:schemeClr val="tx1"/>
-              </a:solidFill>
-            </a:endParaRPr>
-          </a:p>
-          <a:p>
-            <a:pPr lvl="5">
-              <a:buFont typeface="Arial" panose="020B0604020202020204" pitchFamily="34" charset="0"/>
-              <a:buChar char="•"/>
-            </a:pPr>
-            <a:r>
-              <a:rPr lang="fr-FR" sz="2200" dirty="0" smtClean="0">
-                <a:solidFill>
-                  <a:schemeClr val="tx1"/>
-                </a:solidFill>
-              </a:rPr>
-              <a:t>Utilisation des liaisons telles que : l’association, la généralisation, la dépendance </a:t>
-            </a:r>
-            <a:endParaRPr lang="fr-FR" sz="2200" dirty="0">
-              <a:solidFill>
-                <a:schemeClr val="tx1"/>
-              </a:solidFill>
-            </a:endParaRPr>
-          </a:p>
-        </p:txBody>
-      </p:sp>
-    </p:spTree>
-    <p:extLst>
-      <p:ext uri="{BB962C8B-B14F-4D97-AF65-F5344CB8AC3E}">
-        <p14:creationId xmlns:p14="http://schemas.microsoft.com/office/powerpoint/2010/main" val="163174151"/>
-      </p:ext>
-    </p:extLst>
-  </p:cSld>
-  <p:clrMapOvr>
-    <a:masterClrMapping/>
-  </p:clrMapOvr>
-  <mc:AlternateContent xmlns:mc="http://schemas.openxmlformats.org/markup-compatibility/2006" xmlns:p14="http://schemas.microsoft.com/office/powerpoint/2010/main">
-    <mc:Choice Requires="p14">
-      <p:transition spd="slow" p14:dur="1500">
-        <p14:reveal/>
-      </p:transition>
-    </mc:Choice>
-    <mc:Fallback xmlns="">
-      <p:transition spd="slow">
-        <p:fade/>
-      </p:transition>
-    </mc:Fallback>
-  </mc:AlternateContent>
-  <p:timing>
-    <p:tnLst>
-      <p:par>
-        <p:cTn id="1" dur="indefinite" restart="never" nodeType="tmRoot"/>
-      </p:par>
-    </p:tnLst>
-  </p:timing>
-</p:sld>
-</file>
-
-<file path=ppt/slides/slide17.xml><?xml version="1.0" encoding="utf-8"?>
-<p:sld xmlns:a="http://schemas.openxmlformats.org/drawingml/2006/main" xmlns:r="http://schemas.openxmlformats.org/officeDocument/2006/relationships" xmlns:p="http://schemas.openxmlformats.org/presentationml/2006/main">
-  <p:cSld>
-    <p:spTree>
-      <p:nvGrpSpPr>
-        <p:cNvPr id="1" name=""/>
-        <p:cNvGrpSpPr/>
-        <p:nvPr/>
-      </p:nvGrpSpPr>
-      <p:grpSpPr>
-        <a:xfrm>
-          <a:off x="0" y="0"/>
-          <a:ext cx="0" cy="0"/>
-          <a:chOff x="0" y="0"/>
-          <a:chExt cx="0" cy="0"/>
-        </a:xfrm>
-      </p:grpSpPr>
-      <p:sp>
-        <p:nvSpPr>
-          <p:cNvPr id="2" name="Titre 1"/>
-          <p:cNvSpPr>
-            <a:spLocks noGrp="1"/>
-          </p:cNvSpPr>
-          <p:nvPr>
-            <p:ph type="title"/>
-          </p:nvPr>
-        </p:nvSpPr>
-        <p:spPr/>
-        <p:txBody>
-          <a:bodyPr/>
-          <a:lstStyle/>
-          <a:p>
-            <a:r>
-              <a:rPr lang="fr-FR" dirty="0" smtClean="0">
-                <a:solidFill>
-                  <a:srgbClr val="BD582C">
-                    <a:lumMod val="75000"/>
-                  </a:srgbClr>
-                </a:solidFill>
-              </a:rPr>
-              <a:t>D. Codage</a:t>
-            </a:r>
-            <a:endParaRPr lang="fr-FR" dirty="0"/>
-          </a:p>
-        </p:txBody>
-      </p:sp>
-      <p:sp>
-        <p:nvSpPr>
-          <p:cNvPr id="3" name="Espace réservé du contenu 2"/>
-          <p:cNvSpPr>
-            <a:spLocks noGrp="1"/>
-          </p:cNvSpPr>
-          <p:nvPr>
-            <p:ph idx="1"/>
-          </p:nvPr>
-        </p:nvSpPr>
-        <p:spPr/>
-        <p:txBody>
-          <a:bodyPr/>
-          <a:lstStyle/>
-          <a:p>
-            <a:endParaRPr lang="fr-FR" dirty="0" smtClean="0"/>
-          </a:p>
-          <a:p>
-            <a:pPr marL="91440" lvl="3" indent="-91440">
-              <a:spcBef>
-                <a:spcPts val="1200"/>
-              </a:spcBef>
-              <a:spcAft>
-                <a:spcPts val="200"/>
-              </a:spcAft>
-              <a:buSzPct val="100000"/>
-              <a:buFont typeface="Calibri" panose="020F0502020204030204" pitchFamily="34" charset="0"/>
-              <a:buChar char=" "/>
-            </a:pPr>
-            <a:r>
-              <a:rPr lang="fr-FR" sz="3200" dirty="0" smtClean="0">
-                <a:solidFill>
-                  <a:srgbClr val="FFC000"/>
-                </a:solidFill>
-              </a:rPr>
-              <a:t>Fonctionnement de l’application</a:t>
-            </a:r>
-            <a:endParaRPr lang="fr-FR" sz="3200" dirty="0">
-              <a:solidFill>
-                <a:srgbClr val="FFC000"/>
-              </a:solidFill>
-            </a:endParaRPr>
-          </a:p>
-          <a:p>
-            <a:endParaRPr lang="fr-FR" dirty="0"/>
-          </a:p>
-        </p:txBody>
-      </p:sp>
-    </p:spTree>
-    <p:extLst>
-      <p:ext uri="{BB962C8B-B14F-4D97-AF65-F5344CB8AC3E}">
-        <p14:creationId xmlns:p14="http://schemas.microsoft.com/office/powerpoint/2010/main" val="3860036840"/>
-      </p:ext>
-    </p:extLst>
-  </p:cSld>
-  <p:clrMapOvr>
-    <a:masterClrMapping/>
-  </p:clrMapOvr>
-  <mc:AlternateContent xmlns:mc="http://schemas.openxmlformats.org/markup-compatibility/2006" xmlns:p14="http://schemas.microsoft.com/office/powerpoint/2010/main">
-    <mc:Choice Requires="p14">
-      <p:transition spd="slow" p14:dur="1500">
-        <p14:reveal/>
-      </p:transition>
-    </mc:Choice>
-    <mc:Fallback xmlns="">
-      <p:transition spd="slow">
-        <p:fade/>
-      </p:transition>
-    </mc:Fallback>
-  </mc:AlternateContent>
-  <p:timing>
-    <p:tnLst>
-      <p:par>
-        <p:cTn id="1" dur="indefinite" restart="never" nodeType="tmRoot"/>
-      </p:par>
-    </p:tnLst>
-  </p:timing>
-</p:sld>
-</file>
-
-<file path=ppt/slides/slide18.xml><?xml version="1.0" encoding="utf-8"?>
-<p:sld xmlns:a="http://schemas.openxmlformats.org/drawingml/2006/main" xmlns:r="http://schemas.openxmlformats.org/officeDocument/2006/relationships" xmlns:p="http://schemas.openxmlformats.org/presentationml/2006/main">
-  <p:cSld>
-    <p:spTree>
-      <p:nvGrpSpPr>
-        <p:cNvPr id="1" name=""/>
-        <p:cNvGrpSpPr/>
-        <p:nvPr/>
-      </p:nvGrpSpPr>
-      <p:grpSpPr>
-        <a:xfrm>
-          <a:off x="0" y="0"/>
-          <a:ext cx="0" cy="0"/>
-          <a:chOff x="0" y="0"/>
-          <a:chExt cx="0" cy="0"/>
-        </a:xfrm>
-      </p:grpSpPr>
-      <p:sp>
-        <p:nvSpPr>
-          <p:cNvPr id="2" name="Titre 1"/>
-          <p:cNvSpPr>
-            <a:spLocks noGrp="1"/>
-          </p:cNvSpPr>
-          <p:nvPr>
-            <p:ph type="title"/>
-          </p:nvPr>
-        </p:nvSpPr>
-        <p:spPr/>
-        <p:txBody>
-          <a:bodyPr/>
-          <a:lstStyle/>
-          <a:p>
-            <a:r>
-              <a:rPr lang="fr-FR" dirty="0" smtClean="0">
-                <a:solidFill>
-                  <a:srgbClr val="BD582C">
-                    <a:lumMod val="75000"/>
-                  </a:srgbClr>
-                </a:solidFill>
-              </a:rPr>
-              <a:t>E. Tests</a:t>
-            </a:r>
-            <a:endParaRPr lang="fr-FR" dirty="0"/>
-          </a:p>
-        </p:txBody>
-      </p:sp>
-      <p:sp>
-        <p:nvSpPr>
-          <p:cNvPr id="3" name="Espace réservé du contenu 2"/>
-          <p:cNvSpPr>
-            <a:spLocks noGrp="1"/>
-          </p:cNvSpPr>
-          <p:nvPr>
-            <p:ph idx="1"/>
-          </p:nvPr>
-        </p:nvSpPr>
-        <p:spPr/>
-        <p:txBody>
-          <a:bodyPr/>
-          <a:lstStyle/>
-          <a:p>
-            <a:pPr marL="91440" lvl="3" indent="-91440">
-              <a:spcBef>
-                <a:spcPts val="1200"/>
-              </a:spcBef>
-              <a:spcAft>
-                <a:spcPts val="200"/>
-              </a:spcAft>
-              <a:buSzPct val="100000"/>
-              <a:buFont typeface="Calibri" panose="020F0502020204030204" pitchFamily="34" charset="0"/>
-              <a:buChar char=" "/>
-            </a:pPr>
-            <a:endParaRPr lang="fr-FR" sz="3200" dirty="0" smtClean="0">
-              <a:solidFill>
-                <a:srgbClr val="FFC000"/>
-              </a:solidFill>
-            </a:endParaRPr>
-          </a:p>
-          <a:p>
-            <a:pPr marL="91440" lvl="3" indent="-91440">
-              <a:spcBef>
-                <a:spcPts val="1200"/>
-              </a:spcBef>
-              <a:spcAft>
-                <a:spcPts val="200"/>
-              </a:spcAft>
-              <a:buSzPct val="100000"/>
-              <a:buFont typeface="Calibri" panose="020F0502020204030204" pitchFamily="34" charset="0"/>
-              <a:buChar char=" "/>
-            </a:pPr>
-            <a:r>
-              <a:rPr lang="fr-FR" sz="3200" dirty="0" smtClean="0">
-                <a:solidFill>
-                  <a:srgbClr val="FFC000"/>
-                </a:solidFill>
-              </a:rPr>
-              <a:t>1) Programmes de tests</a:t>
-            </a:r>
-          </a:p>
-          <a:p>
-            <a:pPr marL="91440" lvl="3" indent="-91440">
-              <a:spcBef>
-                <a:spcPts val="1200"/>
-              </a:spcBef>
-              <a:spcAft>
-                <a:spcPts val="200"/>
-              </a:spcAft>
-              <a:buSzPct val="100000"/>
-              <a:buFont typeface="Calibri" panose="020F0502020204030204" pitchFamily="34" charset="0"/>
-              <a:buChar char=" "/>
-            </a:pPr>
-            <a:endParaRPr lang="fr-FR" sz="3200" dirty="0" smtClean="0">
-              <a:solidFill>
-                <a:srgbClr val="FFC000"/>
-              </a:solidFill>
-            </a:endParaRPr>
-          </a:p>
-          <a:p>
-            <a:pPr marL="91440" lvl="3" indent="-91440">
-              <a:spcBef>
-                <a:spcPts val="1200"/>
-              </a:spcBef>
-              <a:spcAft>
-                <a:spcPts val="200"/>
-              </a:spcAft>
-              <a:buSzPct val="100000"/>
-              <a:buFont typeface="Calibri" panose="020F0502020204030204" pitchFamily="34" charset="0"/>
-              <a:buChar char=" "/>
-            </a:pPr>
-            <a:r>
-              <a:rPr lang="fr-FR" sz="3200" dirty="0" smtClean="0">
-                <a:solidFill>
-                  <a:srgbClr val="FFC000"/>
-                </a:solidFill>
-              </a:rPr>
-              <a:t>2) Résultat des programmes de test</a:t>
-            </a:r>
-            <a:endParaRPr lang="fr-FR" sz="3200" dirty="0">
-              <a:solidFill>
-                <a:srgbClr val="FFC000"/>
-              </a:solidFill>
-            </a:endParaRPr>
-          </a:p>
-          <a:p>
-            <a:endParaRPr lang="fr-FR" dirty="0"/>
-          </a:p>
-        </p:txBody>
-      </p:sp>
-    </p:spTree>
-    <p:extLst>
-      <p:ext uri="{BB962C8B-B14F-4D97-AF65-F5344CB8AC3E}">
-        <p14:creationId xmlns:p14="http://schemas.microsoft.com/office/powerpoint/2010/main" val="3311107184"/>
-      </p:ext>
-    </p:extLst>
-  </p:cSld>
-  <p:clrMapOvr>
-    <a:masterClrMapping/>
-  </p:clrMapOvr>
-  <mc:AlternateContent xmlns:mc="http://schemas.openxmlformats.org/markup-compatibility/2006" xmlns:p14="http://schemas.microsoft.com/office/powerpoint/2010/main">
-    <mc:Choice Requires="p14">
-      <p:transition spd="slow" p14:dur="1500">
-        <p14:reveal/>
-      </p:transition>
-    </mc:Choice>
-    <mc:Fallback xmlns="">
-      <p:transition spd="slow">
-        <p:fade/>
-      </p:transition>
-    </mc:Fallback>
-  </mc:AlternateContent>
-  <p:timing>
-    <p:tnLst>
-      <p:par>
-        <p:cTn id="1" dur="indefinite" restart="never" nodeType="tmRoot"/>
-      </p:par>
-    </p:tnLst>
-  </p:timing>
-</p:sld>
-</file>
-
-<file path=ppt/slides/slide19.xml><?xml version="1.0" encoding="utf-8"?>
-<p:sld xmlns:a="http://schemas.openxmlformats.org/drawingml/2006/main" xmlns:r="http://schemas.openxmlformats.org/officeDocument/2006/relationships" xmlns:p="http://schemas.openxmlformats.org/presentationml/2006/main">
-  <p:cSld>
-    <p:spTree>
-      <p:nvGrpSpPr>
-        <p:cNvPr id="1" name=""/>
-        <p:cNvGrpSpPr/>
-        <p:nvPr/>
-      </p:nvGrpSpPr>
-      <p:grpSpPr>
-        <a:xfrm>
-          <a:off x="0" y="0"/>
-          <a:ext cx="0" cy="0"/>
-          <a:chOff x="0" y="0"/>
-          <a:chExt cx="0" cy="0"/>
-        </a:xfrm>
-      </p:grpSpPr>
-      <p:sp>
-        <p:nvSpPr>
-          <p:cNvPr id="2" name="Titre 1"/>
-          <p:cNvSpPr>
-            <a:spLocks noGrp="1"/>
-          </p:cNvSpPr>
-          <p:nvPr>
-            <p:ph type="title"/>
-          </p:nvPr>
-        </p:nvSpPr>
-        <p:spPr>
-          <a:xfrm>
-            <a:off x="942733" y="31745"/>
-            <a:ext cx="10058400" cy="1209326"/>
-          </a:xfrm>
-        </p:spPr>
-        <p:txBody>
-          <a:bodyPr>
-            <a:normAutofit/>
-          </a:bodyPr>
-          <a:lstStyle/>
-          <a:p>
-            <a:r>
-              <a:rPr lang="fr-FR" sz="3200" b="1" cap="small" dirty="0"/>
-              <a:t>- </a:t>
-            </a:r>
-            <a:r>
-              <a:rPr lang="fr-FR" sz="3200" b="1" cap="small" dirty="0" err="1"/>
-              <a:t>TestCommandesCalculatrice</a:t>
-            </a:r>
-            <a:r>
-              <a:rPr lang="fr-FR" sz="3200" b="1" cap="small" dirty="0"/>
-              <a:t/>
-            </a:r>
-            <a:br>
-              <a:rPr lang="fr-FR" sz="3200" b="1" cap="small" dirty="0"/>
-            </a:br>
-            <a:endParaRPr lang="fr-FR" sz="3200" dirty="0"/>
-          </a:p>
-        </p:txBody>
-      </p:sp>
-      <p:sp>
-        <p:nvSpPr>
-          <p:cNvPr id="3" name="Espace réservé du contenu 2"/>
-          <p:cNvSpPr>
-            <a:spLocks noGrp="1"/>
-          </p:cNvSpPr>
-          <p:nvPr>
-            <p:ph idx="1"/>
-          </p:nvPr>
-        </p:nvSpPr>
-        <p:spPr>
-          <a:xfrm>
-            <a:off x="1097280" y="1845734"/>
-            <a:ext cx="10058400" cy="4323246"/>
-          </a:xfrm>
-        </p:spPr>
-        <p:txBody>
-          <a:bodyPr/>
-          <a:lstStyle/>
-          <a:p>
-            <a:endParaRPr lang="fr-FR" dirty="0"/>
-          </a:p>
-        </p:txBody>
-      </p:sp>
-      <p:pic>
-        <p:nvPicPr>
-          <p:cNvPr id="4" name="Picture 1"/>
-          <p:cNvPicPr/>
-          <p:nvPr/>
-        </p:nvPicPr>
-        <p:blipFill>
-          <a:blip r:embed="rId2" cstate="print"/>
-          <a:srcRect/>
-          <a:stretch>
-            <a:fillRect/>
-          </a:stretch>
-        </p:blipFill>
-        <p:spPr bwMode="auto">
-          <a:xfrm>
-            <a:off x="669701" y="953037"/>
-            <a:ext cx="10612191" cy="5324318"/>
-          </a:xfrm>
-          <a:prstGeom prst="rect">
-            <a:avLst/>
-          </a:prstGeom>
-          <a:noFill/>
-          <a:ln w="9525">
-            <a:noFill/>
-            <a:miter lim="800000"/>
-            <a:headEnd/>
-            <a:tailEnd/>
-          </a:ln>
-        </p:spPr>
-      </p:pic>
-    </p:spTree>
-    <p:extLst>
-      <p:ext uri="{BB962C8B-B14F-4D97-AF65-F5344CB8AC3E}">
-        <p14:creationId xmlns:p14="http://schemas.microsoft.com/office/powerpoint/2010/main" val="3991831653"/>
-      </p:ext>
-    </p:extLst>
-  </p:cSld>
-  <p:clrMapOvr>
-    <a:masterClrMapping/>
-  </p:clrMapOvr>
-  <mc:AlternateContent xmlns:mc="http://schemas.openxmlformats.org/markup-compatibility/2006" xmlns:p14="http://schemas.microsoft.com/office/powerpoint/2010/main">
-    <mc:Choice Requires="p14">
-      <p:transition spd="slow" p14:dur="1500">
-        <p14:reveal/>
-      </p:transition>
-    </mc:Choice>
-    <mc:Fallback xmlns="">
+    <mc:Fallback>
       <p:transition spd="slow">
         <p:fade/>
       </p:transition>
@@ -7090,932 +5227,20 @@
     </p:spTree>
     <p:extLst>
       <p:ext uri="{BB962C8B-B14F-4D97-AF65-F5344CB8AC3E}">
-        <p14:creationId xmlns:p14="http://schemas.microsoft.com/office/powerpoint/2010/main" val="368315210"/>
+        <p14:creationId xmlns:p14="http://schemas.microsoft.com/office/powerpoint/2010/main" xmlns="" val="368315210"/>
       </p:ext>
     </p:extLst>
   </p:cSld>
   <p:clrMapOvr>
     <a:masterClrMapping/>
   </p:clrMapOvr>
-  <mc:AlternateContent xmlns:mc="http://schemas.openxmlformats.org/markup-compatibility/2006" xmlns:p14="http://schemas.microsoft.com/office/powerpoint/2010/main">
-    <mc:Choice Requires="p14">
+  <mc:AlternateContent xmlns:mc="http://schemas.openxmlformats.org/markup-compatibility/2006">
+    <mc:Choice xmlns:p14="http://schemas.microsoft.com/office/powerpoint/2010/main" xmlns="" Requires="p14">
       <p:transition spd="slow" p14:dur="1500">
         <p14:reveal/>
       </p:transition>
     </mc:Choice>
-    <mc:Fallback xmlns="">
-      <p:transition spd="slow">
-        <p:fade/>
-      </p:transition>
-    </mc:Fallback>
-  </mc:AlternateContent>
-  <p:timing>
-    <p:tnLst>
-      <p:par>
-        <p:cTn id="1" dur="indefinite" restart="never" nodeType="tmRoot"/>
-      </p:par>
-    </p:tnLst>
-  </p:timing>
-</p:sld>
-</file>
-
-<file path=ppt/slides/slide20.xml><?xml version="1.0" encoding="utf-8"?>
-<p:sld xmlns:a="http://schemas.openxmlformats.org/drawingml/2006/main" xmlns:r="http://schemas.openxmlformats.org/officeDocument/2006/relationships" xmlns:p="http://schemas.openxmlformats.org/presentationml/2006/main">
-  <p:cSld>
-    <p:spTree>
-      <p:nvGrpSpPr>
-        <p:cNvPr id="1" name=""/>
-        <p:cNvGrpSpPr/>
-        <p:nvPr/>
-      </p:nvGrpSpPr>
-      <p:grpSpPr>
-        <a:xfrm>
-          <a:off x="0" y="0"/>
-          <a:ext cx="0" cy="0"/>
-          <a:chOff x="0" y="0"/>
-          <a:chExt cx="0" cy="0"/>
-        </a:xfrm>
-      </p:grpSpPr>
-      <p:pic>
-        <p:nvPicPr>
-          <p:cNvPr id="4" name="Picture 5"/>
-          <p:cNvPicPr>
-            <a:picLocks noGrp="1"/>
-          </p:cNvPicPr>
-          <p:nvPr>
-            <p:ph idx="1"/>
-          </p:nvPr>
-        </p:nvPicPr>
-        <p:blipFill>
-          <a:blip r:embed="rId2" cstate="print"/>
-          <a:srcRect/>
-          <a:stretch>
-            <a:fillRect/>
-          </a:stretch>
-        </p:blipFill>
-        <p:spPr bwMode="auto">
-          <a:xfrm>
-            <a:off x="631065" y="286604"/>
-            <a:ext cx="10599311" cy="5985408"/>
-          </a:xfrm>
-          <a:prstGeom prst="rect">
-            <a:avLst/>
-          </a:prstGeom>
-          <a:noFill/>
-          <a:ln w="9525">
-            <a:noFill/>
-            <a:miter lim="800000"/>
-            <a:headEnd/>
-            <a:tailEnd/>
-          </a:ln>
-        </p:spPr>
-      </p:pic>
-    </p:spTree>
-    <p:extLst>
-      <p:ext uri="{BB962C8B-B14F-4D97-AF65-F5344CB8AC3E}">
-        <p14:creationId xmlns:p14="http://schemas.microsoft.com/office/powerpoint/2010/main" val="2365223657"/>
-      </p:ext>
-    </p:extLst>
-  </p:cSld>
-  <p:clrMapOvr>
-    <a:masterClrMapping/>
-  </p:clrMapOvr>
-  <mc:AlternateContent xmlns:mc="http://schemas.openxmlformats.org/markup-compatibility/2006" xmlns:p14="http://schemas.microsoft.com/office/powerpoint/2010/main">
-    <mc:Choice Requires="p14">
-      <p:transition spd="slow" p14:dur="1500">
-        <p14:reveal/>
-      </p:transition>
-    </mc:Choice>
-    <mc:Fallback xmlns="">
-      <p:transition spd="slow">
-        <p:fade/>
-      </p:transition>
-    </mc:Fallback>
-  </mc:AlternateContent>
-  <p:timing>
-    <p:tnLst>
-      <p:par>
-        <p:cTn id="1" dur="indefinite" restart="never" nodeType="tmRoot"/>
-      </p:par>
-    </p:tnLst>
-  </p:timing>
-</p:sld>
-</file>
-
-<file path=ppt/slides/slide21.xml><?xml version="1.0" encoding="utf-8"?>
-<p:sld xmlns:a="http://schemas.openxmlformats.org/drawingml/2006/main" xmlns:r="http://schemas.openxmlformats.org/officeDocument/2006/relationships" xmlns:p="http://schemas.openxmlformats.org/presentationml/2006/main">
-  <p:cSld>
-    <p:spTree>
-      <p:nvGrpSpPr>
-        <p:cNvPr id="1" name=""/>
-        <p:cNvGrpSpPr/>
-        <p:nvPr/>
-      </p:nvGrpSpPr>
-      <p:grpSpPr>
-        <a:xfrm>
-          <a:off x="0" y="0"/>
-          <a:ext cx="0" cy="0"/>
-          <a:chOff x="0" y="0"/>
-          <a:chExt cx="0" cy="0"/>
-        </a:xfrm>
-      </p:grpSpPr>
-      <p:pic>
-        <p:nvPicPr>
-          <p:cNvPr id="4" name="Picture 6"/>
-          <p:cNvPicPr>
-            <a:picLocks noGrp="1"/>
-          </p:cNvPicPr>
-          <p:nvPr>
-            <p:ph idx="1"/>
-          </p:nvPr>
-        </p:nvPicPr>
-        <p:blipFill>
-          <a:blip r:embed="rId2" cstate="print"/>
-          <a:srcRect/>
-          <a:stretch>
-            <a:fillRect/>
-          </a:stretch>
-        </p:blipFill>
-        <p:spPr bwMode="auto">
-          <a:xfrm>
-            <a:off x="605308" y="206062"/>
-            <a:ext cx="11178861" cy="6091707"/>
-          </a:xfrm>
-          <a:prstGeom prst="rect">
-            <a:avLst/>
-          </a:prstGeom>
-          <a:noFill/>
-          <a:ln w="9525">
-            <a:noFill/>
-            <a:miter lim="800000"/>
-            <a:headEnd/>
-            <a:tailEnd/>
-          </a:ln>
-        </p:spPr>
-      </p:pic>
-    </p:spTree>
-    <p:extLst>
-      <p:ext uri="{BB962C8B-B14F-4D97-AF65-F5344CB8AC3E}">
-        <p14:creationId xmlns:p14="http://schemas.microsoft.com/office/powerpoint/2010/main" val="177000561"/>
-      </p:ext>
-    </p:extLst>
-  </p:cSld>
-  <p:clrMapOvr>
-    <a:masterClrMapping/>
-  </p:clrMapOvr>
-  <mc:AlternateContent xmlns:mc="http://schemas.openxmlformats.org/markup-compatibility/2006" xmlns:p14="http://schemas.microsoft.com/office/powerpoint/2010/main">
-    <mc:Choice Requires="p14">
-      <p:transition spd="slow" p14:dur="1500">
-        <p14:reveal/>
-      </p:transition>
-    </mc:Choice>
-    <mc:Fallback xmlns="">
-      <p:transition spd="slow">
-        <p:fade/>
-      </p:transition>
-    </mc:Fallback>
-  </mc:AlternateContent>
-  <p:timing>
-    <p:tnLst>
-      <p:par>
-        <p:cTn id="1" dur="indefinite" restart="never" nodeType="tmRoot"/>
-      </p:par>
-    </p:tnLst>
-  </p:timing>
-</p:sld>
-</file>
-
-<file path=ppt/slides/slide22.xml><?xml version="1.0" encoding="utf-8"?>
-<p:sld xmlns:a="http://schemas.openxmlformats.org/drawingml/2006/main" xmlns:r="http://schemas.openxmlformats.org/officeDocument/2006/relationships" xmlns:p="http://schemas.openxmlformats.org/presentationml/2006/main">
-  <p:cSld>
-    <p:spTree>
-      <p:nvGrpSpPr>
-        <p:cNvPr id="1" name=""/>
-        <p:cNvGrpSpPr/>
-        <p:nvPr/>
-      </p:nvGrpSpPr>
-      <p:grpSpPr>
-        <a:xfrm>
-          <a:off x="0" y="0"/>
-          <a:ext cx="0" cy="0"/>
-          <a:chOff x="0" y="0"/>
-          <a:chExt cx="0" cy="0"/>
-        </a:xfrm>
-      </p:grpSpPr>
-      <p:pic>
-        <p:nvPicPr>
-          <p:cNvPr id="5" name="Picture 7"/>
-          <p:cNvPicPr>
-            <a:picLocks noGrp="1"/>
-          </p:cNvPicPr>
-          <p:nvPr>
-            <p:ph idx="1"/>
-          </p:nvPr>
-        </p:nvPicPr>
-        <p:blipFill>
-          <a:blip r:embed="rId2" cstate="print"/>
-          <a:srcRect/>
-          <a:stretch>
-            <a:fillRect/>
-          </a:stretch>
-        </p:blipFill>
-        <p:spPr bwMode="auto">
-          <a:xfrm>
-            <a:off x="695460" y="553792"/>
-            <a:ext cx="10578020" cy="5666703"/>
-          </a:xfrm>
-          <a:prstGeom prst="rect">
-            <a:avLst/>
-          </a:prstGeom>
-          <a:noFill/>
-          <a:ln w="9525">
-            <a:noFill/>
-            <a:miter lim="800000"/>
-            <a:headEnd/>
-            <a:tailEnd/>
-          </a:ln>
-        </p:spPr>
-      </p:pic>
-    </p:spTree>
-    <p:extLst>
-      <p:ext uri="{BB962C8B-B14F-4D97-AF65-F5344CB8AC3E}">
-        <p14:creationId xmlns:p14="http://schemas.microsoft.com/office/powerpoint/2010/main" val="1572752384"/>
-      </p:ext>
-    </p:extLst>
-  </p:cSld>
-  <p:clrMapOvr>
-    <a:masterClrMapping/>
-  </p:clrMapOvr>
-  <mc:AlternateContent xmlns:mc="http://schemas.openxmlformats.org/markup-compatibility/2006" xmlns:p14="http://schemas.microsoft.com/office/powerpoint/2010/main">
-    <mc:Choice Requires="p14">
-      <p:transition spd="slow" p14:dur="1500">
-        <p14:reveal/>
-      </p:transition>
-    </mc:Choice>
-    <mc:Fallback xmlns="">
-      <p:transition spd="slow">
-        <p:fade/>
-      </p:transition>
-    </mc:Fallback>
-  </mc:AlternateContent>
-  <p:timing>
-    <p:tnLst>
-      <p:par>
-        <p:cTn id="1" dur="indefinite" restart="never" nodeType="tmRoot"/>
-      </p:par>
-    </p:tnLst>
-  </p:timing>
-</p:sld>
-</file>
-
-<file path=ppt/slides/slide23.xml><?xml version="1.0" encoding="utf-8"?>
-<p:sld xmlns:a="http://schemas.openxmlformats.org/drawingml/2006/main" xmlns:r="http://schemas.openxmlformats.org/officeDocument/2006/relationships" xmlns:p="http://schemas.openxmlformats.org/presentationml/2006/main">
-  <p:cSld>
-    <p:spTree>
-      <p:nvGrpSpPr>
-        <p:cNvPr id="1" name=""/>
-        <p:cNvGrpSpPr/>
-        <p:nvPr/>
-      </p:nvGrpSpPr>
-      <p:grpSpPr>
-        <a:xfrm>
-          <a:off x="0" y="0"/>
-          <a:ext cx="0" cy="0"/>
-          <a:chOff x="0" y="0"/>
-          <a:chExt cx="0" cy="0"/>
-        </a:xfrm>
-      </p:grpSpPr>
-      <p:pic>
-        <p:nvPicPr>
-          <p:cNvPr id="4" name="Picture 8"/>
-          <p:cNvPicPr>
-            <a:picLocks noGrp="1"/>
-          </p:cNvPicPr>
-          <p:nvPr>
-            <p:ph idx="1"/>
-          </p:nvPr>
-        </p:nvPicPr>
-        <p:blipFill>
-          <a:blip r:embed="rId2" cstate="print"/>
-          <a:srcRect/>
-          <a:stretch>
-            <a:fillRect/>
-          </a:stretch>
-        </p:blipFill>
-        <p:spPr bwMode="auto">
-          <a:xfrm>
-            <a:off x="641651" y="294926"/>
-            <a:ext cx="10588726" cy="5809660"/>
-          </a:xfrm>
-          <a:prstGeom prst="rect">
-            <a:avLst/>
-          </a:prstGeom>
-          <a:noFill/>
-          <a:ln w="9525">
-            <a:noFill/>
-            <a:miter lim="800000"/>
-            <a:headEnd/>
-            <a:tailEnd/>
-          </a:ln>
-        </p:spPr>
-      </p:pic>
-    </p:spTree>
-    <p:extLst>
-      <p:ext uri="{BB962C8B-B14F-4D97-AF65-F5344CB8AC3E}">
-        <p14:creationId xmlns:p14="http://schemas.microsoft.com/office/powerpoint/2010/main" val="2033898408"/>
-      </p:ext>
-    </p:extLst>
-  </p:cSld>
-  <p:clrMapOvr>
-    <a:masterClrMapping/>
-  </p:clrMapOvr>
-  <mc:AlternateContent xmlns:mc="http://schemas.openxmlformats.org/markup-compatibility/2006" xmlns:p14="http://schemas.microsoft.com/office/powerpoint/2010/main">
-    <mc:Choice Requires="p14">
-      <p:transition spd="slow" p14:dur="1500">
-        <p14:reveal/>
-      </p:transition>
-    </mc:Choice>
-    <mc:Fallback xmlns="">
-      <p:transition spd="slow">
-        <p:fade/>
-      </p:transition>
-    </mc:Fallback>
-  </mc:AlternateContent>
-  <p:timing>
-    <p:tnLst>
-      <p:par>
-        <p:cTn id="1" dur="indefinite" restart="never" nodeType="tmRoot"/>
-      </p:par>
-    </p:tnLst>
-  </p:timing>
-</p:sld>
-</file>
-
-<file path=ppt/slides/slide24.xml><?xml version="1.0" encoding="utf-8"?>
-<p:sld xmlns:a="http://schemas.openxmlformats.org/drawingml/2006/main" xmlns:r="http://schemas.openxmlformats.org/officeDocument/2006/relationships" xmlns:p="http://schemas.openxmlformats.org/presentationml/2006/main">
-  <p:cSld>
-    <p:spTree>
-      <p:nvGrpSpPr>
-        <p:cNvPr id="1" name=""/>
-        <p:cNvGrpSpPr/>
-        <p:nvPr/>
-      </p:nvGrpSpPr>
-      <p:grpSpPr>
-        <a:xfrm>
-          <a:off x="0" y="0"/>
-          <a:ext cx="0" cy="0"/>
-          <a:chOff x="0" y="0"/>
-          <a:chExt cx="0" cy="0"/>
-        </a:xfrm>
-      </p:grpSpPr>
-      <p:sp>
-        <p:nvSpPr>
-          <p:cNvPr id="3" name="Espace réservé du contenu 2"/>
-          <p:cNvSpPr>
-            <a:spLocks noGrp="1"/>
-          </p:cNvSpPr>
-          <p:nvPr>
-            <p:ph idx="1"/>
-          </p:nvPr>
-        </p:nvSpPr>
-        <p:spPr/>
-        <p:txBody>
-          <a:bodyPr/>
-          <a:lstStyle/>
-          <a:p>
-            <a:endParaRPr lang="fr-FR"/>
-          </a:p>
-        </p:txBody>
-      </p:sp>
-      <p:pic>
-        <p:nvPicPr>
-          <p:cNvPr id="4" name="Picture 9"/>
-          <p:cNvPicPr/>
-          <p:nvPr/>
-        </p:nvPicPr>
-        <p:blipFill>
-          <a:blip r:embed="rId2" cstate="print"/>
-          <a:srcRect/>
-          <a:stretch>
-            <a:fillRect/>
-          </a:stretch>
-        </p:blipFill>
-        <p:spPr bwMode="auto">
-          <a:xfrm>
-            <a:off x="592429" y="464314"/>
-            <a:ext cx="10792496" cy="5678909"/>
-          </a:xfrm>
-          <a:prstGeom prst="rect">
-            <a:avLst/>
-          </a:prstGeom>
-          <a:noFill/>
-          <a:ln w="9525">
-            <a:noFill/>
-            <a:miter lim="800000"/>
-            <a:headEnd/>
-            <a:tailEnd/>
-          </a:ln>
-        </p:spPr>
-      </p:pic>
-    </p:spTree>
-    <p:extLst>
-      <p:ext uri="{BB962C8B-B14F-4D97-AF65-F5344CB8AC3E}">
-        <p14:creationId xmlns:p14="http://schemas.microsoft.com/office/powerpoint/2010/main" val="3911782098"/>
-      </p:ext>
-    </p:extLst>
-  </p:cSld>
-  <p:clrMapOvr>
-    <a:masterClrMapping/>
-  </p:clrMapOvr>
-  <mc:AlternateContent xmlns:mc="http://schemas.openxmlformats.org/markup-compatibility/2006" xmlns:p14="http://schemas.microsoft.com/office/powerpoint/2010/main">
-    <mc:Choice Requires="p14">
-      <p:transition spd="slow" p14:dur="1500">
-        <p14:reveal/>
-      </p:transition>
-    </mc:Choice>
-    <mc:Fallback xmlns="">
-      <p:transition spd="slow">
-        <p:fade/>
-      </p:transition>
-    </mc:Fallback>
-  </mc:AlternateContent>
-  <p:timing>
-    <p:tnLst>
-      <p:par>
-        <p:cTn id="1" dur="indefinite" restart="never" nodeType="tmRoot"/>
-      </p:par>
-    </p:tnLst>
-  </p:timing>
-</p:sld>
-</file>
-
-<file path=ppt/slides/slide25.xml><?xml version="1.0" encoding="utf-8"?>
-<p:sld xmlns:a="http://schemas.openxmlformats.org/drawingml/2006/main" xmlns:r="http://schemas.openxmlformats.org/officeDocument/2006/relationships" xmlns:p="http://schemas.openxmlformats.org/presentationml/2006/main">
-  <p:cSld>
-    <p:spTree>
-      <p:nvGrpSpPr>
-        <p:cNvPr id="1" name=""/>
-        <p:cNvGrpSpPr/>
-        <p:nvPr/>
-      </p:nvGrpSpPr>
-      <p:grpSpPr>
-        <a:xfrm>
-          <a:off x="0" y="0"/>
-          <a:ext cx="0" cy="0"/>
-          <a:chOff x="0" y="0"/>
-          <a:chExt cx="0" cy="0"/>
-        </a:xfrm>
-      </p:grpSpPr>
-      <p:sp>
-        <p:nvSpPr>
-          <p:cNvPr id="2" name="Titre 1"/>
-          <p:cNvSpPr>
-            <a:spLocks noGrp="1"/>
-          </p:cNvSpPr>
-          <p:nvPr>
-            <p:ph type="title"/>
-          </p:nvPr>
-        </p:nvSpPr>
-        <p:spPr/>
-        <p:txBody>
-          <a:bodyPr/>
-          <a:lstStyle/>
-          <a:p>
-            <a:r>
-              <a:rPr lang="fr-FR" sz="3200" b="1" cap="small" dirty="0"/>
-              <a:t>- </a:t>
-            </a:r>
-            <a:r>
-              <a:rPr lang="fr-FR" sz="3200" b="1" cap="small" dirty="0" err="1"/>
-              <a:t>TestVariable</a:t>
-            </a:r>
-            <a:r>
-              <a:rPr lang="fr-FR" sz="3200" b="1" cap="small" dirty="0"/>
-              <a:t> :</a:t>
-            </a:r>
-            <a:r>
-              <a:rPr lang="fr-FR" b="1" cap="small" dirty="0"/>
-              <a:t/>
-            </a:r>
-            <a:br>
-              <a:rPr lang="fr-FR" b="1" cap="small" dirty="0"/>
-            </a:br>
-            <a:endParaRPr lang="fr-FR" dirty="0"/>
-          </a:p>
-        </p:txBody>
-      </p:sp>
-      <p:pic>
-        <p:nvPicPr>
-          <p:cNvPr id="4" name="Picture 11"/>
-          <p:cNvPicPr>
-            <a:picLocks noGrp="1"/>
-          </p:cNvPicPr>
-          <p:nvPr>
-            <p:ph idx="1"/>
-          </p:nvPr>
-        </p:nvPicPr>
-        <p:blipFill>
-          <a:blip r:embed="rId2" cstate="print"/>
-          <a:srcRect/>
-          <a:stretch>
-            <a:fillRect/>
-          </a:stretch>
-        </p:blipFill>
-        <p:spPr bwMode="auto">
-          <a:xfrm>
-            <a:off x="908389" y="1531298"/>
-            <a:ext cx="10058400" cy="4483136"/>
-          </a:xfrm>
-          <a:prstGeom prst="rect">
-            <a:avLst/>
-          </a:prstGeom>
-          <a:noFill/>
-          <a:ln w="9525">
-            <a:noFill/>
-            <a:miter lim="800000"/>
-            <a:headEnd/>
-            <a:tailEnd/>
-          </a:ln>
-        </p:spPr>
-      </p:pic>
-    </p:spTree>
-    <p:extLst>
-      <p:ext uri="{BB962C8B-B14F-4D97-AF65-F5344CB8AC3E}">
-        <p14:creationId xmlns:p14="http://schemas.microsoft.com/office/powerpoint/2010/main" val="2404473533"/>
-      </p:ext>
-    </p:extLst>
-  </p:cSld>
-  <p:clrMapOvr>
-    <a:masterClrMapping/>
-  </p:clrMapOvr>
-  <mc:AlternateContent xmlns:mc="http://schemas.openxmlformats.org/markup-compatibility/2006" xmlns:p14="http://schemas.microsoft.com/office/powerpoint/2010/main">
-    <mc:Choice Requires="p14">
-      <p:transition spd="slow" p14:dur="1500">
-        <p14:reveal/>
-      </p:transition>
-    </mc:Choice>
-    <mc:Fallback xmlns="">
-      <p:transition spd="slow">
-        <p:fade/>
-      </p:transition>
-    </mc:Fallback>
-  </mc:AlternateContent>
-  <p:timing>
-    <p:tnLst>
-      <p:par>
-        <p:cTn id="1" dur="indefinite" restart="never" nodeType="tmRoot"/>
-      </p:par>
-    </p:tnLst>
-  </p:timing>
-</p:sld>
-</file>
-
-<file path=ppt/slides/slide26.xml><?xml version="1.0" encoding="utf-8"?>
-<p:sld xmlns:a="http://schemas.openxmlformats.org/drawingml/2006/main" xmlns:r="http://schemas.openxmlformats.org/officeDocument/2006/relationships" xmlns:p="http://schemas.openxmlformats.org/presentationml/2006/main">
-  <p:cSld>
-    <p:spTree>
-      <p:nvGrpSpPr>
-        <p:cNvPr id="1" name=""/>
-        <p:cNvGrpSpPr/>
-        <p:nvPr/>
-      </p:nvGrpSpPr>
-      <p:grpSpPr>
-        <a:xfrm>
-          <a:off x="0" y="0"/>
-          <a:ext cx="0" cy="0"/>
-          <a:chOff x="0" y="0"/>
-          <a:chExt cx="0" cy="0"/>
-        </a:xfrm>
-      </p:grpSpPr>
-      <p:sp>
-        <p:nvSpPr>
-          <p:cNvPr id="2" name="Titre 1"/>
-          <p:cNvSpPr>
-            <a:spLocks noGrp="1"/>
-          </p:cNvSpPr>
-          <p:nvPr>
-            <p:ph type="title"/>
-          </p:nvPr>
-        </p:nvSpPr>
-        <p:spPr/>
-        <p:txBody>
-          <a:bodyPr/>
-          <a:lstStyle/>
-          <a:p>
-            <a:r>
-              <a:rPr lang="fr-FR" dirty="0" smtClean="0">
-                <a:solidFill>
-                  <a:srgbClr val="BD582C">
-                    <a:lumMod val="75000"/>
-                  </a:srgbClr>
-                </a:solidFill>
-              </a:rPr>
-              <a:t>E. Tests</a:t>
-            </a:r>
-            <a:endParaRPr lang="fr-FR" dirty="0"/>
-          </a:p>
-        </p:txBody>
-      </p:sp>
-      <p:sp>
-        <p:nvSpPr>
-          <p:cNvPr id="3" name="Espace réservé du contenu 2"/>
-          <p:cNvSpPr>
-            <a:spLocks noGrp="1"/>
-          </p:cNvSpPr>
-          <p:nvPr>
-            <p:ph idx="1"/>
-          </p:nvPr>
-        </p:nvSpPr>
-        <p:spPr/>
-        <p:txBody>
-          <a:bodyPr/>
-          <a:lstStyle/>
-          <a:p>
-            <a:pPr marL="566928" lvl="3" indent="0">
-              <a:buNone/>
-            </a:pPr>
-            <a:r>
-              <a:rPr lang="fr-FR" sz="3200" dirty="0" smtClean="0">
-                <a:solidFill>
-                  <a:srgbClr val="FFC000"/>
-                </a:solidFill>
-              </a:rPr>
-              <a:t>3) Scénarios de test</a:t>
-            </a:r>
-          </a:p>
-          <a:p>
-            <a:pPr marL="566928" lvl="3" indent="0">
-              <a:buNone/>
-            </a:pPr>
-            <a:endParaRPr lang="fr-FR" sz="3200" dirty="0">
-              <a:solidFill>
-                <a:srgbClr val="FFC000"/>
-              </a:solidFill>
-            </a:endParaRPr>
-          </a:p>
-          <a:p>
-            <a:pPr marL="566928" lvl="3" indent="0">
-              <a:buNone/>
-            </a:pPr>
-            <a:r>
-              <a:rPr lang="fr-FR" sz="2400" b="1" dirty="0" smtClean="0">
-                <a:solidFill>
-                  <a:schemeClr val="tx1"/>
-                </a:solidFill>
-              </a:rPr>
-              <a:t>Partie Calculatrice :</a:t>
-            </a:r>
-          </a:p>
-          <a:p>
-            <a:pPr marL="566928" lvl="3" indent="0">
-              <a:buNone/>
-            </a:pPr>
-            <a:endParaRPr lang="fr-FR" sz="2400" b="1" dirty="0">
-              <a:solidFill>
-                <a:schemeClr val="tx1"/>
-              </a:solidFill>
-            </a:endParaRPr>
-          </a:p>
-          <a:p>
-            <a:pPr marL="566928" lvl="3" indent="0">
-              <a:buNone/>
-            </a:pPr>
-            <a:endParaRPr lang="fr-FR" sz="2400" b="1" dirty="0" smtClean="0">
-              <a:solidFill>
-                <a:schemeClr val="tx1"/>
-              </a:solidFill>
-            </a:endParaRPr>
-          </a:p>
-          <a:p>
-            <a:pPr marL="566928" lvl="3" indent="0">
-              <a:buNone/>
-            </a:pPr>
-            <a:endParaRPr lang="fr-FR" sz="2400" b="1" dirty="0">
-              <a:solidFill>
-                <a:schemeClr val="tx1"/>
-              </a:solidFill>
-            </a:endParaRPr>
-          </a:p>
-          <a:p>
-            <a:pPr marL="566928" lvl="3" indent="0">
-              <a:buNone/>
-            </a:pPr>
-            <a:r>
-              <a:rPr lang="fr-FR" sz="2400" b="1" dirty="0" smtClean="0">
-                <a:solidFill>
-                  <a:schemeClr val="tx1"/>
-                </a:solidFill>
-              </a:rPr>
-              <a:t>Partie Tableur :</a:t>
-            </a:r>
-            <a:endParaRPr lang="fr-FR" sz="2400" b="1" dirty="0">
-              <a:solidFill>
-                <a:schemeClr val="tx1"/>
-              </a:solidFill>
-            </a:endParaRPr>
-          </a:p>
-          <a:p>
-            <a:endParaRPr lang="fr-FR" dirty="0"/>
-          </a:p>
-        </p:txBody>
-      </p:sp>
-    </p:spTree>
-    <p:extLst>
-      <p:ext uri="{BB962C8B-B14F-4D97-AF65-F5344CB8AC3E}">
-        <p14:creationId xmlns:p14="http://schemas.microsoft.com/office/powerpoint/2010/main" val="3928213839"/>
-      </p:ext>
-    </p:extLst>
-  </p:cSld>
-  <p:clrMapOvr>
-    <a:masterClrMapping/>
-  </p:clrMapOvr>
-  <mc:AlternateContent xmlns:mc="http://schemas.openxmlformats.org/markup-compatibility/2006" xmlns:p14="http://schemas.microsoft.com/office/powerpoint/2010/main">
-    <mc:Choice Requires="p14">
-      <p:transition spd="slow" p14:dur="1500">
-        <p14:reveal/>
-      </p:transition>
-    </mc:Choice>
-    <mc:Fallback xmlns="">
-      <p:transition spd="slow">
-        <p:fade/>
-      </p:transition>
-    </mc:Fallback>
-  </mc:AlternateContent>
-  <p:timing>
-    <p:tnLst>
-      <p:par>
-        <p:cTn id="1" dur="indefinite" restart="never" nodeType="tmRoot"/>
-      </p:par>
-    </p:tnLst>
-  </p:timing>
-</p:sld>
-</file>
-
-<file path=ppt/slides/slide27.xml><?xml version="1.0" encoding="utf-8"?>
-<p:sld xmlns:a="http://schemas.openxmlformats.org/drawingml/2006/main" xmlns:r="http://schemas.openxmlformats.org/officeDocument/2006/relationships" xmlns:p="http://schemas.openxmlformats.org/presentationml/2006/main">
-  <p:cSld>
-    <p:spTree>
-      <p:nvGrpSpPr>
-        <p:cNvPr id="1" name=""/>
-        <p:cNvGrpSpPr/>
-        <p:nvPr/>
-      </p:nvGrpSpPr>
-      <p:grpSpPr>
-        <a:xfrm>
-          <a:off x="0" y="0"/>
-          <a:ext cx="0" cy="0"/>
-          <a:chOff x="0" y="0"/>
-          <a:chExt cx="0" cy="0"/>
-        </a:xfrm>
-      </p:grpSpPr>
-      <p:sp>
-        <p:nvSpPr>
-          <p:cNvPr id="2" name="Titre 1"/>
-          <p:cNvSpPr>
-            <a:spLocks noGrp="1"/>
-          </p:cNvSpPr>
-          <p:nvPr>
-            <p:ph type="title"/>
-          </p:nvPr>
-        </p:nvSpPr>
-        <p:spPr/>
-        <p:txBody>
-          <a:bodyPr/>
-          <a:lstStyle/>
-          <a:p>
-            <a:r>
-              <a:rPr lang="fr-FR" dirty="0" smtClean="0">
-                <a:solidFill>
-                  <a:srgbClr val="BD582C">
-                    <a:lumMod val="75000"/>
-                  </a:srgbClr>
-                </a:solidFill>
-              </a:rPr>
-              <a:t>F. Bilan</a:t>
-            </a:r>
-            <a:endParaRPr lang="fr-FR" dirty="0"/>
-          </a:p>
-        </p:txBody>
-      </p:sp>
-      <p:sp>
-        <p:nvSpPr>
-          <p:cNvPr id="3" name="Espace réservé du contenu 2"/>
-          <p:cNvSpPr>
-            <a:spLocks noGrp="1"/>
-          </p:cNvSpPr>
-          <p:nvPr>
-            <p:ph idx="1"/>
-          </p:nvPr>
-        </p:nvSpPr>
-        <p:spPr/>
-        <p:txBody>
-          <a:bodyPr/>
-          <a:lstStyle/>
-          <a:p>
-            <a:pPr marL="91440" lvl="3" indent="-91440">
-              <a:spcBef>
-                <a:spcPts val="1200"/>
-              </a:spcBef>
-              <a:spcAft>
-                <a:spcPts val="200"/>
-              </a:spcAft>
-              <a:buSzPct val="100000"/>
-              <a:buFont typeface="Calibri" panose="020F0502020204030204" pitchFamily="34" charset="0"/>
-              <a:buChar char=" "/>
-            </a:pPr>
-            <a:endParaRPr lang="fr-FR" sz="3200" dirty="0">
-              <a:solidFill>
-                <a:srgbClr val="FFC000"/>
-              </a:solidFill>
-            </a:endParaRPr>
-          </a:p>
-          <a:p>
-            <a:pPr marL="91440" lvl="3" indent="-91440">
-              <a:spcBef>
-                <a:spcPts val="1200"/>
-              </a:spcBef>
-              <a:spcAft>
-                <a:spcPts val="200"/>
-              </a:spcAft>
-              <a:buSzPct val="100000"/>
-              <a:buFont typeface="Calibri" panose="020F0502020204030204" pitchFamily="34" charset="0"/>
-              <a:buChar char=" "/>
-            </a:pPr>
-            <a:r>
-              <a:rPr lang="fr-FR" sz="3200" dirty="0" smtClean="0">
-                <a:solidFill>
-                  <a:srgbClr val="FFC000"/>
-                </a:solidFill>
-              </a:rPr>
-              <a:t>Satisfaction des besoins</a:t>
-            </a:r>
-          </a:p>
-          <a:p>
-            <a:pPr marL="91440" lvl="3" indent="-91440">
-              <a:spcBef>
-                <a:spcPts val="1200"/>
-              </a:spcBef>
-              <a:spcAft>
-                <a:spcPts val="200"/>
-              </a:spcAft>
-              <a:buSzPct val="100000"/>
-              <a:buFont typeface="Calibri" panose="020F0502020204030204" pitchFamily="34" charset="0"/>
-              <a:buChar char=" "/>
-            </a:pPr>
-            <a:endParaRPr lang="fr-FR" sz="3200" dirty="0">
-              <a:solidFill>
-                <a:srgbClr val="FFC000"/>
-              </a:solidFill>
-            </a:endParaRPr>
-          </a:p>
-          <a:p>
-            <a:pPr marL="91440" lvl="3" indent="-91440">
-              <a:spcBef>
-                <a:spcPts val="1200"/>
-              </a:spcBef>
-              <a:spcAft>
-                <a:spcPts val="200"/>
-              </a:spcAft>
-              <a:buSzPct val="100000"/>
-              <a:buFont typeface="Calibri" panose="020F0502020204030204" pitchFamily="34" charset="0"/>
-              <a:buChar char=" "/>
-            </a:pPr>
-            <a:r>
-              <a:rPr lang="fr-FR" sz="3200" dirty="0" smtClean="0">
-                <a:solidFill>
-                  <a:srgbClr val="FFC000"/>
-                </a:solidFill>
-              </a:rPr>
-              <a:t>Bilan de la gestion de projet </a:t>
-            </a:r>
-            <a:endParaRPr lang="fr-FR" sz="3200" dirty="0">
-              <a:solidFill>
-                <a:srgbClr val="FFC000"/>
-              </a:solidFill>
-            </a:endParaRPr>
-          </a:p>
-          <a:p>
-            <a:endParaRPr lang="fr-FR" dirty="0"/>
-          </a:p>
-        </p:txBody>
-      </p:sp>
-    </p:spTree>
-    <p:extLst>
-      <p:ext uri="{BB962C8B-B14F-4D97-AF65-F5344CB8AC3E}">
-        <p14:creationId xmlns:p14="http://schemas.microsoft.com/office/powerpoint/2010/main" val="1235043849"/>
-      </p:ext>
-    </p:extLst>
-  </p:cSld>
-  <p:clrMapOvr>
-    <a:masterClrMapping/>
-  </p:clrMapOvr>
-  <mc:AlternateContent xmlns:mc="http://schemas.openxmlformats.org/markup-compatibility/2006" xmlns:p14="http://schemas.microsoft.com/office/powerpoint/2010/main">
-    <mc:Choice Requires="p14">
-      <p:transition spd="slow" p14:dur="1500">
-        <p14:reveal/>
-      </p:transition>
-    </mc:Choice>
-    <mc:Fallback xmlns="">
+    <mc:Fallback>
       <p:transition spd="slow">
         <p:fade/>
       </p:transition>
@@ -8232,20 +5457,20 @@
     </p:spTree>
     <p:extLst>
       <p:ext uri="{BB962C8B-B14F-4D97-AF65-F5344CB8AC3E}">
-        <p14:creationId xmlns:p14="http://schemas.microsoft.com/office/powerpoint/2010/main" val="1138473510"/>
+        <p14:creationId xmlns:p14="http://schemas.microsoft.com/office/powerpoint/2010/main" xmlns="" val="1138473510"/>
       </p:ext>
     </p:extLst>
   </p:cSld>
   <p:clrMapOvr>
     <a:masterClrMapping/>
   </p:clrMapOvr>
-  <mc:AlternateContent xmlns:mc="http://schemas.openxmlformats.org/markup-compatibility/2006" xmlns:p14="http://schemas.microsoft.com/office/powerpoint/2010/main">
-    <mc:Choice Requires="p14">
+  <mc:AlternateContent xmlns:mc="http://schemas.openxmlformats.org/markup-compatibility/2006">
+    <mc:Choice xmlns:p14="http://schemas.microsoft.com/office/powerpoint/2010/main" xmlns="" Requires="p14">
       <p:transition spd="slow" p14:dur="1500">
         <p14:reveal/>
       </p:transition>
     </mc:Choice>
-    <mc:Fallback xmlns="">
+    <mc:Fallback>
       <p:transition spd="slow">
         <p:fade/>
       </p:transition>
@@ -8591,20 +5816,20 @@
     </p:spTree>
     <p:extLst>
       <p:ext uri="{BB962C8B-B14F-4D97-AF65-F5344CB8AC3E}">
-        <p14:creationId xmlns:p14="http://schemas.microsoft.com/office/powerpoint/2010/main" val="3063323227"/>
+        <p14:creationId xmlns:p14="http://schemas.microsoft.com/office/powerpoint/2010/main" xmlns="" val="3063323227"/>
       </p:ext>
     </p:extLst>
   </p:cSld>
   <p:clrMapOvr>
     <a:masterClrMapping/>
   </p:clrMapOvr>
-  <mc:AlternateContent xmlns:mc="http://schemas.openxmlformats.org/markup-compatibility/2006" xmlns:p14="http://schemas.microsoft.com/office/powerpoint/2010/main">
-    <mc:Choice Requires="p14">
+  <mc:AlternateContent xmlns:mc="http://schemas.openxmlformats.org/markup-compatibility/2006">
+    <mc:Choice xmlns:p14="http://schemas.microsoft.com/office/powerpoint/2010/main" xmlns="" Requires="p14">
       <p:transition spd="slow" p14:dur="1500">
         <p14:reveal/>
       </p:transition>
     </mc:Choice>
-    <mc:Fallback xmlns="">
+    <mc:Fallback>
       <p:transition spd="slow">
         <p:fade/>
       </p:transition>
@@ -8804,20 +6029,20 @@
     </p:spTree>
     <p:extLst>
       <p:ext uri="{BB962C8B-B14F-4D97-AF65-F5344CB8AC3E}">
-        <p14:creationId xmlns:p14="http://schemas.microsoft.com/office/powerpoint/2010/main" val="3304066050"/>
+        <p14:creationId xmlns:p14="http://schemas.microsoft.com/office/powerpoint/2010/main" xmlns="" val="3304066050"/>
       </p:ext>
     </p:extLst>
   </p:cSld>
   <p:clrMapOvr>
     <a:masterClrMapping/>
   </p:clrMapOvr>
-  <mc:AlternateContent xmlns:mc="http://schemas.openxmlformats.org/markup-compatibility/2006" xmlns:p14="http://schemas.microsoft.com/office/powerpoint/2010/main">
-    <mc:Choice Requires="p14">
+  <mc:AlternateContent xmlns:mc="http://schemas.openxmlformats.org/markup-compatibility/2006">
+    <mc:Choice xmlns:p14="http://schemas.microsoft.com/office/powerpoint/2010/main" xmlns="" Requires="p14">
       <p:transition spd="slow" p14:dur="1500">
         <p14:reveal/>
       </p:transition>
     </mc:Choice>
-    <mc:Fallback xmlns="">
+    <mc:Fallback>
       <p:transition spd="slow">
         <p:fade/>
       </p:transition>
@@ -9042,20 +6267,20 @@
     </p:spTree>
     <p:extLst>
       <p:ext uri="{BB962C8B-B14F-4D97-AF65-F5344CB8AC3E}">
-        <p14:creationId xmlns:p14="http://schemas.microsoft.com/office/powerpoint/2010/main" val="210119029"/>
+        <p14:creationId xmlns:p14="http://schemas.microsoft.com/office/powerpoint/2010/main" xmlns="" val="210119029"/>
       </p:ext>
     </p:extLst>
   </p:cSld>
   <p:clrMapOvr>
     <a:masterClrMapping/>
   </p:clrMapOvr>
-  <mc:AlternateContent xmlns:mc="http://schemas.openxmlformats.org/markup-compatibility/2006" xmlns:p14="http://schemas.microsoft.com/office/powerpoint/2010/main">
-    <mc:Choice Requires="p14">
+  <mc:AlternateContent xmlns:mc="http://schemas.openxmlformats.org/markup-compatibility/2006">
+    <mc:Choice xmlns:p14="http://schemas.microsoft.com/office/powerpoint/2010/main" xmlns="" Requires="p14">
       <p:transition spd="slow" p14:dur="1500">
         <p14:reveal/>
       </p:transition>
     </mc:Choice>
-    <mc:Fallback xmlns="">
+    <mc:Fallback>
       <p:transition spd="slow">
         <p:fade/>
       </p:transition>
@@ -9226,20 +6451,16 @@
           </a:p>
           <a:p>
             <a:r>
-              <a:rPr lang="fr-FR" sz="2400" smtClean="0"/>
-              <a:t>- </a:t>
-            </a:r>
-            <a:r>
-              <a:rPr lang="fr-FR" sz="2400" smtClean="0"/>
-              <a:t>cycle en V </a:t>
-            </a:r>
-            <a:r>
-              <a:rPr lang="fr-FR" sz="2400" smtClean="0"/>
-              <a:t>: </a:t>
-            </a:r>
-            <a:r>
               <a:rPr lang="fr-FR" sz="2400" dirty="0" smtClean="0"/>
-              <a:t>test des méthodes après implémentation</a:t>
+              <a:t>- cycle </a:t>
+            </a:r>
+            <a:r>
+              <a:rPr lang="fr-FR" sz="2400" dirty="0" smtClean="0"/>
+              <a:t>en V </a:t>
+            </a:r>
+            <a:r>
+              <a:rPr lang="fr-FR" sz="2400" dirty="0" smtClean="0"/>
+              <a:t>: test des méthodes après implémentation</a:t>
             </a:r>
             <a:endParaRPr lang="fr-FR" sz="2400" dirty="0"/>
           </a:p>
@@ -9248,20 +6469,20 @@
     </p:spTree>
     <p:extLst>
       <p:ext uri="{BB962C8B-B14F-4D97-AF65-F5344CB8AC3E}">
-        <p14:creationId xmlns:p14="http://schemas.microsoft.com/office/powerpoint/2010/main" val="2616133397"/>
+        <p14:creationId xmlns:p14="http://schemas.microsoft.com/office/powerpoint/2010/main" xmlns="" val="2616133397"/>
       </p:ext>
     </p:extLst>
   </p:cSld>
   <p:clrMapOvr>
     <a:masterClrMapping/>
   </p:clrMapOvr>
-  <mc:AlternateContent xmlns:mc="http://schemas.openxmlformats.org/markup-compatibility/2006" xmlns:p14="http://schemas.microsoft.com/office/powerpoint/2010/main">
-    <mc:Choice Requires="p14">
+  <mc:AlternateContent xmlns:mc="http://schemas.openxmlformats.org/markup-compatibility/2006">
+    <mc:Choice xmlns:p14="http://schemas.microsoft.com/office/powerpoint/2010/main" xmlns="" Requires="p14">
       <p:transition spd="slow" p14:dur="1500">
         <p14:reveal/>
       </p:transition>
     </mc:Choice>
-    <mc:Fallback xmlns="">
+    <mc:Fallback>
       <p:transition spd="slow">
         <p:fade/>
       </p:transition>
@@ -9441,20 +6662,20 @@
     </p:spTree>
     <p:extLst>
       <p:ext uri="{BB962C8B-B14F-4D97-AF65-F5344CB8AC3E}">
-        <p14:creationId xmlns:p14="http://schemas.microsoft.com/office/powerpoint/2010/main" val="296515012"/>
+        <p14:creationId xmlns:p14="http://schemas.microsoft.com/office/powerpoint/2010/main" xmlns="" val="296515012"/>
       </p:ext>
     </p:extLst>
   </p:cSld>
   <p:clrMapOvr>
     <a:masterClrMapping/>
   </p:clrMapOvr>
-  <mc:AlternateContent xmlns:mc="http://schemas.openxmlformats.org/markup-compatibility/2006" xmlns:p14="http://schemas.microsoft.com/office/powerpoint/2010/main">
-    <mc:Choice Requires="p14">
+  <mc:AlternateContent xmlns:mc="http://schemas.openxmlformats.org/markup-compatibility/2006">
+    <mc:Choice xmlns:p14="http://schemas.microsoft.com/office/powerpoint/2010/main" xmlns="" Requires="p14">
       <p:transition spd="slow" p14:dur="1500">
         <p14:reveal/>
       </p:transition>
     </mc:Choice>
-    <mc:Fallback xmlns="">
+    <mc:Fallback>
       <p:transition spd="slow">
         <p:fade/>
       </p:transition>
@@ -9548,7 +6769,15 @@
                   <a:srgbClr val="FFC000"/>
                 </a:solidFill>
               </a:rPr>
-              <a:t>Cahier des charges</a:t>
+              <a:t>Cahier des </a:t>
+            </a:r>
+            <a:r>
+              <a:rPr lang="fr-FR" sz="3200" dirty="0" smtClean="0">
+                <a:solidFill>
+                  <a:srgbClr val="FFC000"/>
+                </a:solidFill>
+              </a:rPr>
+              <a:t>charges</a:t>
             </a:r>
           </a:p>
           <a:p>
@@ -9563,79 +6792,72 @@
               <a:buFont typeface="Calibri" panose="020F0502020204030204" pitchFamily="34" charset="0"/>
               <a:buChar char=" "/>
             </a:pPr>
-            <a:endParaRPr lang="fr-FR" sz="900" dirty="0">
+            <a:endParaRPr lang="fr-FR" sz="3200" dirty="0" smtClean="0">
               <a:solidFill>
                 <a:srgbClr val="FFC000"/>
               </a:solidFill>
             </a:endParaRPr>
           </a:p>
           <a:p>
-            <a:r>
-              <a:rPr lang="fr-FR" dirty="0" smtClean="0"/>
+            <a:pPr marL="91440" lvl="3" indent="-91440">
+              <a:spcBef>
+                <a:spcPts val="1200"/>
+              </a:spcBef>
+              <a:spcAft>
+                <a:spcPts val="200"/>
+              </a:spcAft>
+              <a:buSzPct val="100000"/>
+              <a:buFont typeface="Calibri" panose="020F0502020204030204" pitchFamily="34" charset="0"/>
+              <a:buChar char=" "/>
+            </a:pPr>
+            <a:endParaRPr lang="fr-FR" sz="1000" dirty="0">
+              <a:solidFill>
+                <a:srgbClr val="FFC000"/>
+              </a:solidFill>
+            </a:endParaRPr>
+          </a:p>
+          <a:p>
+            <a:r>
+              <a:rPr lang="fr-FR" sz="2400" dirty="0" smtClean="0"/>
               <a:t>Adaptation du </a:t>
             </a:r>
             <a:r>
-              <a:rPr lang="fr-FR" dirty="0"/>
+              <a:rPr lang="fr-FR" sz="2400" dirty="0"/>
               <a:t>cahier des charges fourni par la </a:t>
             </a:r>
             <a:r>
-              <a:rPr lang="fr-FR" dirty="0" smtClean="0"/>
+              <a:rPr lang="fr-FR" sz="2400" dirty="0" smtClean="0"/>
               <a:t>MOA</a:t>
             </a:r>
-          </a:p>
-          <a:p>
-            <a:endParaRPr lang="fr-FR" dirty="0"/>
-          </a:p>
-          <a:p>
-            <a:r>
-              <a:rPr lang="fr-FR" dirty="0" smtClean="0"/>
-              <a:t>Application divisée en deux parties indépendantes : </a:t>
-            </a:r>
-          </a:p>
-          <a:p>
-            <a:r>
-              <a:rPr lang="fr-FR" dirty="0" smtClean="0">
-                <a:sym typeface="Wingdings" panose="05000000000000000000" pitchFamily="2" charset="2"/>
-              </a:rPr>
-              <a:t></a:t>
-            </a:r>
-            <a:r>
-              <a:rPr lang="fr-FR" dirty="0" smtClean="0"/>
-              <a:t> Mini-Calculatrice</a:t>
-            </a:r>
-          </a:p>
-          <a:p>
-            <a:r>
-              <a:rPr lang="fr-FR" dirty="0" smtClean="0">
-                <a:sym typeface="Wingdings" panose="05000000000000000000" pitchFamily="2" charset="2"/>
-              </a:rPr>
-              <a:t></a:t>
-            </a:r>
-            <a:r>
-              <a:rPr lang="fr-FR" dirty="0" smtClean="0"/>
-              <a:t> Mini-Tableur</a:t>
-            </a:r>
-            <a:endParaRPr lang="fr-FR" dirty="0"/>
+            <a:r>
+              <a:rPr lang="fr-FR" sz="2400" dirty="0"/>
+              <a:t> </a:t>
+            </a:r>
+            <a:r>
+              <a:rPr lang="fr-FR" sz="2400" dirty="0" smtClean="0"/>
+              <a:t>: les changements</a:t>
+            </a:r>
+            <a:endParaRPr lang="fr-FR" sz="2400" dirty="0" smtClean="0"/>
           </a:p>
         </p:txBody>
       </p:sp>
     </p:spTree>
     <p:extLst>
       <p:ext uri="{BB962C8B-B14F-4D97-AF65-F5344CB8AC3E}">
-        <p14:creationId xmlns:p14="http://schemas.microsoft.com/office/powerpoint/2010/main" val="1448288166"/>
+        <p14:creationId xmlns:p14="http://schemas.microsoft.com/office/powerpoint/2010/main" xmlns="" val="1448288166"/>
       </p:ext>
     </p:extLst>
   </p:cSld>
   <p:clrMapOvr>
     <a:masterClrMapping/>
   </p:clrMapOvr>
-  <mc:AlternateContent xmlns:mc="http://schemas.openxmlformats.org/markup-compatibility/2006" xmlns:p14="http://schemas.microsoft.com/office/powerpoint/2010/main">
-    <mc:Choice Requires="p14">
+  <mc:AlternateContent xmlns:mc="http://schemas.openxmlformats.org/markup-compatibility/2006">
+    <mc:Choice xmlns:p14="http://schemas.microsoft.com/office/powerpoint/2010/main" xmlns="" Requires="p14">
       <p:transition spd="slow" p14:dur="1500">
         <p14:reveal/>
       </p:transition>
     </mc:Choice>
-    <mc:Fallback xmlns="">
+    <mc:Fallback>
       <p:transition spd="slow">
         <p:fade/>
       </p:transition>
@@ -9928,7 +7150,7 @@
   <a:extraClrSchemeLst/>
   <a:extLst>
     <a:ext uri="{05A4C25C-085E-4340-85A3-A5531E510DB2}">
-      <thm15:themeFamily xmlns:thm15="http://schemas.microsoft.com/office/thememl/2012/main" name="Retrospect" id="{5F128B03-DCCA-4EEB-AB3B-CF2899314A46}" vid="{3F1AAB62-24C6-49D2-8E01-B56FAC9A3DCD}"/>
+      <thm15:themeFamily xmlns:thm15="http://schemas.microsoft.com/office/thememl/2012/main" xmlns="" name="Retrospect" id="{5F128B03-DCCA-4EEB-AB3B-CF2899314A46}" vid="{3F1AAB62-24C6-49D2-8E01-B56FAC9A3DCD}"/>
     </a:ext>
   </a:extLst>
 </a:theme>
